--- a/talks/src/class03.pptx
+++ b/talks/src/class03.pptx
@@ -5,7 +5,7 @@
     <p:sldMasterId id="2147483648" r:id="rId1"/>
   </p:sldMasterIdLst>
   <p:notesMasterIdLst>
-    <p:notesMasterId r:id="rId47"/>
+    <p:notesMasterId r:id="rId48"/>
   </p:notesMasterIdLst>
   <p:sldIdLst>
     <p:sldId id="280" r:id="rId2"/>
@@ -32,27 +32,28 @@
     <p:sldId id="334" r:id="rId23"/>
     <p:sldId id="335" r:id="rId24"/>
     <p:sldId id="294" r:id="rId25"/>
-    <p:sldId id="336" r:id="rId26"/>
-    <p:sldId id="342" r:id="rId27"/>
-    <p:sldId id="343" r:id="rId28"/>
-    <p:sldId id="316" r:id="rId29"/>
-    <p:sldId id="338" r:id="rId30"/>
-    <p:sldId id="339" r:id="rId31"/>
-    <p:sldId id="340" r:id="rId32"/>
-    <p:sldId id="344" r:id="rId33"/>
-    <p:sldId id="345" r:id="rId34"/>
-    <p:sldId id="346" r:id="rId35"/>
-    <p:sldId id="347" r:id="rId36"/>
-    <p:sldId id="348" r:id="rId37"/>
-    <p:sldId id="300" r:id="rId38"/>
-    <p:sldId id="319" r:id="rId39"/>
-    <p:sldId id="318" r:id="rId40"/>
-    <p:sldId id="306" r:id="rId41"/>
-    <p:sldId id="307" r:id="rId42"/>
-    <p:sldId id="305" r:id="rId43"/>
-    <p:sldId id="309" r:id="rId44"/>
-    <p:sldId id="310" r:id="rId45"/>
-    <p:sldId id="349" r:id="rId46"/>
+    <p:sldId id="350" r:id="rId26"/>
+    <p:sldId id="336" r:id="rId27"/>
+    <p:sldId id="342" r:id="rId28"/>
+    <p:sldId id="343" r:id="rId29"/>
+    <p:sldId id="316" r:id="rId30"/>
+    <p:sldId id="338" r:id="rId31"/>
+    <p:sldId id="339" r:id="rId32"/>
+    <p:sldId id="340" r:id="rId33"/>
+    <p:sldId id="344" r:id="rId34"/>
+    <p:sldId id="345" r:id="rId35"/>
+    <p:sldId id="346" r:id="rId36"/>
+    <p:sldId id="347" r:id="rId37"/>
+    <p:sldId id="348" r:id="rId38"/>
+    <p:sldId id="300" r:id="rId39"/>
+    <p:sldId id="319" r:id="rId40"/>
+    <p:sldId id="318" r:id="rId41"/>
+    <p:sldId id="306" r:id="rId42"/>
+    <p:sldId id="307" r:id="rId43"/>
+    <p:sldId id="305" r:id="rId44"/>
+    <p:sldId id="309" r:id="rId45"/>
+    <p:sldId id="310" r:id="rId46"/>
+    <p:sldId id="349" r:id="rId47"/>
   </p:sldIdLst>
   <p:sldSz cx="12192000" cy="6858000"/>
   <p:notesSz cx="6858000" cy="9144000"/>
@@ -241,7 +242,7 @@
           <a:p>
             <a:fld id="{F378FDCC-6E3B-8447-A84A-C1F15F2E44EA}" type="datetimeFigureOut">
               <a:rPr lang="ru-RU" smtClean="0"/>
-              <a:t>08.10.2018</a:t>
+              <a:t>24.09.2019</a:t>
             </a:fld>
             <a:endParaRPr lang="ru-RU"/>
           </a:p>
@@ -2407,7 +2408,7 @@
     </p:spTree>
     <p:extLst>
       <p:ext uri="{BB962C8B-B14F-4D97-AF65-F5344CB8AC3E}">
-        <p14:creationId xmlns:p14="http://schemas.microsoft.com/office/powerpoint/2010/main" val="3604071841"/>
+        <p14:creationId xmlns:p14="http://schemas.microsoft.com/office/powerpoint/2010/main" val="1925593023"/>
       </p:ext>
     </p:extLst>
   </p:cSld>
@@ -2513,7 +2514,7 @@
     </p:spTree>
     <p:extLst>
       <p:ext uri="{BB962C8B-B14F-4D97-AF65-F5344CB8AC3E}">
-        <p14:creationId xmlns:p14="http://schemas.microsoft.com/office/powerpoint/2010/main" val="98450390"/>
+        <p14:creationId xmlns:p14="http://schemas.microsoft.com/office/powerpoint/2010/main" val="3604071841"/>
       </p:ext>
     </p:extLst>
   </p:cSld>
@@ -2619,7 +2620,7 @@
     </p:spTree>
     <p:extLst>
       <p:ext uri="{BB962C8B-B14F-4D97-AF65-F5344CB8AC3E}">
-        <p14:creationId xmlns:p14="http://schemas.microsoft.com/office/powerpoint/2010/main" val="4103837002"/>
+        <p14:creationId xmlns:p14="http://schemas.microsoft.com/office/powerpoint/2010/main" val="98450390"/>
       </p:ext>
     </p:extLst>
   </p:cSld>
@@ -2725,7 +2726,7 @@
     </p:spTree>
     <p:extLst>
       <p:ext uri="{BB962C8B-B14F-4D97-AF65-F5344CB8AC3E}">
-        <p14:creationId xmlns:p14="http://schemas.microsoft.com/office/powerpoint/2010/main" val="872424700"/>
+        <p14:creationId xmlns:p14="http://schemas.microsoft.com/office/powerpoint/2010/main" val="4103837002"/>
       </p:ext>
     </p:extLst>
   </p:cSld>
@@ -2831,7 +2832,7 @@
     </p:spTree>
     <p:extLst>
       <p:ext uri="{BB962C8B-B14F-4D97-AF65-F5344CB8AC3E}">
-        <p14:creationId xmlns:p14="http://schemas.microsoft.com/office/powerpoint/2010/main" val="697968231"/>
+        <p14:creationId xmlns:p14="http://schemas.microsoft.com/office/powerpoint/2010/main" val="872424700"/>
       </p:ext>
     </p:extLst>
   </p:cSld>
@@ -3043,7 +3044,7 @@
     </p:spTree>
     <p:extLst>
       <p:ext uri="{BB962C8B-B14F-4D97-AF65-F5344CB8AC3E}">
-        <p14:creationId xmlns:p14="http://schemas.microsoft.com/office/powerpoint/2010/main" val="4281649616"/>
+        <p14:creationId xmlns:p14="http://schemas.microsoft.com/office/powerpoint/2010/main" val="697968231"/>
       </p:ext>
     </p:extLst>
   </p:cSld>
@@ -3149,7 +3150,7 @@
     </p:spTree>
     <p:extLst>
       <p:ext uri="{BB962C8B-B14F-4D97-AF65-F5344CB8AC3E}">
-        <p14:creationId xmlns:p14="http://schemas.microsoft.com/office/powerpoint/2010/main" val="988627225"/>
+        <p14:creationId xmlns:p14="http://schemas.microsoft.com/office/powerpoint/2010/main" val="4281649616"/>
       </p:ext>
     </p:extLst>
   </p:cSld>
@@ -3255,7 +3256,7 @@
     </p:spTree>
     <p:extLst>
       <p:ext uri="{BB962C8B-B14F-4D97-AF65-F5344CB8AC3E}">
-        <p14:creationId xmlns:p14="http://schemas.microsoft.com/office/powerpoint/2010/main" val="62538122"/>
+        <p14:creationId xmlns:p14="http://schemas.microsoft.com/office/powerpoint/2010/main" val="988627225"/>
       </p:ext>
     </p:extLst>
   </p:cSld>
@@ -3361,7 +3362,7 @@
     </p:spTree>
     <p:extLst>
       <p:ext uri="{BB962C8B-B14F-4D97-AF65-F5344CB8AC3E}">
-        <p14:creationId xmlns:p14="http://schemas.microsoft.com/office/powerpoint/2010/main" val="2234702111"/>
+        <p14:creationId xmlns:p14="http://schemas.microsoft.com/office/powerpoint/2010/main" val="62538122"/>
       </p:ext>
     </p:extLst>
   </p:cSld>
@@ -3467,7 +3468,7 @@
     </p:spTree>
     <p:extLst>
       <p:ext uri="{BB962C8B-B14F-4D97-AF65-F5344CB8AC3E}">
-        <p14:creationId xmlns:p14="http://schemas.microsoft.com/office/powerpoint/2010/main" val="2313325023"/>
+        <p14:creationId xmlns:p14="http://schemas.microsoft.com/office/powerpoint/2010/main" val="2234702111"/>
       </p:ext>
     </p:extLst>
   </p:cSld>
@@ -3573,7 +3574,7 @@
     </p:spTree>
     <p:extLst>
       <p:ext uri="{BB962C8B-B14F-4D97-AF65-F5344CB8AC3E}">
-        <p14:creationId xmlns:p14="http://schemas.microsoft.com/office/powerpoint/2010/main" val="3163826941"/>
+        <p14:creationId xmlns:p14="http://schemas.microsoft.com/office/powerpoint/2010/main" val="2313325023"/>
       </p:ext>
     </p:extLst>
   </p:cSld>
@@ -3679,7 +3680,7 @@
     </p:spTree>
     <p:extLst>
       <p:ext uri="{BB962C8B-B14F-4D97-AF65-F5344CB8AC3E}">
-        <p14:creationId xmlns:p14="http://schemas.microsoft.com/office/powerpoint/2010/main" val="286373759"/>
+        <p14:creationId xmlns:p14="http://schemas.microsoft.com/office/powerpoint/2010/main" val="3163826941"/>
       </p:ext>
     </p:extLst>
   </p:cSld>
@@ -3785,7 +3786,7 @@
     </p:spTree>
     <p:extLst>
       <p:ext uri="{BB962C8B-B14F-4D97-AF65-F5344CB8AC3E}">
-        <p14:creationId xmlns:p14="http://schemas.microsoft.com/office/powerpoint/2010/main" val="3487271160"/>
+        <p14:creationId xmlns:p14="http://schemas.microsoft.com/office/powerpoint/2010/main" val="286373759"/>
       </p:ext>
     </p:extLst>
   </p:cSld>
@@ -3891,7 +3892,7 @@
     </p:spTree>
     <p:extLst>
       <p:ext uri="{BB962C8B-B14F-4D97-AF65-F5344CB8AC3E}">
-        <p14:creationId xmlns:p14="http://schemas.microsoft.com/office/powerpoint/2010/main" val="40119278"/>
+        <p14:creationId xmlns:p14="http://schemas.microsoft.com/office/powerpoint/2010/main" val="3487271160"/>
       </p:ext>
     </p:extLst>
   </p:cSld>
@@ -3997,7 +3998,7 @@
     </p:spTree>
     <p:extLst>
       <p:ext uri="{BB962C8B-B14F-4D97-AF65-F5344CB8AC3E}">
-        <p14:creationId xmlns:p14="http://schemas.microsoft.com/office/powerpoint/2010/main" val="395412968"/>
+        <p14:creationId xmlns:p14="http://schemas.microsoft.com/office/powerpoint/2010/main" val="40119278"/>
       </p:ext>
     </p:extLst>
   </p:cSld>
@@ -4209,7 +4210,7 @@
     </p:spTree>
     <p:extLst>
       <p:ext uri="{BB962C8B-B14F-4D97-AF65-F5344CB8AC3E}">
-        <p14:creationId xmlns:p14="http://schemas.microsoft.com/office/powerpoint/2010/main" val="2592214898"/>
+        <p14:creationId xmlns:p14="http://schemas.microsoft.com/office/powerpoint/2010/main" val="395412968"/>
       </p:ext>
     </p:extLst>
   </p:cSld>
@@ -4315,7 +4316,7 @@
     </p:spTree>
     <p:extLst>
       <p:ext uri="{BB962C8B-B14F-4D97-AF65-F5344CB8AC3E}">
-        <p14:creationId xmlns:p14="http://schemas.microsoft.com/office/powerpoint/2010/main" val="139822215"/>
+        <p14:creationId xmlns:p14="http://schemas.microsoft.com/office/powerpoint/2010/main" val="2592214898"/>
       </p:ext>
     </p:extLst>
   </p:cSld>
@@ -4421,7 +4422,7 @@
     </p:spTree>
     <p:extLst>
       <p:ext uri="{BB962C8B-B14F-4D97-AF65-F5344CB8AC3E}">
-        <p14:creationId xmlns:p14="http://schemas.microsoft.com/office/powerpoint/2010/main" val="2714254550"/>
+        <p14:creationId xmlns:p14="http://schemas.microsoft.com/office/powerpoint/2010/main" val="139822215"/>
       </p:ext>
     </p:extLst>
   </p:cSld>
@@ -4527,7 +4528,7 @@
     </p:spTree>
     <p:extLst>
       <p:ext uri="{BB962C8B-B14F-4D97-AF65-F5344CB8AC3E}">
-        <p14:creationId xmlns:p14="http://schemas.microsoft.com/office/powerpoint/2010/main" val="3895778451"/>
+        <p14:creationId xmlns:p14="http://schemas.microsoft.com/office/powerpoint/2010/main" val="2714254550"/>
       </p:ext>
     </p:extLst>
   </p:cSld>
@@ -4633,7 +4634,7 @@
     </p:spTree>
     <p:extLst>
       <p:ext uri="{BB962C8B-B14F-4D97-AF65-F5344CB8AC3E}">
-        <p14:creationId xmlns:p14="http://schemas.microsoft.com/office/powerpoint/2010/main" val="1863544739"/>
+        <p14:creationId xmlns:p14="http://schemas.microsoft.com/office/powerpoint/2010/main" val="3895778451"/>
       </p:ext>
     </p:extLst>
   </p:cSld>
@@ -4709,6 +4710,112 @@
             <a:fld id="{7F33120B-582B-4354-977D-A474A534F6B9}" type="slidenum">
               <a:rPr lang="ru-RU" smtClean="0"/>
               <a:t>45</a:t>
+            </a:fld>
+            <a:endParaRPr lang="ru-RU"/>
+          </a:p>
+        </p:txBody>
+      </p:sp>
+      <p:sp>
+        <p:nvSpPr>
+          <p:cNvPr id="5" name="Header Placeholder 4"/>
+          <p:cNvSpPr>
+            <a:spLocks noGrp="1"/>
+          </p:cNvSpPr>
+          <p:nvPr>
+            <p:ph type="hdr" sz="quarter" idx="11"/>
+          </p:nvPr>
+        </p:nvSpPr>
+        <p:spPr/>
+        <p:txBody>
+          <a:bodyPr/>
+          <a:lstStyle/>
+          <a:p>
+            <a:r>
+              <a:rPr lang="ru-RU"/>
+              <a:t>Основы построения файловых систем</a:t>
+            </a:r>
+          </a:p>
+        </p:txBody>
+      </p:sp>
+    </p:spTree>
+    <p:extLst>
+      <p:ext uri="{BB962C8B-B14F-4D97-AF65-F5344CB8AC3E}">
+        <p14:creationId xmlns:p14="http://schemas.microsoft.com/office/powerpoint/2010/main" val="1863544739"/>
+      </p:ext>
+    </p:extLst>
+  </p:cSld>
+  <p:clrMapOvr>
+    <a:masterClrMapping/>
+  </p:clrMapOvr>
+</p:notes>
+</file>
+
+<file path=ppt/notesSlides/notesSlide46.xml><?xml version="1.0" encoding="utf-8"?>
+<p:notes xmlns:a="http://schemas.openxmlformats.org/drawingml/2006/main" xmlns:r="http://schemas.openxmlformats.org/officeDocument/2006/relationships" xmlns:p="http://schemas.openxmlformats.org/presentationml/2006/main">
+  <p:cSld>
+    <p:spTree>
+      <p:nvGrpSpPr>
+        <p:cNvPr id="1" name=""/>
+        <p:cNvGrpSpPr/>
+        <p:nvPr/>
+      </p:nvGrpSpPr>
+      <p:grpSpPr>
+        <a:xfrm>
+          <a:off x="0" y="0"/>
+          <a:ext cx="0" cy="0"/>
+          <a:chOff x="0" y="0"/>
+          <a:chExt cx="0" cy="0"/>
+        </a:xfrm>
+      </p:grpSpPr>
+      <p:sp>
+        <p:nvSpPr>
+          <p:cNvPr id="2" name="Slide Image Placeholder 1"/>
+          <p:cNvSpPr>
+            <a:spLocks noGrp="1" noRot="1" noChangeAspect="1"/>
+          </p:cNvSpPr>
+          <p:nvPr>
+            <p:ph type="sldImg"/>
+          </p:nvPr>
+        </p:nvSpPr>
+        <p:spPr/>
+      </p:sp>
+      <p:sp>
+        <p:nvSpPr>
+          <p:cNvPr id="3" name="Notes Placeholder 2"/>
+          <p:cNvSpPr>
+            <a:spLocks noGrp="1"/>
+          </p:cNvSpPr>
+          <p:nvPr>
+            <p:ph type="body" idx="1"/>
+          </p:nvPr>
+        </p:nvSpPr>
+        <p:spPr/>
+        <p:txBody>
+          <a:bodyPr/>
+          <a:lstStyle/>
+          <a:p>
+            <a:endParaRPr lang="ru-RU"/>
+          </a:p>
+        </p:txBody>
+      </p:sp>
+      <p:sp>
+        <p:nvSpPr>
+          <p:cNvPr id="4" name="Slide Number Placeholder 3"/>
+          <p:cNvSpPr>
+            <a:spLocks noGrp="1"/>
+          </p:cNvSpPr>
+          <p:nvPr>
+            <p:ph type="sldNum" sz="quarter" idx="10"/>
+          </p:nvPr>
+        </p:nvSpPr>
+        <p:spPr/>
+        <p:txBody>
+          <a:bodyPr/>
+          <a:lstStyle/>
+          <a:p>
+            <a:fld id="{7F33120B-582B-4354-977D-A474A534F6B9}" type="slidenum">
+              <a:rPr lang="ru-RU" smtClean="0"/>
+              <a:t>46</a:t>
             </a:fld>
             <a:endParaRPr lang="ru-RU"/>
           </a:p>
@@ -5428,7 +5535,7 @@
           <a:p>
             <a:fld id="{4427D850-C269-5040-9E1D-5D50C477E825}" type="datetimeFigureOut">
               <a:rPr lang="ru-RU" smtClean="0"/>
-              <a:t>08.10.2018</a:t>
+              <a:t>24.09.2019</a:t>
             </a:fld>
             <a:endParaRPr lang="ru-RU"/>
           </a:p>
@@ -5628,7 +5735,7 @@
           <a:p>
             <a:fld id="{4427D850-C269-5040-9E1D-5D50C477E825}" type="datetimeFigureOut">
               <a:rPr lang="ru-RU" smtClean="0"/>
-              <a:t>08.10.2018</a:t>
+              <a:t>24.09.2019</a:t>
             </a:fld>
             <a:endParaRPr lang="ru-RU"/>
           </a:p>
@@ -5838,7 +5945,7 @@
           <a:p>
             <a:fld id="{4427D850-C269-5040-9E1D-5D50C477E825}" type="datetimeFigureOut">
               <a:rPr lang="ru-RU" smtClean="0"/>
-              <a:t>08.10.2018</a:t>
+              <a:t>24.09.2019</a:t>
             </a:fld>
             <a:endParaRPr lang="ru-RU"/>
           </a:p>
@@ -6038,7 +6145,7 @@
           <a:p>
             <a:fld id="{4427D850-C269-5040-9E1D-5D50C477E825}" type="datetimeFigureOut">
               <a:rPr lang="ru-RU" smtClean="0"/>
-              <a:t>08.10.2018</a:t>
+              <a:t>24.09.2019</a:t>
             </a:fld>
             <a:endParaRPr lang="ru-RU"/>
           </a:p>
@@ -6314,7 +6421,7 @@
           <a:p>
             <a:fld id="{4427D850-C269-5040-9E1D-5D50C477E825}" type="datetimeFigureOut">
               <a:rPr lang="ru-RU" smtClean="0"/>
-              <a:t>08.10.2018</a:t>
+              <a:t>24.09.2019</a:t>
             </a:fld>
             <a:endParaRPr lang="ru-RU"/>
           </a:p>
@@ -6582,7 +6689,7 @@
           <a:p>
             <a:fld id="{4427D850-C269-5040-9E1D-5D50C477E825}" type="datetimeFigureOut">
               <a:rPr lang="ru-RU" smtClean="0"/>
-              <a:t>08.10.2018</a:t>
+              <a:t>24.09.2019</a:t>
             </a:fld>
             <a:endParaRPr lang="ru-RU"/>
           </a:p>
@@ -6997,7 +7104,7 @@
           <a:p>
             <a:fld id="{4427D850-C269-5040-9E1D-5D50C477E825}" type="datetimeFigureOut">
               <a:rPr lang="ru-RU" smtClean="0"/>
-              <a:t>08.10.2018</a:t>
+              <a:t>24.09.2019</a:t>
             </a:fld>
             <a:endParaRPr lang="ru-RU"/>
           </a:p>
@@ -7139,7 +7246,7 @@
           <a:p>
             <a:fld id="{4427D850-C269-5040-9E1D-5D50C477E825}" type="datetimeFigureOut">
               <a:rPr lang="ru-RU" smtClean="0"/>
-              <a:t>08.10.2018</a:t>
+              <a:t>24.09.2019</a:t>
             </a:fld>
             <a:endParaRPr lang="ru-RU"/>
           </a:p>
@@ -7252,7 +7359,7 @@
           <a:p>
             <a:fld id="{4427D850-C269-5040-9E1D-5D50C477E825}" type="datetimeFigureOut">
               <a:rPr lang="ru-RU" smtClean="0"/>
-              <a:t>08.10.2018</a:t>
+              <a:t>24.09.2019</a:t>
             </a:fld>
             <a:endParaRPr lang="ru-RU"/>
           </a:p>
@@ -7565,7 +7672,7 @@
           <a:p>
             <a:fld id="{4427D850-C269-5040-9E1D-5D50C477E825}" type="datetimeFigureOut">
               <a:rPr lang="ru-RU" smtClean="0"/>
-              <a:t>08.10.2018</a:t>
+              <a:t>24.09.2019</a:t>
             </a:fld>
             <a:endParaRPr lang="ru-RU"/>
           </a:p>
@@ -7854,7 +7961,7 @@
           <a:p>
             <a:fld id="{4427D850-C269-5040-9E1D-5D50C477E825}" type="datetimeFigureOut">
               <a:rPr lang="ru-RU" smtClean="0"/>
-              <a:t>08.10.2018</a:t>
+              <a:t>24.09.2019</a:t>
             </a:fld>
             <a:endParaRPr lang="ru-RU"/>
           </a:p>
@@ -8097,7 +8204,7 @@
           <a:p>
             <a:fld id="{4427D850-C269-5040-9E1D-5D50C477E825}" type="datetimeFigureOut">
               <a:rPr lang="ru-RU" smtClean="0"/>
-              <a:t>08.10.2018</a:t>
+              <a:t>24.09.2019</a:t>
             </a:fld>
             <a:endParaRPr lang="ru-RU"/>
           </a:p>
@@ -8742,6 +8849,13 @@
   <p:clrMapOvr>
     <a:masterClrMapping/>
   </p:clrMapOvr>
+  <p:timing>
+    <p:tnLst>
+      <p:par>
+        <p:cTn id="1" dur="indefinite" restart="never" nodeType="tmRoot"/>
+      </p:par>
+    </p:tnLst>
+  </p:timing>
 </p:sld>
 </file>
 
@@ -9052,18 +9166,34 @@
                     <a:bodyPr/>
                     <a:lstStyle/>
                     <a:p>
+                      <a:r>
+                        <a:rPr lang="en-US" dirty="0"/>
+                        <a:t/>
+                      </a:r>
                       <a:br>
                         <a:rPr lang="en-US" dirty="0"/>
                       </a:br>
+                      <a:r>
+                        <a:rPr lang="en-US" dirty="0"/>
+                        <a:t/>
+                      </a:r>
                       <a:br>
                         <a:rPr lang="en-US" dirty="0"/>
                       </a:br>
+                      <a:r>
+                        <a:rPr lang="en-US" dirty="0"/>
+                        <a:t/>
+                      </a:r>
                       <a:br>
                         <a:rPr lang="en-US" dirty="0"/>
                       </a:br>
                       <a:endParaRPr lang="en-US" dirty="0"/>
                     </a:p>
                     <a:p>
+                      <a:r>
+                        <a:rPr lang="en-US" dirty="0"/>
+                        <a:t/>
+                      </a:r>
                       <a:br>
                         <a:rPr lang="en-US" dirty="0"/>
                       </a:br>
@@ -9964,6 +10094,13 @@
   <p:clrMapOvr>
     <a:masterClrMapping/>
   </p:clrMapOvr>
+  <p:timing>
+    <p:tnLst>
+      <p:par>
+        <p:cTn id="1" dur="indefinite" restart="never" nodeType="tmRoot"/>
+      </p:par>
+    </p:tnLst>
+  </p:timing>
 </p:sld>
 </file>
 
@@ -10274,18 +10411,34 @@
                     <a:bodyPr/>
                     <a:lstStyle/>
                     <a:p>
+                      <a:r>
+                        <a:rPr lang="en-US" dirty="0"/>
+                        <a:t/>
+                      </a:r>
                       <a:br>
                         <a:rPr lang="en-US" dirty="0"/>
                       </a:br>
+                      <a:r>
+                        <a:rPr lang="en-US" dirty="0"/>
+                        <a:t/>
+                      </a:r>
                       <a:br>
                         <a:rPr lang="en-US" dirty="0"/>
                       </a:br>
+                      <a:r>
+                        <a:rPr lang="en-US" dirty="0"/>
+                        <a:t/>
+                      </a:r>
                       <a:br>
                         <a:rPr lang="en-US" dirty="0"/>
                       </a:br>
                       <a:endParaRPr lang="en-US" dirty="0"/>
                     </a:p>
                     <a:p>
+                      <a:r>
+                        <a:rPr lang="en-US" dirty="0"/>
+                        <a:t/>
+                      </a:r>
                       <a:br>
                         <a:rPr lang="en-US" dirty="0"/>
                       </a:br>
@@ -11489,6 +11642,13 @@
   <p:clrMapOvr>
     <a:masterClrMapping/>
   </p:clrMapOvr>
+  <p:timing>
+    <p:tnLst>
+      <p:par>
+        <p:cTn id="1" dur="indefinite" restart="never" nodeType="tmRoot"/>
+      </p:par>
+    </p:tnLst>
+  </p:timing>
 </p:sld>
 </file>
 
@@ -11968,6 +12128,10 @@
                         <a:rPr lang="en-US" b="1" dirty="0" err="1"/>
                         <a:t>inode</a:t>
                       </a:r>
+                      <a:r>
+                        <a:rPr lang="en-US" b="1" dirty="0"/>
+                        <a:t/>
+                      </a:r>
                       <a:br>
                         <a:rPr lang="en-US" b="1" dirty="0"/>
                       </a:br>
@@ -11987,6 +12151,10 @@
                       <a:r>
                         <a:rPr lang="en-US" b="1" dirty="0" err="1"/>
                         <a:t>inode</a:t>
+                      </a:r>
+                      <a:r>
+                        <a:rPr lang="en-US" b="1" dirty="0"/>
+                        <a:t/>
                       </a:r>
                       <a:br>
                         <a:rPr lang="en-US" b="1" dirty="0"/>
@@ -12141,6 +12309,10 @@
                         <a:rPr lang="en-US" b="1" dirty="0" err="1"/>
                         <a:t>inode</a:t>
                       </a:r>
+                      <a:r>
+                        <a:rPr lang="en-US" b="1" dirty="0"/>
+                        <a:t/>
+                      </a:r>
                       <a:br>
                         <a:rPr lang="en-US" b="1" dirty="0"/>
                       </a:br>
@@ -12160,6 +12332,10 @@
                       <a:r>
                         <a:rPr lang="en-US" b="1" dirty="0" err="1"/>
                         <a:t>inode</a:t>
+                      </a:r>
+                      <a:r>
+                        <a:rPr lang="en-US" b="1" dirty="0"/>
+                        <a:t/>
                       </a:r>
                       <a:br>
                         <a:rPr lang="en-US" b="1" dirty="0"/>
@@ -12286,11 +12462,18 @@
   <p:clrMapOvr>
     <a:masterClrMapping/>
   </p:clrMapOvr>
+  <p:timing>
+    <p:tnLst>
+      <p:par>
+        <p:cTn id="1" dur="indefinite" restart="never" nodeType="tmRoot"/>
+      </p:par>
+    </p:tnLst>
+  </p:timing>
 </p:sld>
 </file>
 
 <file path=ppt/slides/slide13.xml><?xml version="1.0" encoding="utf-8"?>
-<p:sld xmlns:a="http://schemas.openxmlformats.org/drawingml/2006/main" xmlns:r="http://schemas.openxmlformats.org/officeDocument/2006/relationships" xmlns:p="http://schemas.openxmlformats.org/presentationml/2006/main">
+<p:sld xmlns:a="http://schemas.openxmlformats.org/drawingml/2006/main" xmlns:r="http://schemas.openxmlformats.org/officeDocument/2006/relationships" xmlns:p="http://schemas.openxmlformats.org/presentationml/2006/main" show="0">
   <p:cSld>
     <p:spTree>
       <p:nvGrpSpPr>
@@ -12847,6 +13030,21 @@
   <p:clrMapOvr>
     <a:masterClrMapping/>
   </p:clrMapOvr>
+  <mc:AlternateContent xmlns:mc="http://schemas.openxmlformats.org/markup-compatibility/2006">
+    <mc:Choice xmlns:p14="http://schemas.microsoft.com/office/powerpoint/2010/main" Requires="p14">
+      <p:transition spd="slow" p14:dur="2000"/>
+    </mc:Choice>
+    <mc:Fallback>
+      <p:transition spd="slow"/>
+    </mc:Fallback>
+  </mc:AlternateContent>
+  <p:timing>
+    <p:tnLst>
+      <p:par>
+        <p:cTn id="1" dur="indefinite" restart="never" nodeType="tmRoot"/>
+      </p:par>
+    </p:tnLst>
+  </p:timing>
 </p:sld>
 </file>
 
@@ -13388,6 +13586,10 @@
                         <a:rPr lang="en-US" b="1" dirty="0" err="1"/>
                         <a:t>inode</a:t>
                       </a:r>
+                      <a:r>
+                        <a:rPr lang="en-US" b="1" dirty="0"/>
+                        <a:t/>
+                      </a:r>
                       <a:br>
                         <a:rPr lang="en-US" b="1" dirty="0"/>
                       </a:br>
@@ -13407,6 +13609,10 @@
                       <a:r>
                         <a:rPr lang="en-US" b="1" dirty="0" err="1"/>
                         <a:t>inode</a:t>
+                      </a:r>
+                      <a:r>
+                        <a:rPr lang="en-US" b="1" dirty="0"/>
+                        <a:t/>
                       </a:r>
                       <a:br>
                         <a:rPr lang="en-US" b="1" dirty="0"/>
@@ -13561,6 +13767,10 @@
                         <a:rPr lang="en-US" b="1" dirty="0" err="1"/>
                         <a:t>inode</a:t>
                       </a:r>
+                      <a:r>
+                        <a:rPr lang="en-US" b="1" dirty="0"/>
+                        <a:t/>
+                      </a:r>
                       <a:br>
                         <a:rPr lang="en-US" b="1" dirty="0"/>
                       </a:br>
@@ -13580,6 +13790,10 @@
                       <a:r>
                         <a:rPr lang="en-US" b="1" dirty="0" err="1"/>
                         <a:t>inode</a:t>
+                      </a:r>
+                      <a:r>
+                        <a:rPr lang="en-US" b="1" dirty="0"/>
+                        <a:t/>
                       </a:r>
                       <a:br>
                         <a:rPr lang="en-US" b="1" dirty="0"/>
@@ -13706,6 +13920,13 @@
   <p:clrMapOvr>
     <a:masterClrMapping/>
   </p:clrMapOvr>
+  <p:timing>
+    <p:tnLst>
+      <p:par>
+        <p:cTn id="1" dur="indefinite" restart="never" nodeType="tmRoot"/>
+      </p:par>
+    </p:tnLst>
+  </p:timing>
 </p:sld>
 </file>
 
@@ -14266,6 +14487,10 @@
                         <a:rPr lang="en-US" b="1" dirty="0" err="1"/>
                         <a:t>inode</a:t>
                       </a:r>
+                      <a:r>
+                        <a:rPr lang="en-US" b="1" dirty="0"/>
+                        <a:t/>
+                      </a:r>
                       <a:br>
                         <a:rPr lang="en-US" b="1" dirty="0"/>
                       </a:br>
@@ -14285,6 +14510,10 @@
                       <a:r>
                         <a:rPr lang="en-US" b="1" dirty="0" err="1"/>
                         <a:t>inode</a:t>
+                      </a:r>
+                      <a:r>
+                        <a:rPr lang="en-US" b="1" dirty="0"/>
+                        <a:t/>
                       </a:r>
                       <a:br>
                         <a:rPr lang="en-US" b="1" dirty="0"/>
@@ -14439,6 +14668,10 @@
                         <a:rPr lang="en-US" b="1" dirty="0" err="1"/>
                         <a:t>inode</a:t>
                       </a:r>
+                      <a:r>
+                        <a:rPr lang="en-US" b="1" dirty="0"/>
+                        <a:t/>
+                      </a:r>
                       <a:br>
                         <a:rPr lang="en-US" b="1" dirty="0"/>
                       </a:br>
@@ -14458,6 +14691,10 @@
                       <a:r>
                         <a:rPr lang="en-US" b="1" dirty="0" err="1"/>
                         <a:t>inode</a:t>
+                      </a:r>
+                      <a:r>
+                        <a:rPr lang="en-US" b="1" dirty="0"/>
+                        <a:t/>
                       </a:r>
                       <a:br>
                         <a:rPr lang="en-US" b="1" dirty="0"/>
@@ -14584,6 +14821,13 @@
   <p:clrMapOvr>
     <a:masterClrMapping/>
   </p:clrMapOvr>
+  <p:timing>
+    <p:tnLst>
+      <p:par>
+        <p:cTn id="1" dur="indefinite" restart="never" nodeType="tmRoot"/>
+      </p:par>
+    </p:tnLst>
+  </p:timing>
 </p:sld>
 </file>
 
@@ -15150,6 +15394,10 @@
                         <a:rPr lang="en-US" b="1" dirty="0" err="1"/>
                         <a:t>inode</a:t>
                       </a:r>
+                      <a:r>
+                        <a:rPr lang="en-US" b="1" dirty="0"/>
+                        <a:t/>
+                      </a:r>
                       <a:br>
                         <a:rPr lang="en-US" b="1" dirty="0"/>
                       </a:br>
@@ -15169,6 +15417,10 @@
                       <a:r>
                         <a:rPr lang="en-US" b="1" dirty="0" err="1"/>
                         <a:t>inode</a:t>
+                      </a:r>
+                      <a:r>
+                        <a:rPr lang="en-US" b="1" dirty="0"/>
+                        <a:t/>
                       </a:r>
                       <a:br>
                         <a:rPr lang="en-US" b="1" dirty="0"/>
@@ -15323,6 +15575,10 @@
                         <a:rPr lang="en-US" b="1" dirty="0" err="1"/>
                         <a:t>inode</a:t>
                       </a:r>
+                      <a:r>
+                        <a:rPr lang="en-US" b="1" dirty="0"/>
+                        <a:t/>
+                      </a:r>
                       <a:br>
                         <a:rPr lang="en-US" b="1" dirty="0"/>
                       </a:br>
@@ -15342,6 +15598,10 @@
                       <a:r>
                         <a:rPr lang="en-US" b="1" dirty="0" err="1"/>
                         <a:t>inode</a:t>
+                      </a:r>
+                      <a:r>
+                        <a:rPr lang="en-US" b="1" dirty="0"/>
+                        <a:t/>
                       </a:r>
                       <a:br>
                         <a:rPr lang="en-US" b="1" dirty="0"/>
@@ -15468,6 +15728,13 @@
   <p:clrMapOvr>
     <a:masterClrMapping/>
   </p:clrMapOvr>
+  <p:timing>
+    <p:tnLst>
+      <p:par>
+        <p:cTn id="1" dur="indefinite" restart="never" nodeType="tmRoot"/>
+      </p:par>
+    </p:tnLst>
+  </p:timing>
 </p:sld>
 </file>
 
@@ -16036,6 +16303,10 @@
                         <a:rPr lang="en-US" b="1" dirty="0" err="1"/>
                         <a:t>inode</a:t>
                       </a:r>
+                      <a:r>
+                        <a:rPr lang="en-US" b="1" dirty="0"/>
+                        <a:t/>
+                      </a:r>
                       <a:br>
                         <a:rPr lang="en-US" b="1" dirty="0"/>
                       </a:br>
@@ -16055,6 +16326,10 @@
                       <a:r>
                         <a:rPr lang="en-US" b="1" dirty="0" err="1"/>
                         <a:t>inode</a:t>
+                      </a:r>
+                      <a:r>
+                        <a:rPr lang="en-US" b="1" dirty="0"/>
+                        <a:t/>
                       </a:r>
                       <a:br>
                         <a:rPr lang="en-US" b="1" dirty="0"/>
@@ -16209,6 +16484,10 @@
                         <a:rPr lang="en-US" b="1" dirty="0" err="1"/>
                         <a:t>inode</a:t>
                       </a:r>
+                      <a:r>
+                        <a:rPr lang="en-US" b="1" dirty="0"/>
+                        <a:t/>
+                      </a:r>
                       <a:br>
                         <a:rPr lang="en-US" b="1" dirty="0"/>
                       </a:br>
@@ -16228,6 +16507,10 @@
                       <a:r>
                         <a:rPr lang="en-US" b="1" dirty="0" err="1"/>
                         <a:t>inode</a:t>
+                      </a:r>
+                      <a:r>
+                        <a:rPr lang="en-US" b="1" dirty="0"/>
+                        <a:t/>
                       </a:r>
                       <a:br>
                         <a:rPr lang="en-US" b="1" dirty="0"/>
@@ -16354,6 +16637,13 @@
   <p:clrMapOvr>
     <a:masterClrMapping/>
   </p:clrMapOvr>
+  <p:timing>
+    <p:tnLst>
+      <p:par>
+        <p:cTn id="1" dur="indefinite" restart="never" nodeType="tmRoot"/>
+      </p:par>
+    </p:tnLst>
+  </p:timing>
 </p:sld>
 </file>
 
@@ -16939,6 +17229,10 @@
                         <a:rPr lang="en-US" b="1" dirty="0" err="1"/>
                         <a:t>inode</a:t>
                       </a:r>
+                      <a:r>
+                        <a:rPr lang="en-US" b="1" dirty="0"/>
+                        <a:t/>
+                      </a:r>
                       <a:br>
                         <a:rPr lang="en-US" b="1" dirty="0"/>
                       </a:br>
@@ -16958,6 +17252,10 @@
                       <a:r>
                         <a:rPr lang="en-US" b="1" dirty="0" err="1"/>
                         <a:t>inode</a:t>
+                      </a:r>
+                      <a:r>
+                        <a:rPr lang="en-US" b="1" dirty="0"/>
+                        <a:t/>
                       </a:r>
                       <a:br>
                         <a:rPr lang="en-US" b="1" dirty="0"/>
@@ -17112,6 +17410,10 @@
                         <a:rPr lang="en-US" b="1" dirty="0" err="1"/>
                         <a:t>inode</a:t>
                       </a:r>
+                      <a:r>
+                        <a:rPr lang="en-US" b="1" dirty="0"/>
+                        <a:t/>
+                      </a:r>
                       <a:br>
                         <a:rPr lang="en-US" b="1" dirty="0"/>
                       </a:br>
@@ -17131,6 +17433,10 @@
                       <a:r>
                         <a:rPr lang="en-US" b="1" dirty="0" err="1"/>
                         <a:t>inode</a:t>
+                      </a:r>
+                      <a:r>
+                        <a:rPr lang="en-US" b="1" dirty="0"/>
+                        <a:t/>
                       </a:r>
                       <a:br>
                         <a:rPr lang="en-US" b="1" dirty="0"/>
@@ -17257,6 +17563,13 @@
   <p:clrMapOvr>
     <a:masterClrMapping/>
   </p:clrMapOvr>
+  <p:timing>
+    <p:tnLst>
+      <p:par>
+        <p:cTn id="1" dur="indefinite" restart="never" nodeType="tmRoot"/>
+      </p:par>
+    </p:tnLst>
+  </p:timing>
 </p:sld>
 </file>
 
@@ -17881,6 +18194,10 @@
                         <a:rPr lang="en-US" b="1" dirty="0" err="1"/>
                         <a:t>inode</a:t>
                       </a:r>
+                      <a:r>
+                        <a:rPr lang="en-US" b="1" dirty="0"/>
+                        <a:t/>
+                      </a:r>
                       <a:br>
                         <a:rPr lang="en-US" b="1" dirty="0"/>
                       </a:br>
@@ -17900,6 +18217,10 @@
                       <a:r>
                         <a:rPr lang="en-US" b="1" dirty="0" err="1"/>
                         <a:t>inode</a:t>
+                      </a:r>
+                      <a:r>
+                        <a:rPr lang="en-US" b="1" dirty="0"/>
+                        <a:t/>
                       </a:r>
                       <a:br>
                         <a:rPr lang="en-US" b="1" dirty="0"/>
@@ -18054,6 +18375,10 @@
                         <a:rPr lang="en-US" b="1" dirty="0" err="1"/>
                         <a:t>inode</a:t>
                       </a:r>
+                      <a:r>
+                        <a:rPr lang="en-US" b="1" dirty="0"/>
+                        <a:t/>
+                      </a:r>
                       <a:br>
                         <a:rPr lang="en-US" b="1" dirty="0"/>
                       </a:br>
@@ -18073,6 +18398,10 @@
                       <a:r>
                         <a:rPr lang="en-US" b="1" dirty="0" err="1"/>
                         <a:t>inode</a:t>
+                      </a:r>
+                      <a:r>
+                        <a:rPr lang="en-US" b="1" dirty="0"/>
+                        <a:t/>
                       </a:r>
                       <a:br>
                         <a:rPr lang="en-US" b="1" dirty="0"/>
@@ -18199,6 +18528,13 @@
   <p:clrMapOvr>
     <a:masterClrMapping/>
   </p:clrMapOvr>
+  <p:timing>
+    <p:tnLst>
+      <p:par>
+        <p:cTn id="1" dur="indefinite" restart="never" nodeType="tmRoot"/>
+      </p:par>
+    </p:tnLst>
+  </p:timing>
 </p:sld>
 </file>
 
@@ -18410,6 +18746,13 @@
   <p:clrMapOvr>
     <a:masterClrMapping/>
   </p:clrMapOvr>
+  <p:timing>
+    <p:tnLst>
+      <p:par>
+        <p:cTn id="1" dur="indefinite" restart="never" nodeType="tmRoot"/>
+      </p:par>
+    </p:tnLst>
+  </p:timing>
 </p:sld>
 </file>
 
@@ -19200,6 +19543,13 @@
   <p:clrMapOvr>
     <a:masterClrMapping/>
   </p:clrMapOvr>
+  <p:timing>
+    <p:tnLst>
+      <p:par>
+        <p:cTn id="1" dur="indefinite" restart="never" nodeType="tmRoot"/>
+      </p:par>
+    </p:tnLst>
+  </p:timing>
 </p:sld>
 </file>
 
@@ -19463,6 +19813,13 @@
   <p:clrMapOvr>
     <a:masterClrMapping/>
   </p:clrMapOvr>
+  <p:timing>
+    <p:tnLst>
+      <p:par>
+        <p:cTn id="1" dur="indefinite" restart="never" nodeType="tmRoot"/>
+      </p:par>
+    </p:tnLst>
+  </p:timing>
 </p:sld>
 </file>
 
@@ -19753,6 +20110,13 @@
   <p:clrMapOvr>
     <a:masterClrMapping/>
   </p:clrMapOvr>
+  <p:timing>
+    <p:tnLst>
+      <p:par>
+        <p:cTn id="1" dur="indefinite" restart="never" nodeType="tmRoot"/>
+      </p:par>
+    </p:tnLst>
+  </p:timing>
 </p:sld>
 </file>
 
@@ -20064,6 +20428,13 @@
   <p:clrMapOvr>
     <a:masterClrMapping/>
   </p:clrMapOvr>
+  <p:timing>
+    <p:tnLst>
+      <p:par>
+        <p:cTn id="1" dur="indefinite" restart="never" nodeType="tmRoot"/>
+      </p:par>
+    </p:tnLst>
+  </p:timing>
 </p:sld>
 </file>
 
@@ -20458,6 +20829,13 @@
   <p:clrMapOvr>
     <a:masterClrMapping/>
   </p:clrMapOvr>
+  <p:timing>
+    <p:tnLst>
+      <p:par>
+        <p:cTn id="1" dur="indefinite" restart="never" nodeType="tmRoot"/>
+      </p:par>
+    </p:tnLst>
+  </p:timing>
 </p:sld>
 </file>
 
@@ -20485,18 +20863,22 @@
             <a:graphicFrameLocks noGrp="1"/>
           </p:cNvGraphicFramePr>
           <p:nvPr>
-            <p:extLst/>
+            <p:extLst>
+              <p:ext uri="{D42A27DB-BD31-4B8C-83A1-F6EECF244321}">
+                <p14:modId xmlns:p14="http://schemas.microsoft.com/office/powerpoint/2010/main" val="431181"/>
+              </p:ext>
+            </p:extLst>
           </p:nvPr>
         </p:nvGraphicFramePr>
         <p:xfrm>
           <a:off x="0" y="1"/>
-          <a:ext cx="12192000" cy="365760"/>
+          <a:ext cx="12192000" cy="6949440"/>
         </p:xfrm>
         <a:graphic>
           <a:graphicData uri="http://schemas.openxmlformats.org/drawingml/2006/table">
             <a:tbl>
               <a:tblPr firstRow="1" bandRow="1">
-                <a:tableStyleId>{5C22544A-7EE6-4342-B048-85BDC9FD1C3A}</a:tableStyleId>
+                <a:tableStyleId>{B301B821-A1FF-4177-AEE7-76D212191A09}</a:tableStyleId>
               </a:tblPr>
               <a:tblGrid>
                 <a:gridCol w="12192000">
@@ -20529,6 +20911,223 @@
                 <a:extLst>
                   <a:ext uri="{0D108BD9-81ED-4DB2-BD59-A6C34878D82A}">
                     <a16:rowId xmlns:a16="http://schemas.microsoft.com/office/drawing/2014/main" val="10000"/>
+                  </a:ext>
+                </a:extLst>
+              </a:tr>
+              <a:tr h="321276">
+                <a:tc>
+                  <a:txBody>
+                    <a:bodyPr/>
+                    <a:lstStyle/>
+                    <a:p>
+                      <a:r>
+                        <a:rPr lang="ru-RU" sz="2400" b="1" dirty="0" smtClean="0"/>
+                        <a:t>Расположение</a:t>
+                      </a:r>
+                      <a:r>
+                        <a:rPr lang="ru-RU" sz="2400" b="1" baseline="0" dirty="0" smtClean="0"/>
+                        <a:t> данных файла в </a:t>
+                      </a:r>
+                      <a:r>
+                        <a:rPr lang="en-US" sz="2400" b="1" baseline="0" dirty="0" smtClean="0"/>
+                        <a:t>ext4</a:t>
+                      </a:r>
+                      <a:endParaRPr lang="ru-RU" sz="2400" b="1" dirty="0"/>
+                    </a:p>
+                  </a:txBody>
+                  <a:tcPr/>
+                </a:tc>
+                <a:extLst>
+                  <a:ext uri="{0D108BD9-81ED-4DB2-BD59-A6C34878D82A}">
+                    <a16:rowId xmlns:a16="http://schemas.microsoft.com/office/drawing/2014/main" val="10001"/>
+                  </a:ext>
+                </a:extLst>
+              </a:tr>
+              <a:tr h="321276">
+                <a:tc>
+                  <a:txBody>
+                    <a:bodyPr/>
+                    <a:lstStyle/>
+                    <a:p>
+                      <a:r>
+                        <a:rPr lang="ru-RU" sz="1800" dirty="0" smtClean="0"/>
+                        <a:t>Блоки</a:t>
+                      </a:r>
+                      <a:r>
+                        <a:rPr lang="ru-RU" sz="1800" baseline="0" dirty="0" smtClean="0"/>
+                        <a:t> с данными файлов в </a:t>
+                      </a:r>
+                      <a:r>
+                        <a:rPr lang="en-US" sz="1800" baseline="0" dirty="0" smtClean="0"/>
+                        <a:t>ext4 </a:t>
+                      </a:r>
+                      <a:r>
+                        <a:rPr lang="ru-RU" sz="1800" baseline="0" dirty="0" smtClean="0"/>
+                        <a:t>хранятся следующим образом:</a:t>
+                      </a:r>
+                      <a:endParaRPr lang="ru-RU" sz="1800" dirty="0"/>
+                    </a:p>
+                    <a:p>
+                      <a:endParaRPr lang="ru-RU" sz="1800" dirty="0"/>
+                    </a:p>
+                    <a:p>
+                      <a:endParaRPr lang="ru-RU" sz="1800" dirty="0"/>
+                    </a:p>
+                    <a:p>
+                      <a:endParaRPr lang="ru-RU" sz="1800" dirty="0"/>
+                    </a:p>
+                    <a:p>
+                      <a:endParaRPr lang="ru-RU" sz="1800" dirty="0"/>
+                    </a:p>
+                    <a:p>
+                      <a:endParaRPr lang="ru-RU" sz="1800" dirty="0"/>
+                    </a:p>
+                    <a:p>
+                      <a:endParaRPr lang="en-US" sz="1800" dirty="0"/>
+                    </a:p>
+                    <a:p>
+                      <a:endParaRPr lang="en-US" sz="1800" dirty="0"/>
+                    </a:p>
+                    <a:p>
+                      <a:endParaRPr lang="en-US" sz="1800" dirty="0"/>
+                    </a:p>
+                    <a:p>
+                      <a:endParaRPr lang="en-US" sz="1800" b="0" dirty="0" smtClean="0"/>
+                    </a:p>
+                    <a:p>
+                      <a:endParaRPr lang="en-US" sz="1800" b="0" dirty="0" smtClean="0"/>
+                    </a:p>
+                    <a:p>
+                      <a:endParaRPr lang="en-US" sz="1800" b="0" dirty="0" smtClean="0"/>
+                    </a:p>
+                    <a:p>
+                      <a:endParaRPr lang="en-US" sz="1800" b="0" dirty="0" smtClean="0"/>
+                    </a:p>
+                    <a:p>
+                      <a:endParaRPr lang="en-US" sz="1800" b="0" dirty="0" smtClean="0"/>
+                    </a:p>
+                    <a:p>
+                      <a:endParaRPr lang="en-US" sz="1800" b="0" dirty="0" smtClean="0"/>
+                    </a:p>
+                    <a:p>
+                      <a:endParaRPr lang="en-US" sz="1800" b="0" dirty="0" smtClean="0"/>
+                    </a:p>
+                    <a:p>
+                      <a:r>
+                        <a:rPr lang="ru-RU" sz="1800" b="1" dirty="0" smtClean="0"/>
+                        <a:t>Вместо</a:t>
+                      </a:r>
+                      <a:r>
+                        <a:rPr lang="en-US" sz="1800" b="1" dirty="0" smtClean="0"/>
+                        <a:t> </a:t>
+                      </a:r>
+                      <a:r>
+                        <a:rPr lang="ru-RU" sz="1800" b="0" dirty="0" smtClean="0"/>
+                        <a:t>указателей</a:t>
+                      </a:r>
+                      <a:r>
+                        <a:rPr lang="ru-RU" sz="1800" b="0" baseline="0" dirty="0" smtClean="0"/>
+                        <a:t> на блоки</a:t>
+                      </a:r>
+                      <a:r>
+                        <a:rPr lang="ru-RU" sz="1800" b="1" dirty="0" smtClean="0"/>
+                        <a:t> </a:t>
+                      </a:r>
+                      <a:r>
+                        <a:rPr lang="ru-RU" baseline="0" dirty="0" smtClean="0"/>
+                        <a:t>в </a:t>
+                      </a:r>
+                      <a:r>
+                        <a:rPr lang="en-US" baseline="0" dirty="0" err="1" smtClean="0"/>
+                        <a:t>inode</a:t>
+                      </a:r>
+                      <a:r>
+                        <a:rPr lang="en-US" baseline="0" dirty="0" smtClean="0"/>
+                        <a:t>-&gt;</a:t>
+                      </a:r>
+                      <a:r>
+                        <a:rPr lang="en-US" baseline="0" dirty="0" err="1" smtClean="0"/>
+                        <a:t>i_block</a:t>
+                      </a:r>
+                      <a:r>
+                        <a:rPr lang="en-US" baseline="0" smtClean="0"/>
+                        <a:t>[] </a:t>
+                      </a:r>
+                      <a:r>
+                        <a:rPr lang="ru-RU" baseline="0" dirty="0" smtClean="0"/>
+                        <a:t>теперь расположены </a:t>
+                      </a:r>
+                      <a:r>
+                        <a:rPr lang="en-US" baseline="0" dirty="0" smtClean="0"/>
+                        <a:t>extent header </a:t>
+                      </a:r>
+                      <a:r>
+                        <a:rPr lang="ru-RU" baseline="0" dirty="0" smtClean="0"/>
+                        <a:t>и </a:t>
+                      </a:r>
+                      <a:r>
+                        <a:rPr lang="en-US" baseline="0" dirty="0" smtClean="0"/>
+                        <a:t>extent index</a:t>
+                      </a:r>
+                      <a:r>
+                        <a:rPr lang="ru-RU" baseline="0" dirty="0" smtClean="0"/>
+                        <a:t>ы.</a:t>
+                      </a:r>
+                      <a:endParaRPr lang="en-US" sz="1800" b="1" dirty="0" smtClean="0"/>
+                    </a:p>
+                    <a:p>
+                      <a:r>
+                        <a:rPr lang="ru-RU" sz="1800" b="0" dirty="0" smtClean="0"/>
+                        <a:t>В</a:t>
+                      </a:r>
+                      <a:r>
+                        <a:rPr lang="ru-RU" sz="1800" b="0" baseline="0" dirty="0" smtClean="0"/>
+                        <a:t> каждом экстенте может быть выделено вплоть до 2</a:t>
+                      </a:r>
+                      <a:r>
+                        <a:rPr lang="en-US" sz="1800" b="0" baseline="0" dirty="0" smtClean="0"/>
+                        <a:t>^15 </a:t>
+                      </a:r>
+                      <a:r>
+                        <a:rPr lang="ru-RU" sz="1800" b="0" baseline="0" dirty="0" smtClean="0"/>
+                        <a:t>идущих подряд блоков с данными.</a:t>
+                      </a:r>
+                      <a:endParaRPr lang="en-US" sz="1800" b="0" dirty="0" smtClean="0"/>
+                    </a:p>
+                    <a:p>
+                      <a:r>
+                        <a:rPr lang="ru-RU" sz="1800" b="1" dirty="0" smtClean="0"/>
+                        <a:t>Вопрос:</a:t>
+                      </a:r>
+                      <a:r>
+                        <a:rPr lang="ru-RU" sz="1800" b="1" baseline="0" dirty="0" smtClean="0"/>
+                        <a:t> </a:t>
+                      </a:r>
+                      <a:r>
+                        <a:rPr lang="ru-RU" sz="1800" b="0" baseline="0" dirty="0" smtClean="0"/>
+                        <a:t>какие преимущества у такого расположения данных по сравнению с </a:t>
+                      </a:r>
+                      <a:r>
+                        <a:rPr lang="en-US" sz="1800" b="0" baseline="0" dirty="0" smtClean="0"/>
+                        <a:t>ext2?</a:t>
+                      </a:r>
+                      <a:endParaRPr lang="en-US" sz="1800" b="1" dirty="0" smtClean="0"/>
+                    </a:p>
+                    <a:p>
+                      <a:endParaRPr lang="en-US" sz="1800" b="0" dirty="0" smtClean="0"/>
+                    </a:p>
+                    <a:p>
+                      <a:endParaRPr lang="en-US" sz="1800" b="0" dirty="0" smtClean="0"/>
+                    </a:p>
+                    <a:p>
+                      <a:endParaRPr lang="en-US" sz="1800" b="0" dirty="0" smtClean="0"/>
+                    </a:p>
+                  </a:txBody>
+                  <a:tcPr/>
+                </a:tc>
+                <a:extLst>
+                  <a:ext uri="{0D108BD9-81ED-4DB2-BD59-A6C34878D82A}">
+                    <a16:rowId xmlns:a16="http://schemas.microsoft.com/office/drawing/2014/main" val="10002"/>
                   </a:ext>
                 </a:extLst>
               </a:tr>
@@ -20595,30 +21194,30 @@
       </p:graphicFrame>
       <p:graphicFrame>
         <p:nvGraphicFramePr>
-          <p:cNvPr id="2" name="Table 1"/>
+          <p:cNvPr id="18" name="Table 17"/>
           <p:cNvGraphicFramePr>
             <a:graphicFrameLocks noGrp="1"/>
           </p:cNvGraphicFramePr>
           <p:nvPr>
             <p:extLst>
               <p:ext uri="{D42A27DB-BD31-4B8C-83A1-F6EECF244321}">
-                <p14:modId xmlns:p14="http://schemas.microsoft.com/office/powerpoint/2010/main" val="1803926041"/>
+                <p14:modId xmlns:p14="http://schemas.microsoft.com/office/powerpoint/2010/main" val="3498704410"/>
               </p:ext>
             </p:extLst>
           </p:nvPr>
         </p:nvGraphicFramePr>
         <p:xfrm>
-          <a:off x="0" y="365762"/>
-          <a:ext cx="12192000" cy="3840480"/>
+          <a:off x="381739" y="2167083"/>
+          <a:ext cx="1646566" cy="2595880"/>
         </p:xfrm>
         <a:graphic>
           <a:graphicData uri="http://schemas.openxmlformats.org/drawingml/2006/table">
             <a:tbl>
               <a:tblPr firstRow="1" bandRow="1">
-                <a:tableStyleId>{3B4B98B0-60AC-42C2-AFA5-B58CD77FA1E5}</a:tableStyleId>
+                <a:tableStyleId>{5C22544A-7EE6-4342-B048-85BDC9FD1C3A}</a:tableStyleId>
               </a:tblPr>
               <a:tblGrid>
-                <a:gridCol w="12192000">
+                <a:gridCol w="1646566">
                   <a:extLst>
                     <a:ext uri="{9D8B030D-6E8A-4147-A177-3AD203B41FA5}">
                       <a16:colId xmlns:a16="http://schemas.microsoft.com/office/drawing/2014/main" val="20000"/>
@@ -20626,28 +21225,24 @@
                   </a:extLst>
                 </a:gridCol>
               </a:tblGrid>
-              <a:tr h="455826">
-                <a:tc>
-                  <a:txBody>
-                    <a:bodyPr/>
-                    <a:lstStyle/>
-                    <a:p>
-                      <a:r>
-                        <a:rPr lang="ru-RU" sz="2400" dirty="0"/>
-                        <a:t>Каталоги</a:t>
-                      </a:r>
-                      <a:r>
-                        <a:rPr lang="ru-RU" sz="2400" baseline="0" dirty="0"/>
-                        <a:t> в </a:t>
-                      </a:r>
-                      <a:r>
-                        <a:rPr lang="en-US" sz="2400" baseline="0" dirty="0"/>
-                        <a:t>ext2</a:t>
-                      </a:r>
-                      <a:endParaRPr lang="ru-RU" sz="2400" dirty="0"/>
-                    </a:p>
-                  </a:txBody>
-                  <a:tcPr/>
+              <a:tr h="370840">
+                <a:tc>
+                  <a:txBody>
+                    <a:bodyPr/>
+                    <a:lstStyle/>
+                    <a:p>
+                      <a:r>
+                        <a:rPr lang="en-US" dirty="0" err="1" smtClean="0"/>
+                        <a:t>Inode</a:t>
+                      </a:r>
+                      <a:endParaRPr lang="en-US" dirty="0"/>
+                    </a:p>
+                  </a:txBody>
+                  <a:tcPr>
+                    <a:solidFill>
+                      <a:schemeClr val="accent1"/>
+                    </a:solidFill>
+                  </a:tcPr>
                 </a:tc>
                 <a:extLst>
                   <a:ext uri="{0D108BD9-81ED-4DB2-BD59-A6C34878D82A}">
@@ -20655,114 +21250,137 @@
                   </a:ext>
                 </a:extLst>
               </a:tr>
-              <a:tr h="364661">
-                <a:tc>
-                  <a:txBody>
-                    <a:bodyPr/>
-                    <a:lstStyle/>
-                    <a:p>
-                      <a:r>
-                        <a:rPr lang="ru-RU" dirty="0"/>
-                        <a:t>Каталог</a:t>
-                      </a:r>
-                      <a:r>
-                        <a:rPr lang="ru-RU" baseline="0" dirty="0"/>
-                        <a:t> хранится в файле специального типа (у которого</a:t>
-                      </a:r>
-                      <a:r>
-                        <a:rPr lang="en-US" baseline="0" dirty="0"/>
-                        <a:t> </a:t>
-                      </a:r>
-                      <a:r>
-                        <a:rPr lang="ru-RU" baseline="0" dirty="0"/>
-                        <a:t>младший байт </a:t>
-                      </a:r>
-                      <a:r>
-                        <a:rPr lang="en-US" baseline="0" dirty="0" err="1"/>
-                        <a:t>i_mode</a:t>
-                      </a:r>
-                      <a:r>
-                        <a:rPr lang="ru-RU" baseline="0" dirty="0"/>
-                        <a:t> равен </a:t>
-                      </a:r>
-                      <a:r>
-                        <a:rPr lang="en-US" dirty="0"/>
-                        <a:t>EXT2_FT_DIR</a:t>
-                      </a:r>
-                      <a:r>
-                        <a:rPr lang="ru-RU" baseline="0" dirty="0"/>
-                        <a:t>).</a:t>
-                      </a:r>
-                    </a:p>
-                    <a:p>
-                      <a:r>
-                        <a:rPr lang="ru-RU" baseline="0" dirty="0"/>
-                        <a:t>Содержимое файла представляет собой последовательность записей переменной длины:</a:t>
-                      </a:r>
-                    </a:p>
-                    <a:p>
-                      <a:pPr marL="285750" indent="-285750">
-                        <a:buFont typeface="Arial" panose="020B0604020202020204" pitchFamily="34" charset="0"/>
-                        <a:buChar char="•"/>
-                      </a:pPr>
-                      <a:r>
-                        <a:rPr lang="ru-RU" baseline="0" dirty="0"/>
-                        <a:t>В заголовке записи стоит</a:t>
-                      </a:r>
-                      <a:br>
-                        <a:rPr lang="en-US" baseline="0" dirty="0"/>
-                      </a:br>
-                      <a:br>
-                        <a:rPr lang="en-US" baseline="0" dirty="0"/>
-                      </a:br>
-                      <a:br>
-                        <a:rPr lang="en-US" baseline="0" dirty="0"/>
-                      </a:br>
-                      <a:br>
-                        <a:rPr lang="en-US" baseline="0" dirty="0"/>
-                      </a:br>
-                      <a:br>
-                        <a:rPr lang="en-US" baseline="0" dirty="0"/>
-                      </a:br>
-                      <a:br>
-                        <a:rPr lang="en-US" baseline="0" dirty="0"/>
-                      </a:br>
-                      <a:br>
-                        <a:rPr lang="en-US" baseline="0" dirty="0"/>
-                      </a:br>
-                      <a:br>
-                        <a:rPr lang="en-US" baseline="0" dirty="0"/>
-                      </a:br>
-                      <a:endParaRPr lang="en-US" baseline="0" dirty="0"/>
-                    </a:p>
-                    <a:p>
-                      <a:pPr marL="285750" indent="-285750">
-                        <a:buFont typeface="Arial" panose="020B0604020202020204" pitchFamily="34" charset="0"/>
-                        <a:buChar char="•"/>
-                      </a:pPr>
-                      <a:r>
-                        <a:rPr lang="ru-RU" baseline="0" dirty="0"/>
-                        <a:t>После </a:t>
-                      </a:r>
-                      <a:r>
-                        <a:rPr lang="en-US" baseline="0" dirty="0" err="1"/>
-                        <a:t>struct</a:t>
-                      </a:r>
-                      <a:r>
-                        <a:rPr lang="en-US" baseline="0" dirty="0"/>
-                        <a:t> ext2_dir_entry_2 </a:t>
-                      </a:r>
-                      <a:r>
-                        <a:rPr lang="ru-RU" baseline="0" dirty="0"/>
-                        <a:t>следует имя файла.</a:t>
-                      </a:r>
-                    </a:p>
-                  </a:txBody>
-                  <a:tcPr/>
+              <a:tr h="370840">
+                <a:tc>
+                  <a:txBody>
+                    <a:bodyPr/>
+                    <a:lstStyle/>
+                    <a:p>
+                      <a:endParaRPr lang="en-US" dirty="0"/>
+                    </a:p>
+                  </a:txBody>
+                  <a:tcPr>
+                    <a:solidFill>
+                      <a:schemeClr val="accent1"/>
+                    </a:solidFill>
+                  </a:tcPr>
                 </a:tc>
                 <a:extLst>
                   <a:ext uri="{0D108BD9-81ED-4DB2-BD59-A6C34878D82A}">
-                    <a16:rowId xmlns:a16="http://schemas.microsoft.com/office/drawing/2014/main" val="10001"/>
+                    <a16:rowId xmlns:a16="http://schemas.microsoft.com/office/drawing/2014/main" val="2251172961"/>
+                  </a:ext>
+                </a:extLst>
+              </a:tr>
+              <a:tr h="370840">
+                <a:tc>
+                  <a:txBody>
+                    <a:bodyPr/>
+                    <a:lstStyle/>
+                    <a:p>
+                      <a:endParaRPr lang="en-US" dirty="0"/>
+                    </a:p>
+                  </a:txBody>
+                  <a:tcPr>
+                    <a:solidFill>
+                      <a:schemeClr val="accent1"/>
+                    </a:solidFill>
+                  </a:tcPr>
+                </a:tc>
+                <a:extLst>
+                  <a:ext uri="{0D108BD9-81ED-4DB2-BD59-A6C34878D82A}">
+                    <a16:rowId xmlns:a16="http://schemas.microsoft.com/office/drawing/2014/main" val="4283399001"/>
+                  </a:ext>
+                </a:extLst>
+              </a:tr>
+              <a:tr h="370840">
+                <a:tc>
+                  <a:txBody>
+                    <a:bodyPr/>
+                    <a:lstStyle/>
+                    <a:p>
+                      <a:r>
+                        <a:rPr lang="en-US" dirty="0" smtClean="0"/>
+                        <a:t>Extent header</a:t>
+                      </a:r>
+                      <a:endParaRPr lang="en-US" dirty="0"/>
+                    </a:p>
+                  </a:txBody>
+                  <a:tcPr>
+                    <a:solidFill>
+                      <a:srgbClr val="FFC000"/>
+                    </a:solidFill>
+                  </a:tcPr>
+                </a:tc>
+                <a:extLst>
+                  <a:ext uri="{0D108BD9-81ED-4DB2-BD59-A6C34878D82A}">
+                    <a16:rowId xmlns:a16="http://schemas.microsoft.com/office/drawing/2014/main" val="1365243959"/>
+                  </a:ext>
+                </a:extLst>
+              </a:tr>
+              <a:tr h="370840">
+                <a:tc>
+                  <a:txBody>
+                    <a:bodyPr/>
+                    <a:lstStyle/>
+                    <a:p>
+                      <a:r>
+                        <a:rPr lang="en-US" dirty="0" smtClean="0"/>
+                        <a:t>Extent index</a:t>
+                      </a:r>
+                      <a:endParaRPr lang="en-US" dirty="0"/>
+                    </a:p>
+                  </a:txBody>
+                  <a:tcPr>
+                    <a:solidFill>
+                      <a:srgbClr val="92D050"/>
+                    </a:solidFill>
+                  </a:tcPr>
+                </a:tc>
+                <a:extLst>
+                  <a:ext uri="{0D108BD9-81ED-4DB2-BD59-A6C34878D82A}">
+                    <a16:rowId xmlns:a16="http://schemas.microsoft.com/office/drawing/2014/main" val="1647535880"/>
+                  </a:ext>
+                </a:extLst>
+              </a:tr>
+              <a:tr h="370840">
+                <a:tc>
+                  <a:txBody>
+                    <a:bodyPr/>
+                    <a:lstStyle/>
+                    <a:p>
+                      <a:endParaRPr lang="en-US" dirty="0"/>
+                    </a:p>
+                  </a:txBody>
+                  <a:tcPr>
+                    <a:solidFill>
+                      <a:schemeClr val="accent1"/>
+                    </a:solidFill>
+                  </a:tcPr>
+                </a:tc>
+                <a:extLst>
+                  <a:ext uri="{0D108BD9-81ED-4DB2-BD59-A6C34878D82A}">
+                    <a16:rowId xmlns:a16="http://schemas.microsoft.com/office/drawing/2014/main" val="1603476418"/>
+                  </a:ext>
+                </a:extLst>
+              </a:tr>
+              <a:tr h="370840">
+                <a:tc>
+                  <a:txBody>
+                    <a:bodyPr/>
+                    <a:lstStyle/>
+                    <a:p>
+                      <a:endParaRPr lang="en-US" dirty="0"/>
+                    </a:p>
+                  </a:txBody>
+                  <a:tcPr>
+                    <a:solidFill>
+                      <a:schemeClr val="accent1"/>
+                    </a:solidFill>
+                  </a:tcPr>
+                </a:tc>
+                <a:extLst>
+                  <a:ext uri="{0D108BD9-81ED-4DB2-BD59-A6C34878D82A}">
+                    <a16:rowId xmlns:a16="http://schemas.microsoft.com/office/drawing/2014/main" val="3993557926"/>
                   </a:ext>
                 </a:extLst>
               </a:tr>
@@ -20770,184 +21388,1378 @@
           </a:graphicData>
         </a:graphic>
       </p:graphicFrame>
-      <p:sp>
-        <p:nvSpPr>
-          <p:cNvPr id="4" name="TextBox 3">
-            <a:extLst>
-              <a:ext uri="{FF2B5EF4-FFF2-40B4-BE49-F238E27FC236}">
-                <a16:creationId xmlns:a16="http://schemas.microsoft.com/office/drawing/2014/main" id="{89DD521D-4AB7-844A-8596-C9C599CFA612}"/>
-              </a:ext>
-            </a:extLst>
-          </p:cNvPr>
-          <p:cNvSpPr txBox="1"/>
+      <p:graphicFrame>
+        <p:nvGraphicFramePr>
+          <p:cNvPr id="19" name="Table 18"/>
+          <p:cNvGraphicFramePr>
+            <a:graphicFrameLocks noGrp="1"/>
+          </p:cNvGraphicFramePr>
+          <p:nvPr>
+            <p:extLst>
+              <p:ext uri="{D42A27DB-BD31-4B8C-83A1-F6EECF244321}">
+                <p14:modId xmlns:p14="http://schemas.microsoft.com/office/powerpoint/2010/main" val="1304476058"/>
+              </p:ext>
+            </p:extLst>
+          </p:nvPr>
+        </p:nvGraphicFramePr>
+        <p:xfrm>
+          <a:off x="2870015" y="1463272"/>
+          <a:ext cx="1646566" cy="2595880"/>
+        </p:xfrm>
+        <a:graphic>
+          <a:graphicData uri="http://schemas.openxmlformats.org/drawingml/2006/table">
+            <a:tbl>
+              <a:tblPr firstRow="1" bandRow="1">
+                <a:tableStyleId>{5C22544A-7EE6-4342-B048-85BDC9FD1C3A}</a:tableStyleId>
+              </a:tblPr>
+              <a:tblGrid>
+                <a:gridCol w="1646566">
+                  <a:extLst>
+                    <a:ext uri="{9D8B030D-6E8A-4147-A177-3AD203B41FA5}">
+                      <a16:colId xmlns:a16="http://schemas.microsoft.com/office/drawing/2014/main" val="20000"/>
+                    </a:ext>
+                  </a:extLst>
+                </a:gridCol>
+              </a:tblGrid>
+              <a:tr h="370840">
+                <a:tc>
+                  <a:txBody>
+                    <a:bodyPr/>
+                    <a:lstStyle/>
+                    <a:p>
+                      <a:r>
+                        <a:rPr lang="en-US" dirty="0" smtClean="0">
+                          <a:solidFill>
+                            <a:schemeClr val="tx1"/>
+                          </a:solidFill>
+                        </a:rPr>
+                        <a:t>Extent header</a:t>
+                      </a:r>
+                      <a:endParaRPr lang="en-US" dirty="0">
+                        <a:solidFill>
+                          <a:schemeClr val="tx1"/>
+                        </a:solidFill>
+                      </a:endParaRPr>
+                    </a:p>
+                  </a:txBody>
+                  <a:tcPr>
+                    <a:solidFill>
+                      <a:srgbClr val="FFC000"/>
+                    </a:solidFill>
+                  </a:tcPr>
+                </a:tc>
+                <a:extLst>
+                  <a:ext uri="{0D108BD9-81ED-4DB2-BD59-A6C34878D82A}">
+                    <a16:rowId xmlns:a16="http://schemas.microsoft.com/office/drawing/2014/main" val="10000"/>
+                  </a:ext>
+                </a:extLst>
+              </a:tr>
+              <a:tr h="370840">
+                <a:tc>
+                  <a:txBody>
+                    <a:bodyPr/>
+                    <a:lstStyle/>
+                    <a:p>
+                      <a:r>
+                        <a:rPr lang="en-US" dirty="0" smtClean="0"/>
+                        <a:t>Extent index</a:t>
+                      </a:r>
+                      <a:endParaRPr lang="en-US" dirty="0"/>
+                    </a:p>
+                  </a:txBody>
+                  <a:tcPr>
+                    <a:solidFill>
+                      <a:srgbClr val="92D050"/>
+                    </a:solidFill>
+                  </a:tcPr>
+                </a:tc>
+                <a:extLst>
+                  <a:ext uri="{0D108BD9-81ED-4DB2-BD59-A6C34878D82A}">
+                    <a16:rowId xmlns:a16="http://schemas.microsoft.com/office/drawing/2014/main" val="2251172961"/>
+                  </a:ext>
+                </a:extLst>
+              </a:tr>
+              <a:tr h="370840">
+                <a:tc>
+                  <a:txBody>
+                    <a:bodyPr/>
+                    <a:lstStyle/>
+                    <a:p>
+                      <a:pPr marL="0" marR="0" lvl="0" indent="0" algn="l" defTabSz="914400" rtl="0" eaLnBrk="1" fontAlgn="auto" latinLnBrk="0" hangingPunct="1">
+                        <a:lnSpc>
+                          <a:spcPct val="100000"/>
+                        </a:lnSpc>
+                        <a:spcBef>
+                          <a:spcPts val="0"/>
+                        </a:spcBef>
+                        <a:spcAft>
+                          <a:spcPts val="0"/>
+                        </a:spcAft>
+                        <a:buClrTx/>
+                        <a:buSzTx/>
+                        <a:buFontTx/>
+                        <a:buNone/>
+                        <a:tabLst/>
+                        <a:defRPr/>
+                      </a:pPr>
+                      <a:r>
+                        <a:rPr lang="en-US" dirty="0" smtClean="0"/>
+                        <a:t>Extent index</a:t>
+                      </a:r>
+                    </a:p>
+                  </a:txBody>
+                  <a:tcPr>
+                    <a:solidFill>
+                      <a:srgbClr val="92D050"/>
+                    </a:solidFill>
+                  </a:tcPr>
+                </a:tc>
+                <a:extLst>
+                  <a:ext uri="{0D108BD9-81ED-4DB2-BD59-A6C34878D82A}">
+                    <a16:rowId xmlns:a16="http://schemas.microsoft.com/office/drawing/2014/main" val="4283399001"/>
+                  </a:ext>
+                </a:extLst>
+              </a:tr>
+              <a:tr h="370840">
+                <a:tc>
+                  <a:txBody>
+                    <a:bodyPr/>
+                    <a:lstStyle/>
+                    <a:p>
+                      <a:r>
+                        <a:rPr lang="en-US" dirty="0" smtClean="0"/>
+                        <a:t>Extent index</a:t>
+                      </a:r>
+                      <a:endParaRPr lang="en-US" dirty="0"/>
+                    </a:p>
+                  </a:txBody>
+                  <a:tcPr>
+                    <a:solidFill>
+                      <a:srgbClr val="92D050"/>
+                    </a:solidFill>
+                  </a:tcPr>
+                </a:tc>
+                <a:extLst>
+                  <a:ext uri="{0D108BD9-81ED-4DB2-BD59-A6C34878D82A}">
+                    <a16:rowId xmlns:a16="http://schemas.microsoft.com/office/drawing/2014/main" val="1365243959"/>
+                  </a:ext>
+                </a:extLst>
+              </a:tr>
+              <a:tr h="370840">
+                <a:tc>
+                  <a:txBody>
+                    <a:bodyPr/>
+                    <a:lstStyle/>
+                    <a:p>
+                      <a:r>
+                        <a:rPr lang="en-US" dirty="0" smtClean="0"/>
+                        <a:t>Extent index</a:t>
+                      </a:r>
+                      <a:endParaRPr lang="en-US" dirty="0"/>
+                    </a:p>
+                  </a:txBody>
+                  <a:tcPr>
+                    <a:solidFill>
+                      <a:srgbClr val="92D050"/>
+                    </a:solidFill>
+                  </a:tcPr>
+                </a:tc>
+                <a:extLst>
+                  <a:ext uri="{0D108BD9-81ED-4DB2-BD59-A6C34878D82A}">
+                    <a16:rowId xmlns:a16="http://schemas.microsoft.com/office/drawing/2014/main" val="1647535880"/>
+                  </a:ext>
+                </a:extLst>
+              </a:tr>
+              <a:tr h="370840">
+                <a:tc>
+                  <a:txBody>
+                    <a:bodyPr/>
+                    <a:lstStyle/>
+                    <a:p>
+                      <a:pPr marL="0" marR="0" lvl="0" indent="0" algn="l" defTabSz="914400" rtl="0" eaLnBrk="1" fontAlgn="auto" latinLnBrk="0" hangingPunct="1">
+                        <a:lnSpc>
+                          <a:spcPct val="100000"/>
+                        </a:lnSpc>
+                        <a:spcBef>
+                          <a:spcPts val="0"/>
+                        </a:spcBef>
+                        <a:spcAft>
+                          <a:spcPts val="0"/>
+                        </a:spcAft>
+                        <a:buClrTx/>
+                        <a:buSzTx/>
+                        <a:buFontTx/>
+                        <a:buNone/>
+                        <a:tabLst/>
+                        <a:defRPr/>
+                      </a:pPr>
+                      <a:r>
+                        <a:rPr lang="en-US" dirty="0" smtClean="0"/>
+                        <a:t>Extent index</a:t>
+                      </a:r>
+                    </a:p>
+                  </a:txBody>
+                  <a:tcPr>
+                    <a:solidFill>
+                      <a:srgbClr val="92D050"/>
+                    </a:solidFill>
+                  </a:tcPr>
+                </a:tc>
+                <a:extLst>
+                  <a:ext uri="{0D108BD9-81ED-4DB2-BD59-A6C34878D82A}">
+                    <a16:rowId xmlns:a16="http://schemas.microsoft.com/office/drawing/2014/main" val="1603476418"/>
+                  </a:ext>
+                </a:extLst>
+              </a:tr>
+              <a:tr h="370840">
+                <a:tc>
+                  <a:txBody>
+                    <a:bodyPr/>
+                    <a:lstStyle/>
+                    <a:p>
+                      <a:r>
+                        <a:rPr lang="en-US" dirty="0" smtClean="0"/>
+                        <a:t>…</a:t>
+                      </a:r>
+                      <a:endParaRPr lang="en-US" dirty="0"/>
+                    </a:p>
+                  </a:txBody>
+                  <a:tcPr>
+                    <a:solidFill>
+                      <a:schemeClr val="accent1"/>
+                    </a:solidFill>
+                  </a:tcPr>
+                </a:tc>
+                <a:extLst>
+                  <a:ext uri="{0D108BD9-81ED-4DB2-BD59-A6C34878D82A}">
+                    <a16:rowId xmlns:a16="http://schemas.microsoft.com/office/drawing/2014/main" val="3993557926"/>
+                  </a:ext>
+                </a:extLst>
+              </a:tr>
+            </a:tbl>
+          </a:graphicData>
+        </a:graphic>
+      </p:graphicFrame>
+      <p:cxnSp>
+        <p:nvCxnSpPr>
+          <p:cNvPr id="14" name="Straight Arrow Connector 13"/>
+          <p:cNvCxnSpPr/>
           <p:nvPr/>
-        </p:nvSpPr>
+        </p:nvCxnSpPr>
+        <p:spPr>
+          <a:xfrm flipV="1">
+            <a:off x="2028305" y="1629295"/>
+            <a:ext cx="841710" cy="2186247"/>
+          </a:xfrm>
+          <a:prstGeom prst="straightConnector1">
+            <a:avLst/>
+          </a:prstGeom>
+          <a:ln>
+            <a:solidFill>
+              <a:schemeClr val="tx1"/>
+            </a:solidFill>
+            <a:tailEnd type="triangle"/>
+          </a:ln>
+        </p:spPr>
+        <p:style>
+          <a:lnRef idx="1">
+            <a:schemeClr val="accent1"/>
+          </a:lnRef>
+          <a:fillRef idx="0">
+            <a:schemeClr val="accent1"/>
+          </a:fillRef>
+          <a:effectRef idx="0">
+            <a:schemeClr val="accent1"/>
+          </a:effectRef>
+          <a:fontRef idx="minor">
+            <a:schemeClr val="tx1"/>
+          </a:fontRef>
+        </p:style>
+      </p:cxnSp>
+      <p:graphicFrame>
+        <p:nvGraphicFramePr>
+          <p:cNvPr id="22" name="Table 21"/>
+          <p:cNvGraphicFramePr>
+            <a:graphicFrameLocks noGrp="1"/>
+          </p:cNvGraphicFramePr>
+          <p:nvPr>
+            <p:extLst>
+              <p:ext uri="{D42A27DB-BD31-4B8C-83A1-F6EECF244321}">
+                <p14:modId xmlns:p14="http://schemas.microsoft.com/office/powerpoint/2010/main" val="1444193988"/>
+              </p:ext>
+            </p:extLst>
+          </p:nvPr>
+        </p:nvGraphicFramePr>
+        <p:xfrm>
+          <a:off x="5061158" y="1219662"/>
+          <a:ext cx="1646566" cy="1483360"/>
+        </p:xfrm>
+        <a:graphic>
+          <a:graphicData uri="http://schemas.openxmlformats.org/drawingml/2006/table">
+            <a:tbl>
+              <a:tblPr firstRow="1" bandRow="1">
+                <a:tableStyleId>{5C22544A-7EE6-4342-B048-85BDC9FD1C3A}</a:tableStyleId>
+              </a:tblPr>
+              <a:tblGrid>
+                <a:gridCol w="1646566">
+                  <a:extLst>
+                    <a:ext uri="{9D8B030D-6E8A-4147-A177-3AD203B41FA5}">
+                      <a16:colId xmlns:a16="http://schemas.microsoft.com/office/drawing/2014/main" val="20000"/>
+                    </a:ext>
+                  </a:extLst>
+                </a:gridCol>
+              </a:tblGrid>
+              <a:tr h="370840">
+                <a:tc>
+                  <a:txBody>
+                    <a:bodyPr/>
+                    <a:lstStyle/>
+                    <a:p>
+                      <a:r>
+                        <a:rPr lang="en-US" dirty="0" smtClean="0">
+                          <a:solidFill>
+                            <a:schemeClr val="tx1"/>
+                          </a:solidFill>
+                        </a:rPr>
+                        <a:t>Extent header</a:t>
+                      </a:r>
+                      <a:endParaRPr lang="en-US" dirty="0">
+                        <a:solidFill>
+                          <a:schemeClr val="tx1"/>
+                        </a:solidFill>
+                      </a:endParaRPr>
+                    </a:p>
+                  </a:txBody>
+                  <a:tcPr>
+                    <a:solidFill>
+                      <a:srgbClr val="FFC000"/>
+                    </a:solidFill>
+                  </a:tcPr>
+                </a:tc>
+                <a:extLst>
+                  <a:ext uri="{0D108BD9-81ED-4DB2-BD59-A6C34878D82A}">
+                    <a16:rowId xmlns:a16="http://schemas.microsoft.com/office/drawing/2014/main" val="10000"/>
+                  </a:ext>
+                </a:extLst>
+              </a:tr>
+              <a:tr h="370840">
+                <a:tc>
+                  <a:txBody>
+                    <a:bodyPr/>
+                    <a:lstStyle/>
+                    <a:p>
+                      <a:r>
+                        <a:rPr lang="en-US" dirty="0" smtClean="0"/>
+                        <a:t>Extent</a:t>
+                      </a:r>
+                      <a:endParaRPr lang="en-US" dirty="0"/>
+                    </a:p>
+                  </a:txBody>
+                  <a:tcPr>
+                    <a:solidFill>
+                      <a:srgbClr val="00B0F0"/>
+                    </a:solidFill>
+                  </a:tcPr>
+                </a:tc>
+                <a:extLst>
+                  <a:ext uri="{0D108BD9-81ED-4DB2-BD59-A6C34878D82A}">
+                    <a16:rowId xmlns:a16="http://schemas.microsoft.com/office/drawing/2014/main" val="2251172961"/>
+                  </a:ext>
+                </a:extLst>
+              </a:tr>
+              <a:tr h="370840">
+                <a:tc>
+                  <a:txBody>
+                    <a:bodyPr/>
+                    <a:lstStyle/>
+                    <a:p>
+                      <a:pPr marL="0" marR="0" lvl="0" indent="0" algn="l" defTabSz="914400" rtl="0" eaLnBrk="1" fontAlgn="auto" latinLnBrk="0" hangingPunct="1">
+                        <a:lnSpc>
+                          <a:spcPct val="100000"/>
+                        </a:lnSpc>
+                        <a:spcBef>
+                          <a:spcPts val="0"/>
+                        </a:spcBef>
+                        <a:spcAft>
+                          <a:spcPts val="0"/>
+                        </a:spcAft>
+                        <a:buClrTx/>
+                        <a:buSzTx/>
+                        <a:buFontTx/>
+                        <a:buNone/>
+                        <a:tabLst/>
+                        <a:defRPr/>
+                      </a:pPr>
+                      <a:r>
+                        <a:rPr lang="en-US" dirty="0" smtClean="0"/>
+                        <a:t>Extent</a:t>
+                      </a:r>
+                    </a:p>
+                  </a:txBody>
+                  <a:tcPr>
+                    <a:solidFill>
+                      <a:srgbClr val="00B0F0"/>
+                    </a:solidFill>
+                  </a:tcPr>
+                </a:tc>
+                <a:extLst>
+                  <a:ext uri="{0D108BD9-81ED-4DB2-BD59-A6C34878D82A}">
+                    <a16:rowId xmlns:a16="http://schemas.microsoft.com/office/drawing/2014/main" val="4283399001"/>
+                  </a:ext>
+                </a:extLst>
+              </a:tr>
+              <a:tr h="370840">
+                <a:tc>
+                  <a:txBody>
+                    <a:bodyPr/>
+                    <a:lstStyle/>
+                    <a:p>
+                      <a:r>
+                        <a:rPr lang="en-US" dirty="0" smtClean="0"/>
+                        <a:t>…</a:t>
+                      </a:r>
+                      <a:endParaRPr lang="en-US" dirty="0"/>
+                    </a:p>
+                  </a:txBody>
+                  <a:tcPr>
+                    <a:solidFill>
+                      <a:schemeClr val="accent1"/>
+                    </a:solidFill>
+                  </a:tcPr>
+                </a:tc>
+                <a:extLst>
+                  <a:ext uri="{0D108BD9-81ED-4DB2-BD59-A6C34878D82A}">
+                    <a16:rowId xmlns:a16="http://schemas.microsoft.com/office/drawing/2014/main" val="3993557926"/>
+                  </a:ext>
+                </a:extLst>
+              </a:tr>
+            </a:tbl>
+          </a:graphicData>
+        </a:graphic>
+      </p:graphicFrame>
+      <p:graphicFrame>
+        <p:nvGraphicFramePr>
+          <p:cNvPr id="24" name="Table 23"/>
+          <p:cNvGraphicFramePr>
+            <a:graphicFrameLocks noGrp="1"/>
+          </p:cNvGraphicFramePr>
+          <p:nvPr>
+            <p:extLst>
+              <p:ext uri="{D42A27DB-BD31-4B8C-83A1-F6EECF244321}">
+                <p14:modId xmlns:p14="http://schemas.microsoft.com/office/powerpoint/2010/main" val="2308814689"/>
+              </p:ext>
+            </p:extLst>
+          </p:nvPr>
+        </p:nvGraphicFramePr>
+        <p:xfrm>
+          <a:off x="5061158" y="2951480"/>
+          <a:ext cx="1646566" cy="1483360"/>
+        </p:xfrm>
+        <a:graphic>
+          <a:graphicData uri="http://schemas.openxmlformats.org/drawingml/2006/table">
+            <a:tbl>
+              <a:tblPr firstRow="1" bandRow="1">
+                <a:tableStyleId>{5C22544A-7EE6-4342-B048-85BDC9FD1C3A}</a:tableStyleId>
+              </a:tblPr>
+              <a:tblGrid>
+                <a:gridCol w="1646566">
+                  <a:extLst>
+                    <a:ext uri="{9D8B030D-6E8A-4147-A177-3AD203B41FA5}">
+                      <a16:colId xmlns:a16="http://schemas.microsoft.com/office/drawing/2014/main" val="20000"/>
+                    </a:ext>
+                  </a:extLst>
+                </a:gridCol>
+              </a:tblGrid>
+              <a:tr h="370840">
+                <a:tc>
+                  <a:txBody>
+                    <a:bodyPr/>
+                    <a:lstStyle/>
+                    <a:p>
+                      <a:r>
+                        <a:rPr lang="en-US" dirty="0" smtClean="0">
+                          <a:solidFill>
+                            <a:schemeClr val="tx1"/>
+                          </a:solidFill>
+                        </a:rPr>
+                        <a:t>Extent header</a:t>
+                      </a:r>
+                      <a:endParaRPr lang="en-US" dirty="0">
+                        <a:solidFill>
+                          <a:schemeClr val="tx1"/>
+                        </a:solidFill>
+                      </a:endParaRPr>
+                    </a:p>
+                  </a:txBody>
+                  <a:tcPr>
+                    <a:solidFill>
+                      <a:srgbClr val="FFC000"/>
+                    </a:solidFill>
+                  </a:tcPr>
+                </a:tc>
+                <a:extLst>
+                  <a:ext uri="{0D108BD9-81ED-4DB2-BD59-A6C34878D82A}">
+                    <a16:rowId xmlns:a16="http://schemas.microsoft.com/office/drawing/2014/main" val="10000"/>
+                  </a:ext>
+                </a:extLst>
+              </a:tr>
+              <a:tr h="370840">
+                <a:tc>
+                  <a:txBody>
+                    <a:bodyPr/>
+                    <a:lstStyle/>
+                    <a:p>
+                      <a:r>
+                        <a:rPr lang="en-US" dirty="0" smtClean="0"/>
+                        <a:t>Extent</a:t>
+                      </a:r>
+                      <a:endParaRPr lang="en-US" dirty="0"/>
+                    </a:p>
+                  </a:txBody>
+                  <a:tcPr>
+                    <a:solidFill>
+                      <a:srgbClr val="00B0F0"/>
+                    </a:solidFill>
+                  </a:tcPr>
+                </a:tc>
+                <a:extLst>
+                  <a:ext uri="{0D108BD9-81ED-4DB2-BD59-A6C34878D82A}">
+                    <a16:rowId xmlns:a16="http://schemas.microsoft.com/office/drawing/2014/main" val="2251172961"/>
+                  </a:ext>
+                </a:extLst>
+              </a:tr>
+              <a:tr h="370840">
+                <a:tc>
+                  <a:txBody>
+                    <a:bodyPr/>
+                    <a:lstStyle/>
+                    <a:p>
+                      <a:pPr marL="0" marR="0" lvl="0" indent="0" algn="l" defTabSz="914400" rtl="0" eaLnBrk="1" fontAlgn="auto" latinLnBrk="0" hangingPunct="1">
+                        <a:lnSpc>
+                          <a:spcPct val="100000"/>
+                        </a:lnSpc>
+                        <a:spcBef>
+                          <a:spcPts val="0"/>
+                        </a:spcBef>
+                        <a:spcAft>
+                          <a:spcPts val="0"/>
+                        </a:spcAft>
+                        <a:buClrTx/>
+                        <a:buSzTx/>
+                        <a:buFontTx/>
+                        <a:buNone/>
+                        <a:tabLst/>
+                        <a:defRPr/>
+                      </a:pPr>
+                      <a:r>
+                        <a:rPr lang="en-US" dirty="0" smtClean="0"/>
+                        <a:t>Extent</a:t>
+                      </a:r>
+                    </a:p>
+                  </a:txBody>
+                  <a:tcPr>
+                    <a:solidFill>
+                      <a:srgbClr val="00B0F0"/>
+                    </a:solidFill>
+                  </a:tcPr>
+                </a:tc>
+                <a:extLst>
+                  <a:ext uri="{0D108BD9-81ED-4DB2-BD59-A6C34878D82A}">
+                    <a16:rowId xmlns:a16="http://schemas.microsoft.com/office/drawing/2014/main" val="4283399001"/>
+                  </a:ext>
+                </a:extLst>
+              </a:tr>
+              <a:tr h="370840">
+                <a:tc>
+                  <a:txBody>
+                    <a:bodyPr/>
+                    <a:lstStyle/>
+                    <a:p>
+                      <a:r>
+                        <a:rPr lang="en-US" dirty="0" smtClean="0"/>
+                        <a:t>…</a:t>
+                      </a:r>
+                      <a:endParaRPr lang="en-US" dirty="0"/>
+                    </a:p>
+                  </a:txBody>
+                  <a:tcPr>
+                    <a:solidFill>
+                      <a:schemeClr val="accent1"/>
+                    </a:solidFill>
+                  </a:tcPr>
+                </a:tc>
+                <a:extLst>
+                  <a:ext uri="{0D108BD9-81ED-4DB2-BD59-A6C34878D82A}">
+                    <a16:rowId xmlns:a16="http://schemas.microsoft.com/office/drawing/2014/main" val="3993557926"/>
+                  </a:ext>
+                </a:extLst>
+              </a:tr>
+            </a:tbl>
+          </a:graphicData>
+        </a:graphic>
+      </p:graphicFrame>
+      <p:cxnSp>
+        <p:nvCxnSpPr>
+          <p:cNvPr id="26" name="Straight Arrow Connector 25"/>
+          <p:cNvCxnSpPr/>
+          <p:nvPr/>
+        </p:nvCxnSpPr>
+        <p:spPr>
+          <a:xfrm flipV="1">
+            <a:off x="4516581" y="1385685"/>
+            <a:ext cx="544577" cy="575657"/>
+          </a:xfrm>
+          <a:prstGeom prst="straightConnector1">
+            <a:avLst/>
+          </a:prstGeom>
+          <a:ln>
+            <a:solidFill>
+              <a:schemeClr val="tx1"/>
+            </a:solidFill>
+            <a:tailEnd type="triangle"/>
+          </a:ln>
+        </p:spPr>
+        <p:style>
+          <a:lnRef idx="1">
+            <a:schemeClr val="accent1"/>
+          </a:lnRef>
+          <a:fillRef idx="0">
+            <a:schemeClr val="accent1"/>
+          </a:fillRef>
+          <a:effectRef idx="0">
+            <a:schemeClr val="accent1"/>
+          </a:effectRef>
+          <a:fontRef idx="minor">
+            <a:schemeClr val="tx1"/>
+          </a:fontRef>
+        </p:style>
+      </p:cxnSp>
+      <p:cxnSp>
+        <p:nvCxnSpPr>
+          <p:cNvPr id="27" name="Straight Arrow Connector 26"/>
+          <p:cNvCxnSpPr/>
+          <p:nvPr/>
+        </p:nvCxnSpPr>
         <p:spPr>
           <a:xfrm>
-            <a:off x="1739679" y="1850568"/>
-            <a:ext cx="8712642" cy="1815882"/>
+            <a:off x="4516581" y="2351949"/>
+            <a:ext cx="544577" cy="829054"/>
           </a:xfrm>
-          <a:prstGeom prst="rect">
+          <a:prstGeom prst="straightConnector1">
             <a:avLst/>
           </a:prstGeom>
-          <a:solidFill>
-            <a:schemeClr val="bg1"/>
-          </a:solidFill>
+          <a:ln>
+            <a:solidFill>
+              <a:schemeClr val="tx1"/>
+            </a:solidFill>
+            <a:tailEnd type="triangle"/>
+          </a:ln>
         </p:spPr>
-        <p:txBody>
-          <a:bodyPr wrap="none" rtlCol="0">
-            <a:spAutoFit/>
-          </a:bodyPr>
-          <a:lstStyle/>
-          <a:p>
-            <a:r>
-              <a:rPr lang="en-US" sz="1600" dirty="0">
-                <a:latin typeface="Consolas" panose="020B0609020204030204" pitchFamily="49" charset="0"/>
-                <a:cs typeface="Consolas" panose="020B0609020204030204" pitchFamily="49" charset="0"/>
-              </a:rPr>
-              <a:t>struct ext2_dir_entry_2 {</a:t>
-            </a:r>
-          </a:p>
-          <a:p>
-            <a:r>
-              <a:rPr lang="en-US" sz="1600" dirty="0">
-                <a:latin typeface="Consolas" panose="020B0609020204030204" pitchFamily="49" charset="0"/>
-                <a:cs typeface="Consolas" panose="020B0609020204030204" pitchFamily="49" charset="0"/>
-              </a:rPr>
-              <a:t>        __le32  </a:t>
-            </a:r>
-            <a:r>
-              <a:rPr lang="en-US" sz="1600" dirty="0" err="1">
-                <a:latin typeface="Consolas" panose="020B0609020204030204" pitchFamily="49" charset="0"/>
-                <a:cs typeface="Consolas" panose="020B0609020204030204" pitchFamily="49" charset="0"/>
-              </a:rPr>
-              <a:t>inode</a:t>
-            </a:r>
-            <a:r>
-              <a:rPr lang="en-US" sz="1600" dirty="0">
-                <a:latin typeface="Consolas" panose="020B0609020204030204" pitchFamily="49" charset="0"/>
-                <a:cs typeface="Consolas" panose="020B0609020204030204" pitchFamily="49" charset="0"/>
-              </a:rPr>
-              <a:t>;                  /* </a:t>
-            </a:r>
-            <a:r>
-              <a:rPr lang="en-US" sz="1600" dirty="0" err="1">
-                <a:latin typeface="Consolas" panose="020B0609020204030204" pitchFamily="49" charset="0"/>
-                <a:cs typeface="Consolas" panose="020B0609020204030204" pitchFamily="49" charset="0"/>
-              </a:rPr>
-              <a:t>Inode</a:t>
-            </a:r>
-            <a:r>
-              <a:rPr lang="en-US" sz="1600" dirty="0">
-                <a:latin typeface="Consolas" panose="020B0609020204030204" pitchFamily="49" charset="0"/>
-                <a:cs typeface="Consolas" panose="020B0609020204030204" pitchFamily="49" charset="0"/>
-              </a:rPr>
-              <a:t> number */</a:t>
-            </a:r>
-          </a:p>
-          <a:p>
-            <a:r>
-              <a:rPr lang="en-US" sz="1600" dirty="0">
-                <a:latin typeface="Consolas" panose="020B0609020204030204" pitchFamily="49" charset="0"/>
-                <a:cs typeface="Consolas" panose="020B0609020204030204" pitchFamily="49" charset="0"/>
-              </a:rPr>
-              <a:t>        __le16  </a:t>
-            </a:r>
-            <a:r>
-              <a:rPr lang="en-US" sz="1600" dirty="0" err="1">
-                <a:latin typeface="Consolas" panose="020B0609020204030204" pitchFamily="49" charset="0"/>
-                <a:cs typeface="Consolas" panose="020B0609020204030204" pitchFamily="49" charset="0"/>
-              </a:rPr>
-              <a:t>rec_len</a:t>
-            </a:r>
-            <a:r>
-              <a:rPr lang="en-US" sz="1600" dirty="0">
-                <a:latin typeface="Consolas" panose="020B0609020204030204" pitchFamily="49" charset="0"/>
-                <a:cs typeface="Consolas" panose="020B0609020204030204" pitchFamily="49" charset="0"/>
-              </a:rPr>
-              <a:t>;                /* Directory entry length */</a:t>
-            </a:r>
-          </a:p>
-          <a:p>
-            <a:r>
-              <a:rPr lang="en-US" sz="1600" dirty="0">
-                <a:latin typeface="Consolas" panose="020B0609020204030204" pitchFamily="49" charset="0"/>
-                <a:cs typeface="Consolas" panose="020B0609020204030204" pitchFamily="49" charset="0"/>
-              </a:rPr>
-              <a:t>        __u8    </a:t>
-            </a:r>
-            <a:r>
-              <a:rPr lang="en-US" sz="1600" dirty="0" err="1">
-                <a:latin typeface="Consolas" panose="020B0609020204030204" pitchFamily="49" charset="0"/>
-                <a:cs typeface="Consolas" panose="020B0609020204030204" pitchFamily="49" charset="0"/>
-              </a:rPr>
-              <a:t>name_len</a:t>
-            </a:r>
-            <a:r>
-              <a:rPr lang="en-US" sz="1600" dirty="0">
-                <a:latin typeface="Consolas" panose="020B0609020204030204" pitchFamily="49" charset="0"/>
-                <a:cs typeface="Consolas" panose="020B0609020204030204" pitchFamily="49" charset="0"/>
-              </a:rPr>
-              <a:t>;               /* Name length */</a:t>
-            </a:r>
-          </a:p>
-          <a:p>
-            <a:r>
-              <a:rPr lang="en-US" sz="1600" dirty="0">
-                <a:latin typeface="Consolas" panose="020B0609020204030204" pitchFamily="49" charset="0"/>
-                <a:cs typeface="Consolas" panose="020B0609020204030204" pitchFamily="49" charset="0"/>
-              </a:rPr>
-              <a:t>        __u8    </a:t>
-            </a:r>
-            <a:r>
-              <a:rPr lang="en-US" sz="1600" dirty="0" err="1">
-                <a:latin typeface="Consolas" panose="020B0609020204030204" pitchFamily="49" charset="0"/>
-                <a:cs typeface="Consolas" panose="020B0609020204030204" pitchFamily="49" charset="0"/>
-              </a:rPr>
-              <a:t>file_type</a:t>
-            </a:r>
-            <a:r>
-              <a:rPr lang="en-US" sz="1600" dirty="0">
-                <a:latin typeface="Consolas" panose="020B0609020204030204" pitchFamily="49" charset="0"/>
-                <a:cs typeface="Consolas" panose="020B0609020204030204" pitchFamily="49" charset="0"/>
-              </a:rPr>
-              <a:t>;</a:t>
-            </a:r>
-          </a:p>
-          <a:p>
-            <a:r>
-              <a:rPr lang="en-US" sz="1600" dirty="0">
-                <a:latin typeface="Consolas" panose="020B0609020204030204" pitchFamily="49" charset="0"/>
-                <a:cs typeface="Consolas" panose="020B0609020204030204" pitchFamily="49" charset="0"/>
-              </a:rPr>
-              <a:t>        char    name[];                 /* File name, up to EXT2_NAME_LEN */</a:t>
-            </a:r>
-          </a:p>
-          <a:p>
-            <a:r>
-              <a:rPr lang="en-US" sz="1600" dirty="0">
-                <a:latin typeface="Consolas" panose="020B0609020204030204" pitchFamily="49" charset="0"/>
-                <a:cs typeface="Consolas" panose="020B0609020204030204" pitchFamily="49" charset="0"/>
-              </a:rPr>
-              <a:t>};</a:t>
-            </a:r>
-            <a:endParaRPr lang="ru-RU" sz="1600" dirty="0">
-              <a:latin typeface="Consolas" panose="020B0609020204030204" pitchFamily="49" charset="0"/>
-              <a:cs typeface="Consolas" panose="020B0609020204030204" pitchFamily="49" charset="0"/>
-            </a:endParaRPr>
-          </a:p>
-        </p:txBody>
-      </p:sp>
+        <p:style>
+          <a:lnRef idx="1">
+            <a:schemeClr val="accent1"/>
+          </a:lnRef>
+          <a:fillRef idx="0">
+            <a:schemeClr val="accent1"/>
+          </a:fillRef>
+          <a:effectRef idx="0">
+            <a:schemeClr val="accent1"/>
+          </a:effectRef>
+          <a:fontRef idx="minor">
+            <a:schemeClr val="tx1"/>
+          </a:fontRef>
+        </p:style>
+      </p:cxnSp>
+      <p:graphicFrame>
+        <p:nvGraphicFramePr>
+          <p:cNvPr id="30" name="Table 29"/>
+          <p:cNvGraphicFramePr>
+            <a:graphicFrameLocks noGrp="1"/>
+          </p:cNvGraphicFramePr>
+          <p:nvPr>
+            <p:extLst>
+              <p:ext uri="{D42A27DB-BD31-4B8C-83A1-F6EECF244321}">
+                <p14:modId xmlns:p14="http://schemas.microsoft.com/office/powerpoint/2010/main" val="2127113366"/>
+              </p:ext>
+            </p:extLst>
+          </p:nvPr>
+        </p:nvGraphicFramePr>
+        <p:xfrm>
+          <a:off x="9909925" y="911860"/>
+          <a:ext cx="1646566" cy="5562600"/>
+        </p:xfrm>
+        <a:graphic>
+          <a:graphicData uri="http://schemas.openxmlformats.org/drawingml/2006/table">
+            <a:tbl>
+              <a:tblPr firstRow="1" bandRow="1">
+                <a:tableStyleId>{5C22544A-7EE6-4342-B048-85BDC9FD1C3A}</a:tableStyleId>
+              </a:tblPr>
+              <a:tblGrid>
+                <a:gridCol w="1646566">
+                  <a:extLst>
+                    <a:ext uri="{9D8B030D-6E8A-4147-A177-3AD203B41FA5}">
+                      <a16:colId xmlns:a16="http://schemas.microsoft.com/office/drawing/2014/main" val="20000"/>
+                    </a:ext>
+                  </a:extLst>
+                </a:gridCol>
+              </a:tblGrid>
+              <a:tr h="370840">
+                <a:tc>
+                  <a:txBody>
+                    <a:bodyPr/>
+                    <a:lstStyle/>
+                    <a:p>
+                      <a:r>
+                        <a:rPr lang="en-US" dirty="0" smtClean="0"/>
+                        <a:t>Disk</a:t>
+                      </a:r>
+                      <a:r>
+                        <a:rPr lang="en-US" baseline="0" dirty="0" smtClean="0"/>
+                        <a:t> data</a:t>
+                      </a:r>
+                      <a:endParaRPr lang="en-US" dirty="0"/>
+                    </a:p>
+                  </a:txBody>
+                  <a:tcPr>
+                    <a:solidFill>
+                      <a:schemeClr val="accent1"/>
+                    </a:solidFill>
+                  </a:tcPr>
+                </a:tc>
+                <a:extLst>
+                  <a:ext uri="{0D108BD9-81ED-4DB2-BD59-A6C34878D82A}">
+                    <a16:rowId xmlns:a16="http://schemas.microsoft.com/office/drawing/2014/main" val="10000"/>
+                  </a:ext>
+                </a:extLst>
+              </a:tr>
+              <a:tr h="370840">
+                <a:tc>
+                  <a:txBody>
+                    <a:bodyPr/>
+                    <a:lstStyle/>
+                    <a:p>
+                      <a:endParaRPr lang="en-US" dirty="0"/>
+                    </a:p>
+                  </a:txBody>
+                  <a:tcPr>
+                    <a:lnB w="57150" cap="flat" cmpd="sng" algn="ctr">
+                      <a:solidFill>
+                        <a:schemeClr val="tx1"/>
+                      </a:solidFill>
+                      <a:prstDash val="solid"/>
+                      <a:round/>
+                      <a:headEnd type="none" w="med" len="med"/>
+                      <a:tailEnd type="none" w="med" len="med"/>
+                    </a:lnB>
+                    <a:solidFill>
+                      <a:schemeClr val="accent1"/>
+                    </a:solidFill>
+                  </a:tcPr>
+                </a:tc>
+                <a:extLst>
+                  <a:ext uri="{0D108BD9-81ED-4DB2-BD59-A6C34878D82A}">
+                    <a16:rowId xmlns:a16="http://schemas.microsoft.com/office/drawing/2014/main" val="2251172961"/>
+                  </a:ext>
+                </a:extLst>
+              </a:tr>
+              <a:tr h="370840">
+                <a:tc>
+                  <a:txBody>
+                    <a:bodyPr/>
+                    <a:lstStyle/>
+                    <a:p>
+                      <a:endParaRPr lang="en-US" dirty="0"/>
+                    </a:p>
+                  </a:txBody>
+                  <a:tcPr>
+                    <a:lnL w="57150" cap="flat" cmpd="sng" algn="ctr">
+                      <a:solidFill>
+                        <a:schemeClr val="tx1"/>
+                      </a:solidFill>
+                      <a:prstDash val="solid"/>
+                      <a:round/>
+                      <a:headEnd type="none" w="med" len="med"/>
+                      <a:tailEnd type="none" w="med" len="med"/>
+                    </a:lnL>
+                    <a:lnR w="57150" cap="flat" cmpd="sng" algn="ctr">
+                      <a:solidFill>
+                        <a:schemeClr val="tx1"/>
+                      </a:solidFill>
+                      <a:prstDash val="solid"/>
+                      <a:round/>
+                      <a:headEnd type="none" w="med" len="med"/>
+                      <a:tailEnd type="none" w="med" len="med"/>
+                    </a:lnR>
+                    <a:lnT w="57150" cap="flat" cmpd="sng" algn="ctr">
+                      <a:solidFill>
+                        <a:schemeClr val="tx1"/>
+                      </a:solidFill>
+                      <a:prstDash val="solid"/>
+                      <a:round/>
+                      <a:headEnd type="none" w="med" len="med"/>
+                      <a:tailEnd type="none" w="med" len="med"/>
+                    </a:lnT>
+                    <a:solidFill>
+                      <a:srgbClr val="00B050"/>
+                    </a:solidFill>
+                  </a:tcPr>
+                </a:tc>
+                <a:extLst>
+                  <a:ext uri="{0D108BD9-81ED-4DB2-BD59-A6C34878D82A}">
+                    <a16:rowId xmlns:a16="http://schemas.microsoft.com/office/drawing/2014/main" val="4283399001"/>
+                  </a:ext>
+                </a:extLst>
+              </a:tr>
+              <a:tr h="370840">
+                <a:tc>
+                  <a:txBody>
+                    <a:bodyPr/>
+                    <a:lstStyle/>
+                    <a:p>
+                      <a:endParaRPr lang="en-US" sz="1800" kern="1200" dirty="0">
+                        <a:solidFill>
+                          <a:schemeClr val="dk1"/>
+                        </a:solidFill>
+                        <a:latin typeface="+mn-lt"/>
+                        <a:ea typeface="+mn-ea"/>
+                        <a:cs typeface="+mn-cs"/>
+                      </a:endParaRPr>
+                    </a:p>
+                  </a:txBody>
+                  <a:tcPr>
+                    <a:lnL w="57150" cap="flat" cmpd="sng" algn="ctr">
+                      <a:solidFill>
+                        <a:schemeClr val="tx1"/>
+                      </a:solidFill>
+                      <a:prstDash val="solid"/>
+                      <a:round/>
+                      <a:headEnd type="none" w="med" len="med"/>
+                      <a:tailEnd type="none" w="med" len="med"/>
+                    </a:lnL>
+                    <a:lnR w="57150" cap="flat" cmpd="sng" algn="ctr">
+                      <a:solidFill>
+                        <a:schemeClr val="tx1"/>
+                      </a:solidFill>
+                      <a:prstDash val="solid"/>
+                      <a:round/>
+                      <a:headEnd type="none" w="med" len="med"/>
+                      <a:tailEnd type="none" w="med" len="med"/>
+                    </a:lnR>
+                    <a:solidFill>
+                      <a:srgbClr val="00B050"/>
+                    </a:solidFill>
+                  </a:tcPr>
+                </a:tc>
+                <a:extLst>
+                  <a:ext uri="{0D108BD9-81ED-4DB2-BD59-A6C34878D82A}">
+                    <a16:rowId xmlns:a16="http://schemas.microsoft.com/office/drawing/2014/main" val="1365243959"/>
+                  </a:ext>
+                </a:extLst>
+              </a:tr>
+              <a:tr h="370840">
+                <a:tc>
+                  <a:txBody>
+                    <a:bodyPr/>
+                    <a:lstStyle/>
+                    <a:p>
+                      <a:endParaRPr lang="en-US" sz="1800" kern="1200" dirty="0">
+                        <a:solidFill>
+                          <a:schemeClr val="dk1"/>
+                        </a:solidFill>
+                        <a:latin typeface="+mn-lt"/>
+                        <a:ea typeface="+mn-ea"/>
+                        <a:cs typeface="+mn-cs"/>
+                      </a:endParaRPr>
+                    </a:p>
+                  </a:txBody>
+                  <a:tcPr>
+                    <a:lnL w="57150" cap="flat" cmpd="sng" algn="ctr">
+                      <a:solidFill>
+                        <a:schemeClr val="tx1"/>
+                      </a:solidFill>
+                      <a:prstDash val="solid"/>
+                      <a:round/>
+                      <a:headEnd type="none" w="med" len="med"/>
+                      <a:tailEnd type="none" w="med" len="med"/>
+                    </a:lnL>
+                    <a:lnR w="57150" cap="flat" cmpd="sng" algn="ctr">
+                      <a:solidFill>
+                        <a:schemeClr val="tx1"/>
+                      </a:solidFill>
+                      <a:prstDash val="solid"/>
+                      <a:round/>
+                      <a:headEnd type="none" w="med" len="med"/>
+                      <a:tailEnd type="none" w="med" len="med"/>
+                    </a:lnR>
+                    <a:lnB w="57150" cap="flat" cmpd="sng" algn="ctr">
+                      <a:solidFill>
+                        <a:schemeClr val="tx1"/>
+                      </a:solidFill>
+                      <a:prstDash val="solid"/>
+                      <a:round/>
+                      <a:headEnd type="none" w="med" len="med"/>
+                      <a:tailEnd type="none" w="med" len="med"/>
+                    </a:lnB>
+                    <a:solidFill>
+                      <a:srgbClr val="00B050"/>
+                    </a:solidFill>
+                  </a:tcPr>
+                </a:tc>
+                <a:extLst>
+                  <a:ext uri="{0D108BD9-81ED-4DB2-BD59-A6C34878D82A}">
+                    <a16:rowId xmlns:a16="http://schemas.microsoft.com/office/drawing/2014/main" val="1647535880"/>
+                  </a:ext>
+                </a:extLst>
+              </a:tr>
+              <a:tr h="370840">
+                <a:tc>
+                  <a:txBody>
+                    <a:bodyPr/>
+                    <a:lstStyle/>
+                    <a:p>
+                      <a:endParaRPr lang="en-US" sz="1800" kern="1200" dirty="0">
+                        <a:solidFill>
+                          <a:schemeClr val="dk1"/>
+                        </a:solidFill>
+                        <a:latin typeface="+mn-lt"/>
+                        <a:ea typeface="+mn-ea"/>
+                        <a:cs typeface="+mn-cs"/>
+                      </a:endParaRPr>
+                    </a:p>
+                  </a:txBody>
+                  <a:tcPr>
+                    <a:lnT w="57150" cap="flat" cmpd="sng" algn="ctr">
+                      <a:solidFill>
+                        <a:schemeClr val="tx1"/>
+                      </a:solidFill>
+                      <a:prstDash val="solid"/>
+                      <a:round/>
+                      <a:headEnd type="none" w="med" len="med"/>
+                      <a:tailEnd type="none" w="med" len="med"/>
+                    </a:lnT>
+                    <a:solidFill>
+                      <a:schemeClr val="accent1"/>
+                    </a:solidFill>
+                  </a:tcPr>
+                </a:tc>
+                <a:extLst>
+                  <a:ext uri="{0D108BD9-81ED-4DB2-BD59-A6C34878D82A}">
+                    <a16:rowId xmlns:a16="http://schemas.microsoft.com/office/drawing/2014/main" val="1603476418"/>
+                  </a:ext>
+                </a:extLst>
+              </a:tr>
+              <a:tr h="370840">
+                <a:tc>
+                  <a:txBody>
+                    <a:bodyPr/>
+                    <a:lstStyle/>
+                    <a:p>
+                      <a:endParaRPr lang="en-US" dirty="0"/>
+                    </a:p>
+                  </a:txBody>
+                  <a:tcPr>
+                    <a:solidFill>
+                      <a:schemeClr val="accent1"/>
+                    </a:solidFill>
+                  </a:tcPr>
+                </a:tc>
+                <a:extLst>
+                  <a:ext uri="{0D108BD9-81ED-4DB2-BD59-A6C34878D82A}">
+                    <a16:rowId xmlns:a16="http://schemas.microsoft.com/office/drawing/2014/main" val="3993557926"/>
+                  </a:ext>
+                </a:extLst>
+              </a:tr>
+              <a:tr h="370840">
+                <a:tc>
+                  <a:txBody>
+                    <a:bodyPr/>
+                    <a:lstStyle/>
+                    <a:p>
+                      <a:endParaRPr lang="en-US" dirty="0"/>
+                    </a:p>
+                  </a:txBody>
+                  <a:tcPr>
+                    <a:lnB w="57150" cap="flat" cmpd="sng" algn="ctr">
+                      <a:solidFill>
+                        <a:schemeClr val="tx1"/>
+                      </a:solidFill>
+                      <a:prstDash val="solid"/>
+                      <a:round/>
+                      <a:headEnd type="none" w="med" len="med"/>
+                      <a:tailEnd type="none" w="med" len="med"/>
+                    </a:lnB>
+                    <a:solidFill>
+                      <a:schemeClr val="accent1"/>
+                    </a:solidFill>
+                  </a:tcPr>
+                </a:tc>
+                <a:extLst>
+                  <a:ext uri="{0D108BD9-81ED-4DB2-BD59-A6C34878D82A}">
+                    <a16:rowId xmlns:a16="http://schemas.microsoft.com/office/drawing/2014/main" val="2176201176"/>
+                  </a:ext>
+                </a:extLst>
+              </a:tr>
+              <a:tr h="370840">
+                <a:tc>
+                  <a:txBody>
+                    <a:bodyPr/>
+                    <a:lstStyle/>
+                    <a:p>
+                      <a:endParaRPr lang="en-US" dirty="0"/>
+                    </a:p>
+                  </a:txBody>
+                  <a:tcPr>
+                    <a:lnL w="57150" cap="flat" cmpd="sng" algn="ctr">
+                      <a:solidFill>
+                        <a:schemeClr val="tx1"/>
+                      </a:solidFill>
+                      <a:prstDash val="solid"/>
+                      <a:round/>
+                      <a:headEnd type="none" w="med" len="med"/>
+                      <a:tailEnd type="none" w="med" len="med"/>
+                    </a:lnL>
+                    <a:lnR w="57150" cap="flat" cmpd="sng" algn="ctr">
+                      <a:solidFill>
+                        <a:schemeClr val="tx1"/>
+                      </a:solidFill>
+                      <a:prstDash val="solid"/>
+                      <a:round/>
+                      <a:headEnd type="none" w="med" len="med"/>
+                      <a:tailEnd type="none" w="med" len="med"/>
+                    </a:lnR>
+                    <a:lnT w="57150" cap="flat" cmpd="sng" algn="ctr">
+                      <a:solidFill>
+                        <a:schemeClr val="tx1"/>
+                      </a:solidFill>
+                      <a:prstDash val="solid"/>
+                      <a:round/>
+                      <a:headEnd type="none" w="med" len="med"/>
+                      <a:tailEnd type="none" w="med" len="med"/>
+                    </a:lnT>
+                    <a:solidFill>
+                      <a:srgbClr val="00B050"/>
+                    </a:solidFill>
+                  </a:tcPr>
+                </a:tc>
+                <a:extLst>
+                  <a:ext uri="{0D108BD9-81ED-4DB2-BD59-A6C34878D82A}">
+                    <a16:rowId xmlns:a16="http://schemas.microsoft.com/office/drawing/2014/main" val="161515855"/>
+                  </a:ext>
+                </a:extLst>
+              </a:tr>
+              <a:tr h="370840">
+                <a:tc>
+                  <a:txBody>
+                    <a:bodyPr/>
+                    <a:lstStyle/>
+                    <a:p>
+                      <a:endParaRPr lang="en-US" dirty="0"/>
+                    </a:p>
+                  </a:txBody>
+                  <a:tcPr>
+                    <a:lnL w="57150" cap="flat" cmpd="sng" algn="ctr">
+                      <a:solidFill>
+                        <a:schemeClr val="tx1"/>
+                      </a:solidFill>
+                      <a:prstDash val="solid"/>
+                      <a:round/>
+                      <a:headEnd type="none" w="med" len="med"/>
+                      <a:tailEnd type="none" w="med" len="med"/>
+                    </a:lnL>
+                    <a:lnR w="57150" cap="flat" cmpd="sng" algn="ctr">
+                      <a:solidFill>
+                        <a:schemeClr val="tx1"/>
+                      </a:solidFill>
+                      <a:prstDash val="solid"/>
+                      <a:round/>
+                      <a:headEnd type="none" w="med" len="med"/>
+                      <a:tailEnd type="none" w="med" len="med"/>
+                    </a:lnR>
+                    <a:solidFill>
+                      <a:srgbClr val="00B050"/>
+                    </a:solidFill>
+                  </a:tcPr>
+                </a:tc>
+                <a:extLst>
+                  <a:ext uri="{0D108BD9-81ED-4DB2-BD59-A6C34878D82A}">
+                    <a16:rowId xmlns:a16="http://schemas.microsoft.com/office/drawing/2014/main" val="1453269143"/>
+                  </a:ext>
+                </a:extLst>
+              </a:tr>
+              <a:tr h="370840">
+                <a:tc>
+                  <a:txBody>
+                    <a:bodyPr/>
+                    <a:lstStyle/>
+                    <a:p>
+                      <a:endParaRPr lang="en-US" dirty="0"/>
+                    </a:p>
+                  </a:txBody>
+                  <a:tcPr>
+                    <a:lnL w="57150" cap="flat" cmpd="sng" algn="ctr">
+                      <a:solidFill>
+                        <a:schemeClr val="tx1"/>
+                      </a:solidFill>
+                      <a:prstDash val="solid"/>
+                      <a:round/>
+                      <a:headEnd type="none" w="med" len="med"/>
+                      <a:tailEnd type="none" w="med" len="med"/>
+                    </a:lnL>
+                    <a:lnR w="57150" cap="flat" cmpd="sng" algn="ctr">
+                      <a:solidFill>
+                        <a:schemeClr val="tx1"/>
+                      </a:solidFill>
+                      <a:prstDash val="solid"/>
+                      <a:round/>
+                      <a:headEnd type="none" w="med" len="med"/>
+                      <a:tailEnd type="none" w="med" len="med"/>
+                    </a:lnR>
+                    <a:solidFill>
+                      <a:srgbClr val="00B050"/>
+                    </a:solidFill>
+                  </a:tcPr>
+                </a:tc>
+                <a:extLst>
+                  <a:ext uri="{0D108BD9-81ED-4DB2-BD59-A6C34878D82A}">
+                    <a16:rowId xmlns:a16="http://schemas.microsoft.com/office/drawing/2014/main" val="4067445751"/>
+                  </a:ext>
+                </a:extLst>
+              </a:tr>
+              <a:tr h="370840">
+                <a:tc>
+                  <a:txBody>
+                    <a:bodyPr/>
+                    <a:lstStyle/>
+                    <a:p>
+                      <a:endParaRPr lang="en-US" dirty="0"/>
+                    </a:p>
+                  </a:txBody>
+                  <a:tcPr>
+                    <a:lnL w="57150" cap="flat" cmpd="sng" algn="ctr">
+                      <a:solidFill>
+                        <a:schemeClr val="tx1"/>
+                      </a:solidFill>
+                      <a:prstDash val="solid"/>
+                      <a:round/>
+                      <a:headEnd type="none" w="med" len="med"/>
+                      <a:tailEnd type="none" w="med" len="med"/>
+                    </a:lnL>
+                    <a:lnR w="57150" cap="flat" cmpd="sng" algn="ctr">
+                      <a:solidFill>
+                        <a:schemeClr val="tx1"/>
+                      </a:solidFill>
+                      <a:prstDash val="solid"/>
+                      <a:round/>
+                      <a:headEnd type="none" w="med" len="med"/>
+                      <a:tailEnd type="none" w="med" len="med"/>
+                    </a:lnR>
+                    <a:solidFill>
+                      <a:srgbClr val="00B050"/>
+                    </a:solidFill>
+                  </a:tcPr>
+                </a:tc>
+                <a:extLst>
+                  <a:ext uri="{0D108BD9-81ED-4DB2-BD59-A6C34878D82A}">
+                    <a16:rowId xmlns:a16="http://schemas.microsoft.com/office/drawing/2014/main" val="902242319"/>
+                  </a:ext>
+                </a:extLst>
+              </a:tr>
+              <a:tr h="370840">
+                <a:tc>
+                  <a:txBody>
+                    <a:bodyPr/>
+                    <a:lstStyle/>
+                    <a:p>
+                      <a:endParaRPr lang="en-US" dirty="0"/>
+                    </a:p>
+                  </a:txBody>
+                  <a:tcPr>
+                    <a:lnL w="57150" cap="flat" cmpd="sng" algn="ctr">
+                      <a:solidFill>
+                        <a:schemeClr val="tx1"/>
+                      </a:solidFill>
+                      <a:prstDash val="solid"/>
+                      <a:round/>
+                      <a:headEnd type="none" w="med" len="med"/>
+                      <a:tailEnd type="none" w="med" len="med"/>
+                    </a:lnL>
+                    <a:lnR w="57150" cap="flat" cmpd="sng" algn="ctr">
+                      <a:solidFill>
+                        <a:schemeClr val="tx1"/>
+                      </a:solidFill>
+                      <a:prstDash val="solid"/>
+                      <a:round/>
+                      <a:headEnd type="none" w="med" len="med"/>
+                      <a:tailEnd type="none" w="med" len="med"/>
+                    </a:lnR>
+                    <a:lnB w="57150" cap="flat" cmpd="sng" algn="ctr">
+                      <a:solidFill>
+                        <a:schemeClr val="tx1"/>
+                      </a:solidFill>
+                      <a:prstDash val="solid"/>
+                      <a:round/>
+                      <a:headEnd type="none" w="med" len="med"/>
+                      <a:tailEnd type="none" w="med" len="med"/>
+                    </a:lnB>
+                    <a:solidFill>
+                      <a:srgbClr val="00B050"/>
+                    </a:solidFill>
+                  </a:tcPr>
+                </a:tc>
+                <a:extLst>
+                  <a:ext uri="{0D108BD9-81ED-4DB2-BD59-A6C34878D82A}">
+                    <a16:rowId xmlns:a16="http://schemas.microsoft.com/office/drawing/2014/main" val="2222802392"/>
+                  </a:ext>
+                </a:extLst>
+              </a:tr>
+              <a:tr h="370840">
+                <a:tc>
+                  <a:txBody>
+                    <a:bodyPr/>
+                    <a:lstStyle/>
+                    <a:p>
+                      <a:endParaRPr lang="en-US" dirty="0"/>
+                    </a:p>
+                  </a:txBody>
+                  <a:tcPr>
+                    <a:lnT w="57150" cap="flat" cmpd="sng" algn="ctr">
+                      <a:solidFill>
+                        <a:schemeClr val="tx1"/>
+                      </a:solidFill>
+                      <a:prstDash val="solid"/>
+                      <a:round/>
+                      <a:headEnd type="none" w="med" len="med"/>
+                      <a:tailEnd type="none" w="med" len="med"/>
+                    </a:lnT>
+                    <a:solidFill>
+                      <a:schemeClr val="accent1"/>
+                    </a:solidFill>
+                  </a:tcPr>
+                </a:tc>
+                <a:extLst>
+                  <a:ext uri="{0D108BD9-81ED-4DB2-BD59-A6C34878D82A}">
+                    <a16:rowId xmlns:a16="http://schemas.microsoft.com/office/drawing/2014/main" val="3003070690"/>
+                  </a:ext>
+                </a:extLst>
+              </a:tr>
+              <a:tr h="370840">
+                <a:tc>
+                  <a:txBody>
+                    <a:bodyPr/>
+                    <a:lstStyle/>
+                    <a:p>
+                      <a:r>
+                        <a:rPr lang="en-US" dirty="0" smtClean="0"/>
+                        <a:t>…</a:t>
+                      </a:r>
+                      <a:endParaRPr lang="en-US" dirty="0"/>
+                    </a:p>
+                  </a:txBody>
+                  <a:tcPr>
+                    <a:solidFill>
+                      <a:schemeClr val="accent1"/>
+                    </a:solidFill>
+                  </a:tcPr>
+                </a:tc>
+                <a:extLst>
+                  <a:ext uri="{0D108BD9-81ED-4DB2-BD59-A6C34878D82A}">
+                    <a16:rowId xmlns:a16="http://schemas.microsoft.com/office/drawing/2014/main" val="357941070"/>
+                  </a:ext>
+                </a:extLst>
+              </a:tr>
+            </a:tbl>
+          </a:graphicData>
+        </a:graphic>
+      </p:graphicFrame>
+      <p:cxnSp>
+        <p:nvCxnSpPr>
+          <p:cNvPr id="31" name="Straight Arrow Connector 30"/>
+          <p:cNvCxnSpPr/>
+          <p:nvPr/>
+        </p:nvCxnSpPr>
+        <p:spPr>
+          <a:xfrm flipV="1">
+            <a:off x="6707724" y="1736935"/>
+            <a:ext cx="3202201" cy="8750"/>
+          </a:xfrm>
+          <a:prstGeom prst="straightConnector1">
+            <a:avLst/>
+          </a:prstGeom>
+          <a:ln>
+            <a:solidFill>
+              <a:schemeClr val="tx1"/>
+            </a:solidFill>
+            <a:tailEnd type="triangle"/>
+          </a:ln>
+        </p:spPr>
+        <p:style>
+          <a:lnRef idx="1">
+            <a:schemeClr val="accent1"/>
+          </a:lnRef>
+          <a:fillRef idx="0">
+            <a:schemeClr val="accent1"/>
+          </a:fillRef>
+          <a:effectRef idx="0">
+            <a:schemeClr val="accent1"/>
+          </a:effectRef>
+          <a:fontRef idx="minor">
+            <a:schemeClr val="tx1"/>
+          </a:fontRef>
+        </p:style>
+      </p:cxnSp>
+      <p:cxnSp>
+        <p:nvCxnSpPr>
+          <p:cNvPr id="34" name="Straight Arrow Connector 33"/>
+          <p:cNvCxnSpPr/>
+          <p:nvPr/>
+        </p:nvCxnSpPr>
+        <p:spPr>
+          <a:xfrm>
+            <a:off x="6707724" y="2173353"/>
+            <a:ext cx="3202201" cy="1749330"/>
+          </a:xfrm>
+          <a:prstGeom prst="straightConnector1">
+            <a:avLst/>
+          </a:prstGeom>
+          <a:ln>
+            <a:solidFill>
+              <a:schemeClr val="tx1"/>
+            </a:solidFill>
+            <a:tailEnd type="triangle"/>
+          </a:ln>
+        </p:spPr>
+        <p:style>
+          <a:lnRef idx="1">
+            <a:schemeClr val="accent1"/>
+          </a:lnRef>
+          <a:fillRef idx="0">
+            <a:schemeClr val="accent1"/>
+          </a:fillRef>
+          <a:effectRef idx="0">
+            <a:schemeClr val="accent1"/>
+          </a:effectRef>
+          <a:fontRef idx="minor">
+            <a:schemeClr val="tx1"/>
+          </a:fontRef>
+        </p:style>
+      </p:cxnSp>
     </p:spTree>
     <p:extLst>
       <p:ext uri="{BB962C8B-B14F-4D97-AF65-F5344CB8AC3E}">
-        <p14:creationId xmlns:p14="http://schemas.microsoft.com/office/powerpoint/2010/main" val="2726567175"/>
+        <p14:creationId xmlns:p14="http://schemas.microsoft.com/office/powerpoint/2010/main" val="1829136393"/>
       </p:ext>
     </p:extLst>
   </p:cSld>
   <p:clrMapOvr>
     <a:masterClrMapping/>
   </p:clrMapOvr>
+  <p:timing>
+    <p:tnLst>
+      <p:par>
+        <p:cTn id="1" dur="indefinite" restart="never" nodeType="tmRoot"/>
+      </p:par>
+    </p:tnLst>
+  </p:timing>
 </p:sld>
 </file>
 
@@ -21092,14 +22904,14 @@
           <p:nvPr>
             <p:extLst>
               <p:ext uri="{D42A27DB-BD31-4B8C-83A1-F6EECF244321}">
-                <p14:modId xmlns:p14="http://schemas.microsoft.com/office/powerpoint/2010/main" val="825093077"/>
+                <p14:modId xmlns:p14="http://schemas.microsoft.com/office/powerpoint/2010/main" val="1803926041"/>
               </p:ext>
             </p:extLst>
           </p:nvPr>
         </p:nvGraphicFramePr>
         <p:xfrm>
           <a:off x="0" y="365762"/>
-          <a:ext cx="12192000" cy="4754880"/>
+          <a:ext cx="12192000" cy="3840480"/>
         </p:xfrm>
         <a:graphic>
           <a:graphicData uri="http://schemas.openxmlformats.org/drawingml/2006/table">
@@ -21199,27 +23011,59 @@
                         <a:rPr lang="ru-RU" baseline="0" dirty="0"/>
                         <a:t>В заголовке записи стоит</a:t>
                       </a:r>
+                      <a:r>
+                        <a:rPr lang="en-US" baseline="0" dirty="0"/>
+                        <a:t/>
+                      </a:r>
                       <a:br>
                         <a:rPr lang="en-US" baseline="0" dirty="0"/>
                       </a:br>
+                      <a:r>
+                        <a:rPr lang="en-US" baseline="0" dirty="0"/>
+                        <a:t/>
+                      </a:r>
                       <a:br>
                         <a:rPr lang="en-US" baseline="0" dirty="0"/>
                       </a:br>
+                      <a:r>
+                        <a:rPr lang="en-US" baseline="0" dirty="0"/>
+                        <a:t/>
+                      </a:r>
                       <a:br>
                         <a:rPr lang="en-US" baseline="0" dirty="0"/>
                       </a:br>
+                      <a:r>
+                        <a:rPr lang="en-US" baseline="0" dirty="0"/>
+                        <a:t/>
+                      </a:r>
                       <a:br>
                         <a:rPr lang="en-US" baseline="0" dirty="0"/>
                       </a:br>
+                      <a:r>
+                        <a:rPr lang="en-US" baseline="0" dirty="0"/>
+                        <a:t/>
+                      </a:r>
                       <a:br>
                         <a:rPr lang="en-US" baseline="0" dirty="0"/>
                       </a:br>
+                      <a:r>
+                        <a:rPr lang="en-US" baseline="0" dirty="0"/>
+                        <a:t/>
+                      </a:r>
                       <a:br>
                         <a:rPr lang="en-US" baseline="0" dirty="0"/>
                       </a:br>
+                      <a:r>
+                        <a:rPr lang="en-US" baseline="0" dirty="0"/>
+                        <a:t/>
+                      </a:r>
                       <a:br>
                         <a:rPr lang="en-US" baseline="0" dirty="0"/>
                       </a:br>
+                      <a:r>
+                        <a:rPr lang="en-US" baseline="0" dirty="0"/>
+                        <a:t/>
+                      </a:r>
                       <a:br>
                         <a:rPr lang="en-US" baseline="0" dirty="0"/>
                       </a:br>
@@ -21253,73 +23097,6 @@
                 <a:extLst>
                   <a:ext uri="{0D108BD9-81ED-4DB2-BD59-A6C34878D82A}">
                     <a16:rowId xmlns:a16="http://schemas.microsoft.com/office/drawing/2014/main" val="10001"/>
-                  </a:ext>
-                </a:extLst>
-              </a:tr>
-              <a:tr h="364661">
-                <a:tc>
-                  <a:txBody>
-                    <a:bodyPr/>
-                    <a:lstStyle/>
-                    <a:p>
-                      <a:pPr marL="0" indent="0">
-                        <a:buFont typeface="Arial" panose="020B0604020202020204" pitchFamily="34" charset="0"/>
-                        <a:buNone/>
-                      </a:pPr>
-                      <a:r>
-                        <a:rPr lang="ru-RU" b="1" baseline="0" dirty="0"/>
-                        <a:t>Примечание</a:t>
-                      </a:r>
-                      <a:r>
-                        <a:rPr lang="ru-RU" baseline="0" dirty="0"/>
-                        <a:t>: запись об элементе каталога никогда не пересекает границы блока; </a:t>
-                      </a:r>
-                      <a:r>
-                        <a:rPr lang="en-US" baseline="0" dirty="0" err="1"/>
-                        <a:t>rec_len</a:t>
-                      </a:r>
-                      <a:r>
-                        <a:rPr lang="en-US" baseline="0" dirty="0"/>
-                        <a:t> </a:t>
-                      </a:r>
-                      <a:r>
-                        <a:rPr lang="ru-RU" baseline="0" dirty="0"/>
-                        <a:t>у последней записи подбирается так, чтобы она заканчивалась точно на границе.</a:t>
-                      </a:r>
-                      <a:endParaRPr lang="en-US" baseline="0" dirty="0"/>
-                    </a:p>
-                    <a:p>
-                      <a:pPr marL="0" indent="0">
-                        <a:buFont typeface="Arial" panose="020B0604020202020204" pitchFamily="34" charset="0"/>
-                        <a:buNone/>
-                      </a:pPr>
-                      <a:r>
-                        <a:rPr lang="ru-RU" b="1" baseline="0" dirty="0"/>
-                        <a:t>Ещё примечание</a:t>
-                      </a:r>
-                      <a:r>
-                        <a:rPr lang="ru-RU" baseline="0" dirty="0"/>
-                        <a:t>: если поле </a:t>
-                      </a:r>
-                      <a:r>
-                        <a:rPr lang="en-US" baseline="0" dirty="0" err="1"/>
-                        <a:t>inode</a:t>
-                      </a:r>
-                      <a:r>
-                        <a:rPr lang="en-US" baseline="0" dirty="0"/>
-                        <a:t> </a:t>
-                      </a:r>
-                      <a:r>
-                        <a:rPr lang="ru-RU" baseline="0" dirty="0"/>
-                        <a:t>равно нулю, то считается, что список в текущем блоке закончился.</a:t>
-                      </a:r>
-                    </a:p>
-                  </a:txBody>
-                  <a:tcPr/>
-                </a:tc>
-                <a:extLst>
-                  <a:ext uri="{0D108BD9-81ED-4DB2-BD59-A6C34878D82A}">
-                    <a16:rowId xmlns:a16="http://schemas.microsoft.com/office/drawing/2014/main" val="3464507942"/>
                   </a:ext>
                 </a:extLst>
               </a:tr>
@@ -21498,13 +23275,20 @@
     </p:spTree>
     <p:extLst>
       <p:ext uri="{BB962C8B-B14F-4D97-AF65-F5344CB8AC3E}">
-        <p14:creationId xmlns:p14="http://schemas.microsoft.com/office/powerpoint/2010/main" val="3839323106"/>
+        <p14:creationId xmlns:p14="http://schemas.microsoft.com/office/powerpoint/2010/main" val="2726567175"/>
       </p:ext>
     </p:extLst>
   </p:cSld>
   <p:clrMapOvr>
     <a:masterClrMapping/>
   </p:clrMapOvr>
+  <p:timing>
+    <p:tnLst>
+      <p:par>
+        <p:cTn id="1" dur="indefinite" restart="never" nodeType="tmRoot"/>
+      </p:par>
+    </p:tnLst>
+  </p:timing>
 </p:sld>
 </file>
 
@@ -21649,6 +23433,602 @@
           <p:nvPr>
             <p:extLst>
               <p:ext uri="{D42A27DB-BD31-4B8C-83A1-F6EECF244321}">
+                <p14:modId xmlns:p14="http://schemas.microsoft.com/office/powerpoint/2010/main" val="825093077"/>
+              </p:ext>
+            </p:extLst>
+          </p:nvPr>
+        </p:nvGraphicFramePr>
+        <p:xfrm>
+          <a:off x="0" y="365762"/>
+          <a:ext cx="12192000" cy="4754880"/>
+        </p:xfrm>
+        <a:graphic>
+          <a:graphicData uri="http://schemas.openxmlformats.org/drawingml/2006/table">
+            <a:tbl>
+              <a:tblPr firstRow="1" bandRow="1">
+                <a:tableStyleId>{3B4B98B0-60AC-42C2-AFA5-B58CD77FA1E5}</a:tableStyleId>
+              </a:tblPr>
+              <a:tblGrid>
+                <a:gridCol w="12192000">
+                  <a:extLst>
+                    <a:ext uri="{9D8B030D-6E8A-4147-A177-3AD203B41FA5}">
+                      <a16:colId xmlns:a16="http://schemas.microsoft.com/office/drawing/2014/main" val="20000"/>
+                    </a:ext>
+                  </a:extLst>
+                </a:gridCol>
+              </a:tblGrid>
+              <a:tr h="455826">
+                <a:tc>
+                  <a:txBody>
+                    <a:bodyPr/>
+                    <a:lstStyle/>
+                    <a:p>
+                      <a:r>
+                        <a:rPr lang="ru-RU" sz="2400" dirty="0"/>
+                        <a:t>Каталоги</a:t>
+                      </a:r>
+                      <a:r>
+                        <a:rPr lang="ru-RU" sz="2400" baseline="0" dirty="0"/>
+                        <a:t> в </a:t>
+                      </a:r>
+                      <a:r>
+                        <a:rPr lang="en-US" sz="2400" baseline="0" dirty="0"/>
+                        <a:t>ext2</a:t>
+                      </a:r>
+                      <a:endParaRPr lang="ru-RU" sz="2400" dirty="0"/>
+                    </a:p>
+                  </a:txBody>
+                  <a:tcPr/>
+                </a:tc>
+                <a:extLst>
+                  <a:ext uri="{0D108BD9-81ED-4DB2-BD59-A6C34878D82A}">
+                    <a16:rowId xmlns:a16="http://schemas.microsoft.com/office/drawing/2014/main" val="10000"/>
+                  </a:ext>
+                </a:extLst>
+              </a:tr>
+              <a:tr h="364661">
+                <a:tc>
+                  <a:txBody>
+                    <a:bodyPr/>
+                    <a:lstStyle/>
+                    <a:p>
+                      <a:r>
+                        <a:rPr lang="ru-RU" dirty="0"/>
+                        <a:t>Каталог</a:t>
+                      </a:r>
+                      <a:r>
+                        <a:rPr lang="ru-RU" baseline="0" dirty="0"/>
+                        <a:t> хранится в файле специального типа (у которого</a:t>
+                      </a:r>
+                      <a:r>
+                        <a:rPr lang="en-US" baseline="0" dirty="0"/>
+                        <a:t> </a:t>
+                      </a:r>
+                      <a:r>
+                        <a:rPr lang="ru-RU" baseline="0" dirty="0"/>
+                        <a:t>младший байт </a:t>
+                      </a:r>
+                      <a:r>
+                        <a:rPr lang="en-US" baseline="0" dirty="0" err="1"/>
+                        <a:t>i_mode</a:t>
+                      </a:r>
+                      <a:r>
+                        <a:rPr lang="ru-RU" baseline="0" dirty="0"/>
+                        <a:t> равен </a:t>
+                      </a:r>
+                      <a:r>
+                        <a:rPr lang="en-US" dirty="0"/>
+                        <a:t>EXT2_FT_DIR</a:t>
+                      </a:r>
+                      <a:r>
+                        <a:rPr lang="ru-RU" baseline="0" dirty="0"/>
+                        <a:t>).</a:t>
+                      </a:r>
+                    </a:p>
+                    <a:p>
+                      <a:r>
+                        <a:rPr lang="ru-RU" baseline="0" dirty="0"/>
+                        <a:t>Содержимое файла представляет собой последовательность записей переменной длины:</a:t>
+                      </a:r>
+                    </a:p>
+                    <a:p>
+                      <a:pPr marL="285750" indent="-285750">
+                        <a:buFont typeface="Arial" panose="020B0604020202020204" pitchFamily="34" charset="0"/>
+                        <a:buChar char="•"/>
+                      </a:pPr>
+                      <a:r>
+                        <a:rPr lang="ru-RU" baseline="0" dirty="0"/>
+                        <a:t>В заголовке записи стоит</a:t>
+                      </a:r>
+                      <a:r>
+                        <a:rPr lang="en-US" baseline="0" dirty="0"/>
+                        <a:t/>
+                      </a:r>
+                      <a:br>
+                        <a:rPr lang="en-US" baseline="0" dirty="0"/>
+                      </a:br>
+                      <a:r>
+                        <a:rPr lang="en-US" baseline="0" dirty="0"/>
+                        <a:t/>
+                      </a:r>
+                      <a:br>
+                        <a:rPr lang="en-US" baseline="0" dirty="0"/>
+                      </a:br>
+                      <a:r>
+                        <a:rPr lang="en-US" baseline="0" dirty="0"/>
+                        <a:t/>
+                      </a:r>
+                      <a:br>
+                        <a:rPr lang="en-US" baseline="0" dirty="0"/>
+                      </a:br>
+                      <a:r>
+                        <a:rPr lang="en-US" baseline="0" dirty="0"/>
+                        <a:t/>
+                      </a:r>
+                      <a:br>
+                        <a:rPr lang="en-US" baseline="0" dirty="0"/>
+                      </a:br>
+                      <a:r>
+                        <a:rPr lang="en-US" baseline="0" dirty="0"/>
+                        <a:t/>
+                      </a:r>
+                      <a:br>
+                        <a:rPr lang="en-US" baseline="0" dirty="0"/>
+                      </a:br>
+                      <a:r>
+                        <a:rPr lang="en-US" baseline="0" dirty="0"/>
+                        <a:t/>
+                      </a:r>
+                      <a:br>
+                        <a:rPr lang="en-US" baseline="0" dirty="0"/>
+                      </a:br>
+                      <a:r>
+                        <a:rPr lang="en-US" baseline="0" dirty="0"/>
+                        <a:t/>
+                      </a:r>
+                      <a:br>
+                        <a:rPr lang="en-US" baseline="0" dirty="0"/>
+                      </a:br>
+                      <a:r>
+                        <a:rPr lang="en-US" baseline="0" dirty="0"/>
+                        <a:t/>
+                      </a:r>
+                      <a:br>
+                        <a:rPr lang="en-US" baseline="0" dirty="0"/>
+                      </a:br>
+                      <a:endParaRPr lang="en-US" baseline="0" dirty="0"/>
+                    </a:p>
+                    <a:p>
+                      <a:pPr marL="285750" indent="-285750">
+                        <a:buFont typeface="Arial" panose="020B0604020202020204" pitchFamily="34" charset="0"/>
+                        <a:buChar char="•"/>
+                      </a:pPr>
+                      <a:r>
+                        <a:rPr lang="ru-RU" baseline="0" dirty="0"/>
+                        <a:t>После </a:t>
+                      </a:r>
+                      <a:r>
+                        <a:rPr lang="en-US" baseline="0" dirty="0" err="1"/>
+                        <a:t>struct</a:t>
+                      </a:r>
+                      <a:r>
+                        <a:rPr lang="en-US" baseline="0" dirty="0"/>
+                        <a:t> ext2_dir_entry_2 </a:t>
+                      </a:r>
+                      <a:r>
+                        <a:rPr lang="ru-RU" baseline="0" dirty="0"/>
+                        <a:t>следует имя файла.</a:t>
+                      </a:r>
+                    </a:p>
+                  </a:txBody>
+                  <a:tcPr/>
+                </a:tc>
+                <a:extLst>
+                  <a:ext uri="{0D108BD9-81ED-4DB2-BD59-A6C34878D82A}">
+                    <a16:rowId xmlns:a16="http://schemas.microsoft.com/office/drawing/2014/main" val="10001"/>
+                  </a:ext>
+                </a:extLst>
+              </a:tr>
+              <a:tr h="364661">
+                <a:tc>
+                  <a:txBody>
+                    <a:bodyPr/>
+                    <a:lstStyle/>
+                    <a:p>
+                      <a:pPr marL="0" indent="0">
+                        <a:buFont typeface="Arial" panose="020B0604020202020204" pitchFamily="34" charset="0"/>
+                        <a:buNone/>
+                      </a:pPr>
+                      <a:r>
+                        <a:rPr lang="ru-RU" b="1" baseline="0" dirty="0"/>
+                        <a:t>Примечание</a:t>
+                      </a:r>
+                      <a:r>
+                        <a:rPr lang="ru-RU" baseline="0" dirty="0"/>
+                        <a:t>: запись об элементе каталога никогда не пересекает границы блока; </a:t>
+                      </a:r>
+                      <a:r>
+                        <a:rPr lang="en-US" baseline="0" dirty="0" err="1"/>
+                        <a:t>rec_len</a:t>
+                      </a:r>
+                      <a:r>
+                        <a:rPr lang="en-US" baseline="0" dirty="0"/>
+                        <a:t> </a:t>
+                      </a:r>
+                      <a:r>
+                        <a:rPr lang="ru-RU" baseline="0" dirty="0"/>
+                        <a:t>у последней записи подбирается так, чтобы она заканчивалась точно на границе.</a:t>
+                      </a:r>
+                      <a:endParaRPr lang="en-US" baseline="0" dirty="0"/>
+                    </a:p>
+                    <a:p>
+                      <a:pPr marL="0" indent="0">
+                        <a:buFont typeface="Arial" panose="020B0604020202020204" pitchFamily="34" charset="0"/>
+                        <a:buNone/>
+                      </a:pPr>
+                      <a:r>
+                        <a:rPr lang="ru-RU" b="1" baseline="0" dirty="0"/>
+                        <a:t>Ещё примечание</a:t>
+                      </a:r>
+                      <a:r>
+                        <a:rPr lang="ru-RU" baseline="0" dirty="0"/>
+                        <a:t>: если поле </a:t>
+                      </a:r>
+                      <a:r>
+                        <a:rPr lang="en-US" baseline="0" dirty="0" err="1"/>
+                        <a:t>inode</a:t>
+                      </a:r>
+                      <a:r>
+                        <a:rPr lang="en-US" baseline="0" dirty="0"/>
+                        <a:t> </a:t>
+                      </a:r>
+                      <a:r>
+                        <a:rPr lang="ru-RU" baseline="0" dirty="0"/>
+                        <a:t>равно нулю, то считается, что список в текущем блоке закончился.</a:t>
+                      </a:r>
+                    </a:p>
+                  </a:txBody>
+                  <a:tcPr/>
+                </a:tc>
+                <a:extLst>
+                  <a:ext uri="{0D108BD9-81ED-4DB2-BD59-A6C34878D82A}">
+                    <a16:rowId xmlns:a16="http://schemas.microsoft.com/office/drawing/2014/main" val="3464507942"/>
+                  </a:ext>
+                </a:extLst>
+              </a:tr>
+            </a:tbl>
+          </a:graphicData>
+        </a:graphic>
+      </p:graphicFrame>
+      <p:sp>
+        <p:nvSpPr>
+          <p:cNvPr id="4" name="TextBox 3">
+            <a:extLst>
+              <a:ext uri="{FF2B5EF4-FFF2-40B4-BE49-F238E27FC236}">
+                <a16:creationId xmlns:a16="http://schemas.microsoft.com/office/drawing/2014/main" id="{89DD521D-4AB7-844A-8596-C9C599CFA612}"/>
+              </a:ext>
+            </a:extLst>
+          </p:cNvPr>
+          <p:cNvSpPr txBox="1"/>
+          <p:nvPr/>
+        </p:nvSpPr>
+        <p:spPr>
+          <a:xfrm>
+            <a:off x="1739679" y="1850568"/>
+            <a:ext cx="8712642" cy="1815882"/>
+          </a:xfrm>
+          <a:prstGeom prst="rect">
+            <a:avLst/>
+          </a:prstGeom>
+          <a:solidFill>
+            <a:schemeClr val="bg1"/>
+          </a:solidFill>
+        </p:spPr>
+        <p:txBody>
+          <a:bodyPr wrap="none" rtlCol="0">
+            <a:spAutoFit/>
+          </a:bodyPr>
+          <a:lstStyle/>
+          <a:p>
+            <a:r>
+              <a:rPr lang="en-US" sz="1600" dirty="0">
+                <a:latin typeface="Consolas" panose="020B0609020204030204" pitchFamily="49" charset="0"/>
+                <a:cs typeface="Consolas" panose="020B0609020204030204" pitchFamily="49" charset="0"/>
+              </a:rPr>
+              <a:t>struct ext2_dir_entry_2 {</a:t>
+            </a:r>
+          </a:p>
+          <a:p>
+            <a:r>
+              <a:rPr lang="en-US" sz="1600" dirty="0">
+                <a:latin typeface="Consolas" panose="020B0609020204030204" pitchFamily="49" charset="0"/>
+                <a:cs typeface="Consolas" panose="020B0609020204030204" pitchFamily="49" charset="0"/>
+              </a:rPr>
+              <a:t>        __le32  </a:t>
+            </a:r>
+            <a:r>
+              <a:rPr lang="en-US" sz="1600" dirty="0" err="1">
+                <a:latin typeface="Consolas" panose="020B0609020204030204" pitchFamily="49" charset="0"/>
+                <a:cs typeface="Consolas" panose="020B0609020204030204" pitchFamily="49" charset="0"/>
+              </a:rPr>
+              <a:t>inode</a:t>
+            </a:r>
+            <a:r>
+              <a:rPr lang="en-US" sz="1600" dirty="0">
+                <a:latin typeface="Consolas" panose="020B0609020204030204" pitchFamily="49" charset="0"/>
+                <a:cs typeface="Consolas" panose="020B0609020204030204" pitchFamily="49" charset="0"/>
+              </a:rPr>
+              <a:t>;                  /* </a:t>
+            </a:r>
+            <a:r>
+              <a:rPr lang="en-US" sz="1600" dirty="0" err="1">
+                <a:latin typeface="Consolas" panose="020B0609020204030204" pitchFamily="49" charset="0"/>
+                <a:cs typeface="Consolas" panose="020B0609020204030204" pitchFamily="49" charset="0"/>
+              </a:rPr>
+              <a:t>Inode</a:t>
+            </a:r>
+            <a:r>
+              <a:rPr lang="en-US" sz="1600" dirty="0">
+                <a:latin typeface="Consolas" panose="020B0609020204030204" pitchFamily="49" charset="0"/>
+                <a:cs typeface="Consolas" panose="020B0609020204030204" pitchFamily="49" charset="0"/>
+              </a:rPr>
+              <a:t> number */</a:t>
+            </a:r>
+          </a:p>
+          <a:p>
+            <a:r>
+              <a:rPr lang="en-US" sz="1600" dirty="0">
+                <a:latin typeface="Consolas" panose="020B0609020204030204" pitchFamily="49" charset="0"/>
+                <a:cs typeface="Consolas" panose="020B0609020204030204" pitchFamily="49" charset="0"/>
+              </a:rPr>
+              <a:t>        __le16  </a:t>
+            </a:r>
+            <a:r>
+              <a:rPr lang="en-US" sz="1600" dirty="0" err="1">
+                <a:latin typeface="Consolas" panose="020B0609020204030204" pitchFamily="49" charset="0"/>
+                <a:cs typeface="Consolas" panose="020B0609020204030204" pitchFamily="49" charset="0"/>
+              </a:rPr>
+              <a:t>rec_len</a:t>
+            </a:r>
+            <a:r>
+              <a:rPr lang="en-US" sz="1600" dirty="0">
+                <a:latin typeface="Consolas" panose="020B0609020204030204" pitchFamily="49" charset="0"/>
+                <a:cs typeface="Consolas" panose="020B0609020204030204" pitchFamily="49" charset="0"/>
+              </a:rPr>
+              <a:t>;                /* Directory entry length */</a:t>
+            </a:r>
+          </a:p>
+          <a:p>
+            <a:r>
+              <a:rPr lang="en-US" sz="1600" dirty="0">
+                <a:latin typeface="Consolas" panose="020B0609020204030204" pitchFamily="49" charset="0"/>
+                <a:cs typeface="Consolas" panose="020B0609020204030204" pitchFamily="49" charset="0"/>
+              </a:rPr>
+              <a:t>        __u8    </a:t>
+            </a:r>
+            <a:r>
+              <a:rPr lang="en-US" sz="1600" dirty="0" err="1">
+                <a:latin typeface="Consolas" panose="020B0609020204030204" pitchFamily="49" charset="0"/>
+                <a:cs typeface="Consolas" panose="020B0609020204030204" pitchFamily="49" charset="0"/>
+              </a:rPr>
+              <a:t>name_len</a:t>
+            </a:r>
+            <a:r>
+              <a:rPr lang="en-US" sz="1600" dirty="0">
+                <a:latin typeface="Consolas" panose="020B0609020204030204" pitchFamily="49" charset="0"/>
+                <a:cs typeface="Consolas" panose="020B0609020204030204" pitchFamily="49" charset="0"/>
+              </a:rPr>
+              <a:t>;               /* Name length */</a:t>
+            </a:r>
+          </a:p>
+          <a:p>
+            <a:r>
+              <a:rPr lang="en-US" sz="1600" dirty="0">
+                <a:latin typeface="Consolas" panose="020B0609020204030204" pitchFamily="49" charset="0"/>
+                <a:cs typeface="Consolas" panose="020B0609020204030204" pitchFamily="49" charset="0"/>
+              </a:rPr>
+              <a:t>        __u8    </a:t>
+            </a:r>
+            <a:r>
+              <a:rPr lang="en-US" sz="1600" dirty="0" err="1">
+                <a:latin typeface="Consolas" panose="020B0609020204030204" pitchFamily="49" charset="0"/>
+                <a:cs typeface="Consolas" panose="020B0609020204030204" pitchFamily="49" charset="0"/>
+              </a:rPr>
+              <a:t>file_type</a:t>
+            </a:r>
+            <a:r>
+              <a:rPr lang="en-US" sz="1600" dirty="0">
+                <a:latin typeface="Consolas" panose="020B0609020204030204" pitchFamily="49" charset="0"/>
+                <a:cs typeface="Consolas" panose="020B0609020204030204" pitchFamily="49" charset="0"/>
+              </a:rPr>
+              <a:t>;</a:t>
+            </a:r>
+          </a:p>
+          <a:p>
+            <a:r>
+              <a:rPr lang="en-US" sz="1600" dirty="0">
+                <a:latin typeface="Consolas" panose="020B0609020204030204" pitchFamily="49" charset="0"/>
+                <a:cs typeface="Consolas" panose="020B0609020204030204" pitchFamily="49" charset="0"/>
+              </a:rPr>
+              <a:t>        char    name[];                 /* File name, up to EXT2_NAME_LEN */</a:t>
+            </a:r>
+          </a:p>
+          <a:p>
+            <a:r>
+              <a:rPr lang="en-US" sz="1600" dirty="0">
+                <a:latin typeface="Consolas" panose="020B0609020204030204" pitchFamily="49" charset="0"/>
+                <a:cs typeface="Consolas" panose="020B0609020204030204" pitchFamily="49" charset="0"/>
+              </a:rPr>
+              <a:t>};</a:t>
+            </a:r>
+            <a:endParaRPr lang="ru-RU" sz="1600" dirty="0">
+              <a:latin typeface="Consolas" panose="020B0609020204030204" pitchFamily="49" charset="0"/>
+              <a:cs typeface="Consolas" panose="020B0609020204030204" pitchFamily="49" charset="0"/>
+            </a:endParaRPr>
+          </a:p>
+        </p:txBody>
+      </p:sp>
+    </p:spTree>
+    <p:extLst>
+      <p:ext uri="{BB962C8B-B14F-4D97-AF65-F5344CB8AC3E}">
+        <p14:creationId xmlns:p14="http://schemas.microsoft.com/office/powerpoint/2010/main" val="3839323106"/>
+      </p:ext>
+    </p:extLst>
+  </p:cSld>
+  <p:clrMapOvr>
+    <a:masterClrMapping/>
+  </p:clrMapOvr>
+  <p:timing>
+    <p:tnLst>
+      <p:par>
+        <p:cTn id="1" dur="indefinite" restart="never" nodeType="tmRoot"/>
+      </p:par>
+    </p:tnLst>
+  </p:timing>
+</p:sld>
+</file>
+
+<file path=ppt/slides/slide28.xml><?xml version="1.0" encoding="utf-8"?>
+<p:sld xmlns:a="http://schemas.openxmlformats.org/drawingml/2006/main" xmlns:r="http://schemas.openxmlformats.org/officeDocument/2006/relationships" xmlns:p="http://schemas.openxmlformats.org/presentationml/2006/main">
+  <p:cSld>
+    <p:spTree>
+      <p:nvGrpSpPr>
+        <p:cNvPr id="1" name=""/>
+        <p:cNvGrpSpPr/>
+        <p:nvPr/>
+      </p:nvGrpSpPr>
+      <p:grpSpPr>
+        <a:xfrm>
+          <a:off x="0" y="0"/>
+          <a:ext cx="0" cy="0"/>
+          <a:chOff x="0" y="0"/>
+          <a:chExt cx="0" cy="0"/>
+        </a:xfrm>
+      </p:grpSpPr>
+      <p:graphicFrame>
+        <p:nvGraphicFramePr>
+          <p:cNvPr id="5" name="Table 4"/>
+          <p:cNvGraphicFramePr>
+            <a:graphicFrameLocks noGrp="1"/>
+          </p:cNvGraphicFramePr>
+          <p:nvPr>
+            <p:extLst/>
+          </p:nvPr>
+        </p:nvGraphicFramePr>
+        <p:xfrm>
+          <a:off x="0" y="1"/>
+          <a:ext cx="12192000" cy="365760"/>
+        </p:xfrm>
+        <a:graphic>
+          <a:graphicData uri="http://schemas.openxmlformats.org/drawingml/2006/table">
+            <a:tbl>
+              <a:tblPr firstRow="1" bandRow="1">
+                <a:tableStyleId>{5C22544A-7EE6-4342-B048-85BDC9FD1C3A}</a:tableStyleId>
+              </a:tblPr>
+              <a:tblGrid>
+                <a:gridCol w="12192000">
+                  <a:extLst>
+                    <a:ext uri="{9D8B030D-6E8A-4147-A177-3AD203B41FA5}">
+                      <a16:colId xmlns:a16="http://schemas.microsoft.com/office/drawing/2014/main" val="20000"/>
+                    </a:ext>
+                  </a:extLst>
+                </a:gridCol>
+              </a:tblGrid>
+              <a:tr h="321276">
+                <a:tc>
+                  <a:txBody>
+                    <a:bodyPr/>
+                    <a:lstStyle/>
+                    <a:p>
+                      <a:r>
+                        <a:rPr lang="ru-RU" dirty="0"/>
+                        <a:t>Основы</a:t>
+                      </a:r>
+                      <a:r>
+                        <a:rPr lang="ru-RU" baseline="0" dirty="0"/>
+                        <a:t> построения файловых систем</a:t>
+                      </a:r>
+                      <a:endParaRPr lang="ru-RU" dirty="0"/>
+                    </a:p>
+                  </a:txBody>
+                  <a:tcPr/>
+                </a:tc>
+                <a:extLst>
+                  <a:ext uri="{0D108BD9-81ED-4DB2-BD59-A6C34878D82A}">
+                    <a16:rowId xmlns:a16="http://schemas.microsoft.com/office/drawing/2014/main" val="10000"/>
+                  </a:ext>
+                </a:extLst>
+              </a:tr>
+            </a:tbl>
+          </a:graphicData>
+        </a:graphic>
+      </p:graphicFrame>
+      <p:graphicFrame>
+        <p:nvGraphicFramePr>
+          <p:cNvPr id="6" name="Table 5"/>
+          <p:cNvGraphicFramePr>
+            <a:graphicFrameLocks noGrp="1"/>
+          </p:cNvGraphicFramePr>
+          <p:nvPr>
+            <p:extLst/>
+          </p:nvPr>
+        </p:nvGraphicFramePr>
+        <p:xfrm>
+          <a:off x="0" y="6532604"/>
+          <a:ext cx="12192000" cy="365760"/>
+        </p:xfrm>
+        <a:graphic>
+          <a:graphicData uri="http://schemas.openxmlformats.org/drawingml/2006/table">
+            <a:tbl>
+              <a:tblPr firstRow="1" bandRow="1">
+                <a:tableStyleId>{5C22544A-7EE6-4342-B048-85BDC9FD1C3A}</a:tableStyleId>
+              </a:tblPr>
+              <a:tblGrid>
+                <a:gridCol w="12192000">
+                  <a:extLst>
+                    <a:ext uri="{9D8B030D-6E8A-4147-A177-3AD203B41FA5}">
+                      <a16:colId xmlns:a16="http://schemas.microsoft.com/office/drawing/2014/main" val="20000"/>
+                    </a:ext>
+                  </a:extLst>
+                </a:gridCol>
+              </a:tblGrid>
+              <a:tr h="308094">
+                <a:tc>
+                  <a:txBody>
+                    <a:bodyPr/>
+                    <a:lstStyle/>
+                    <a:p>
+                      <a:r>
+                        <a:rPr lang="en-US" dirty="0"/>
+                        <a:t>Acronis @ </a:t>
+                      </a:r>
+                      <a:r>
+                        <a:rPr lang="ru-RU" dirty="0"/>
+                        <a:t>МФТИ</a:t>
+                      </a:r>
+                    </a:p>
+                  </a:txBody>
+                  <a:tcPr/>
+                </a:tc>
+                <a:extLst>
+                  <a:ext uri="{0D108BD9-81ED-4DB2-BD59-A6C34878D82A}">
+                    <a16:rowId xmlns:a16="http://schemas.microsoft.com/office/drawing/2014/main" val="10000"/>
+                  </a:ext>
+                </a:extLst>
+              </a:tr>
+            </a:tbl>
+          </a:graphicData>
+        </a:graphic>
+      </p:graphicFrame>
+      <p:graphicFrame>
+        <p:nvGraphicFramePr>
+          <p:cNvPr id="2" name="Table 1"/>
+          <p:cNvGraphicFramePr>
+            <a:graphicFrameLocks noGrp="1"/>
+          </p:cNvGraphicFramePr>
+          <p:nvPr>
+            <p:extLst>
+              <p:ext uri="{D42A27DB-BD31-4B8C-83A1-F6EECF244321}">
                 <p14:modId xmlns:p14="http://schemas.microsoft.com/office/powerpoint/2010/main" val="2335682765"/>
               </p:ext>
             </p:extLst>
@@ -21756,27 +24136,59 @@
                         <a:rPr lang="ru-RU" baseline="0" dirty="0"/>
                         <a:t>В заголовке записи стоит</a:t>
                       </a:r>
+                      <a:r>
+                        <a:rPr lang="en-US" baseline="0" dirty="0"/>
+                        <a:t/>
+                      </a:r>
                       <a:br>
                         <a:rPr lang="en-US" baseline="0" dirty="0"/>
                       </a:br>
+                      <a:r>
+                        <a:rPr lang="en-US" baseline="0" dirty="0"/>
+                        <a:t/>
+                      </a:r>
                       <a:br>
                         <a:rPr lang="en-US" baseline="0" dirty="0"/>
                       </a:br>
+                      <a:r>
+                        <a:rPr lang="en-US" baseline="0" dirty="0"/>
+                        <a:t/>
+                      </a:r>
                       <a:br>
                         <a:rPr lang="en-US" baseline="0" dirty="0"/>
                       </a:br>
+                      <a:r>
+                        <a:rPr lang="en-US" baseline="0" dirty="0"/>
+                        <a:t/>
+                      </a:r>
                       <a:br>
                         <a:rPr lang="en-US" baseline="0" dirty="0"/>
                       </a:br>
+                      <a:r>
+                        <a:rPr lang="en-US" baseline="0" dirty="0"/>
+                        <a:t/>
+                      </a:r>
                       <a:br>
                         <a:rPr lang="en-US" baseline="0" dirty="0"/>
                       </a:br>
+                      <a:r>
+                        <a:rPr lang="en-US" baseline="0" dirty="0"/>
+                        <a:t/>
+                      </a:r>
                       <a:br>
                         <a:rPr lang="en-US" baseline="0" dirty="0"/>
                       </a:br>
+                      <a:r>
+                        <a:rPr lang="en-US" baseline="0" dirty="0"/>
+                        <a:t/>
+                      </a:r>
                       <a:br>
                         <a:rPr lang="en-US" baseline="0" dirty="0"/>
                       </a:br>
+                      <a:r>
+                        <a:rPr lang="en-US" baseline="0" dirty="0"/>
+                        <a:t/>
+                      </a:r>
                       <a:br>
                         <a:rPr lang="en-US" baseline="0" dirty="0"/>
                       </a:br>
@@ -22099,10 +24511,17 @@
   <p:clrMapOvr>
     <a:masterClrMapping/>
   </p:clrMapOvr>
+  <p:timing>
+    <p:tnLst>
+      <p:par>
+        <p:cTn id="1" dur="indefinite" restart="never" nodeType="tmRoot"/>
+      </p:par>
+    </p:tnLst>
+  </p:timing>
 </p:sld>
 </file>
 
-<file path=ppt/slides/slide28.xml><?xml version="1.0" encoding="utf-8"?>
+<file path=ppt/slides/slide29.xml><?xml version="1.0" encoding="utf-8"?>
 <p:sld xmlns:a="http://schemas.openxmlformats.org/drawingml/2006/main" xmlns:r="http://schemas.openxmlformats.org/officeDocument/2006/relationships" xmlns:p="http://schemas.openxmlformats.org/presentationml/2006/main">
   <p:cSld>
     <p:spTree>
@@ -23358,10 +25777,429 @@
   <p:clrMapOvr>
     <a:masterClrMapping/>
   </p:clrMapOvr>
+  <p:timing>
+    <p:tnLst>
+      <p:par>
+        <p:cTn id="1" dur="indefinite" restart="never" nodeType="tmRoot"/>
+      </p:par>
+    </p:tnLst>
+  </p:timing>
 </p:sld>
 </file>
 
-<file path=ppt/slides/slide29.xml><?xml version="1.0" encoding="utf-8"?>
+<file path=ppt/slides/slide3.xml><?xml version="1.0" encoding="utf-8"?>
+<p:sld xmlns:a="http://schemas.openxmlformats.org/drawingml/2006/main" xmlns:r="http://schemas.openxmlformats.org/officeDocument/2006/relationships" xmlns:p="http://schemas.openxmlformats.org/presentationml/2006/main">
+  <p:cSld>
+    <p:spTree>
+      <p:nvGrpSpPr>
+        <p:cNvPr id="1" name=""/>
+        <p:cNvGrpSpPr/>
+        <p:nvPr/>
+      </p:nvGrpSpPr>
+      <p:grpSpPr>
+        <a:xfrm>
+          <a:off x="0" y="0"/>
+          <a:ext cx="0" cy="0"/>
+          <a:chOff x="0" y="0"/>
+          <a:chExt cx="0" cy="0"/>
+        </a:xfrm>
+      </p:grpSpPr>
+      <p:graphicFrame>
+        <p:nvGraphicFramePr>
+          <p:cNvPr id="5" name="Table 4"/>
+          <p:cNvGraphicFramePr>
+            <a:graphicFrameLocks noGrp="1"/>
+          </p:cNvGraphicFramePr>
+          <p:nvPr>
+            <p:extLst/>
+          </p:nvPr>
+        </p:nvGraphicFramePr>
+        <p:xfrm>
+          <a:off x="0" y="1"/>
+          <a:ext cx="12192000" cy="365760"/>
+        </p:xfrm>
+        <a:graphic>
+          <a:graphicData uri="http://schemas.openxmlformats.org/drawingml/2006/table">
+            <a:tbl>
+              <a:tblPr firstRow="1" bandRow="1">
+                <a:tableStyleId>{5C22544A-7EE6-4342-B048-85BDC9FD1C3A}</a:tableStyleId>
+              </a:tblPr>
+              <a:tblGrid>
+                <a:gridCol w="12192000">
+                  <a:extLst>
+                    <a:ext uri="{9D8B030D-6E8A-4147-A177-3AD203B41FA5}">
+                      <a16:colId xmlns:a16="http://schemas.microsoft.com/office/drawing/2014/main" val="20000"/>
+                    </a:ext>
+                  </a:extLst>
+                </a:gridCol>
+              </a:tblGrid>
+              <a:tr h="321276">
+                <a:tc>
+                  <a:txBody>
+                    <a:bodyPr/>
+                    <a:lstStyle/>
+                    <a:p>
+                      <a:r>
+                        <a:rPr lang="ru-RU" dirty="0"/>
+                        <a:t>Основы</a:t>
+                      </a:r>
+                      <a:r>
+                        <a:rPr lang="ru-RU" baseline="0" dirty="0"/>
+                        <a:t> построения файловых систем</a:t>
+                      </a:r>
+                      <a:endParaRPr lang="ru-RU" dirty="0"/>
+                    </a:p>
+                  </a:txBody>
+                  <a:tcPr/>
+                </a:tc>
+                <a:extLst>
+                  <a:ext uri="{0D108BD9-81ED-4DB2-BD59-A6C34878D82A}">
+                    <a16:rowId xmlns:a16="http://schemas.microsoft.com/office/drawing/2014/main" val="10000"/>
+                  </a:ext>
+                </a:extLst>
+              </a:tr>
+            </a:tbl>
+          </a:graphicData>
+        </a:graphic>
+      </p:graphicFrame>
+      <p:graphicFrame>
+        <p:nvGraphicFramePr>
+          <p:cNvPr id="6" name="Table 5"/>
+          <p:cNvGraphicFramePr>
+            <a:graphicFrameLocks noGrp="1"/>
+          </p:cNvGraphicFramePr>
+          <p:nvPr>
+            <p:extLst/>
+          </p:nvPr>
+        </p:nvGraphicFramePr>
+        <p:xfrm>
+          <a:off x="0" y="6532604"/>
+          <a:ext cx="12192000" cy="365760"/>
+        </p:xfrm>
+        <a:graphic>
+          <a:graphicData uri="http://schemas.openxmlformats.org/drawingml/2006/table">
+            <a:tbl>
+              <a:tblPr firstRow="1" bandRow="1">
+                <a:tableStyleId>{5C22544A-7EE6-4342-B048-85BDC9FD1C3A}</a:tableStyleId>
+              </a:tblPr>
+              <a:tblGrid>
+                <a:gridCol w="12192000">
+                  <a:extLst>
+                    <a:ext uri="{9D8B030D-6E8A-4147-A177-3AD203B41FA5}">
+                      <a16:colId xmlns:a16="http://schemas.microsoft.com/office/drawing/2014/main" val="20000"/>
+                    </a:ext>
+                  </a:extLst>
+                </a:gridCol>
+              </a:tblGrid>
+              <a:tr h="308094">
+                <a:tc>
+                  <a:txBody>
+                    <a:bodyPr/>
+                    <a:lstStyle/>
+                    <a:p>
+                      <a:r>
+                        <a:rPr lang="en-US" dirty="0"/>
+                        <a:t>Acronis @ </a:t>
+                      </a:r>
+                      <a:r>
+                        <a:rPr lang="ru-RU" dirty="0"/>
+                        <a:t>МФТИ</a:t>
+                      </a:r>
+                    </a:p>
+                  </a:txBody>
+                  <a:tcPr/>
+                </a:tc>
+                <a:extLst>
+                  <a:ext uri="{0D108BD9-81ED-4DB2-BD59-A6C34878D82A}">
+                    <a16:rowId xmlns:a16="http://schemas.microsoft.com/office/drawing/2014/main" val="10000"/>
+                  </a:ext>
+                </a:extLst>
+              </a:tr>
+            </a:tbl>
+          </a:graphicData>
+        </a:graphic>
+      </p:graphicFrame>
+      <p:graphicFrame>
+        <p:nvGraphicFramePr>
+          <p:cNvPr id="2" name="Table 1"/>
+          <p:cNvGraphicFramePr>
+            <a:graphicFrameLocks noGrp="1"/>
+          </p:cNvGraphicFramePr>
+          <p:nvPr>
+            <p:extLst/>
+          </p:nvPr>
+        </p:nvGraphicFramePr>
+        <p:xfrm>
+          <a:off x="-1" y="365760"/>
+          <a:ext cx="7776519" cy="3200400"/>
+        </p:xfrm>
+        <a:graphic>
+          <a:graphicData uri="http://schemas.openxmlformats.org/drawingml/2006/table">
+            <a:tbl>
+              <a:tblPr firstRow="1" bandRow="1">
+                <a:tableStyleId>{3B4B98B0-60AC-42C2-AFA5-B58CD77FA1E5}</a:tableStyleId>
+              </a:tblPr>
+              <a:tblGrid>
+                <a:gridCol w="7776519">
+                  <a:extLst>
+                    <a:ext uri="{9D8B030D-6E8A-4147-A177-3AD203B41FA5}">
+                      <a16:colId xmlns:a16="http://schemas.microsoft.com/office/drawing/2014/main" val="20000"/>
+                    </a:ext>
+                  </a:extLst>
+                </a:gridCol>
+              </a:tblGrid>
+              <a:tr h="179585">
+                <a:tc>
+                  <a:txBody>
+                    <a:bodyPr/>
+                    <a:lstStyle/>
+                    <a:p>
+                      <a:r>
+                        <a:rPr lang="ru-RU" sz="2400" dirty="0"/>
+                        <a:t>Два</a:t>
+                      </a:r>
+                      <a:r>
+                        <a:rPr lang="ru-RU" sz="2400" baseline="0" dirty="0"/>
+                        <a:t> способа записать целое число</a:t>
+                      </a:r>
+                      <a:r>
+                        <a:rPr lang="en-US" sz="2400" baseline="0" dirty="0"/>
+                        <a:t> </a:t>
+                      </a:r>
+                      <a:r>
+                        <a:rPr lang="ru-RU" sz="2400" baseline="0" dirty="0"/>
+                        <a:t>в память или на диск</a:t>
+                      </a:r>
+                      <a:endParaRPr lang="ru-RU" sz="2400" dirty="0"/>
+                    </a:p>
+                  </a:txBody>
+                  <a:tcPr/>
+                </a:tc>
+                <a:extLst>
+                  <a:ext uri="{0D108BD9-81ED-4DB2-BD59-A6C34878D82A}">
+                    <a16:rowId xmlns:a16="http://schemas.microsoft.com/office/drawing/2014/main" val="10000"/>
+                  </a:ext>
+                </a:extLst>
+              </a:tr>
+              <a:tr h="179585">
+                <a:tc>
+                  <a:txBody>
+                    <a:bodyPr/>
+                    <a:lstStyle/>
+                    <a:p>
+                      <a:r>
+                        <a:rPr lang="ru-RU" dirty="0"/>
+                        <a:t>В начале идут старшие байты</a:t>
+                      </a:r>
+                      <a:r>
+                        <a:rPr lang="en-US" dirty="0"/>
+                        <a:t> (</a:t>
+                      </a:r>
+                      <a:r>
+                        <a:rPr lang="en-US" b="1" dirty="0"/>
+                        <a:t>Big-endian</a:t>
+                      </a:r>
+                      <a:r>
+                        <a:rPr lang="en-US" dirty="0"/>
+                        <a:t>)</a:t>
+                      </a:r>
+                      <a:endParaRPr lang="ru-RU" dirty="0"/>
+                    </a:p>
+                  </a:txBody>
+                  <a:tcPr/>
+                </a:tc>
+                <a:extLst>
+                  <a:ext uri="{0D108BD9-81ED-4DB2-BD59-A6C34878D82A}">
+                    <a16:rowId xmlns:a16="http://schemas.microsoft.com/office/drawing/2014/main" val="10001"/>
+                  </a:ext>
+                </a:extLst>
+              </a:tr>
+              <a:tr h="179585">
+                <a:tc>
+                  <a:txBody>
+                    <a:bodyPr/>
+                    <a:lstStyle/>
+                    <a:p>
+                      <a:r>
+                        <a:rPr lang="en-US" dirty="0"/>
+                        <a:t>u32</a:t>
+                      </a:r>
+                      <a:r>
+                        <a:rPr lang="en-US" baseline="0" dirty="0"/>
+                        <a:t> x = 0x1A2B3C4D;</a:t>
+                      </a:r>
+                      <a:br>
+                        <a:rPr lang="en-US" baseline="0" dirty="0"/>
+                      </a:br>
+                      <a:r>
+                        <a:rPr lang="en-US" baseline="0" dirty="0"/>
+                        <a:t/>
+                      </a:r>
+                      <a:br>
+                        <a:rPr lang="en-US" baseline="0" dirty="0"/>
+                      </a:br>
+                      <a:r>
+                        <a:rPr lang="ru-RU" baseline="0" dirty="0"/>
+                        <a:t>На диске:</a:t>
+                      </a:r>
+                    </a:p>
+                    <a:p>
+                      <a:r>
+                        <a:rPr lang="en-US" baseline="0" dirty="0"/>
+                        <a:t>1A 2B 3C 4D | .. .. .. .. | ..</a:t>
+                      </a:r>
+                      <a:br>
+                        <a:rPr lang="en-US" baseline="0" dirty="0"/>
+                      </a:br>
+                      <a:endParaRPr lang="ru-RU" dirty="0"/>
+                    </a:p>
+                  </a:txBody>
+                  <a:tcPr/>
+                </a:tc>
+                <a:extLst>
+                  <a:ext uri="{0D108BD9-81ED-4DB2-BD59-A6C34878D82A}">
+                    <a16:rowId xmlns:a16="http://schemas.microsoft.com/office/drawing/2014/main" val="10002"/>
+                  </a:ext>
+                </a:extLst>
+              </a:tr>
+              <a:tr h="179585">
+                <a:tc>
+                  <a:txBody>
+                    <a:bodyPr/>
+                    <a:lstStyle/>
+                    <a:p>
+                      <a:r>
+                        <a:rPr lang="ru-RU" dirty="0"/>
+                        <a:t>Используется в</a:t>
+                      </a:r>
+                      <a:r>
+                        <a:rPr lang="en-US" dirty="0"/>
+                        <a:t>:</a:t>
+                      </a:r>
+                    </a:p>
+                    <a:p>
+                      <a:pPr marL="285750" indent="-285750">
+                        <a:buFont typeface="Arial" panose="020B0604020202020204" pitchFamily="34" charset="0"/>
+                        <a:buChar char="•"/>
+                      </a:pPr>
+                      <a:r>
+                        <a:rPr lang="en-US" dirty="0"/>
+                        <a:t>PowerPC</a:t>
+                      </a:r>
+                    </a:p>
+                    <a:p>
+                      <a:pPr marL="285750" indent="-285750">
+                        <a:buFont typeface="Arial" panose="020B0604020202020204" pitchFamily="34" charset="0"/>
+                        <a:buChar char="•"/>
+                      </a:pPr>
+                      <a:r>
+                        <a:rPr lang="en-US" dirty="0"/>
+                        <a:t>Itanium</a:t>
+                      </a:r>
+                    </a:p>
+                  </a:txBody>
+                  <a:tcPr/>
+                </a:tc>
+                <a:extLst>
+                  <a:ext uri="{0D108BD9-81ED-4DB2-BD59-A6C34878D82A}">
+                    <a16:rowId xmlns:a16="http://schemas.microsoft.com/office/drawing/2014/main" val="10003"/>
+                  </a:ext>
+                </a:extLst>
+              </a:tr>
+            </a:tbl>
+          </a:graphicData>
+        </a:graphic>
+      </p:graphicFrame>
+      <p:sp>
+        <p:nvSpPr>
+          <p:cNvPr id="3" name="Right Arrow 2"/>
+          <p:cNvSpPr/>
+          <p:nvPr/>
+        </p:nvSpPr>
+        <p:spPr>
+          <a:xfrm>
+            <a:off x="0" y="2314832"/>
+            <a:ext cx="2207741" cy="181233"/>
+          </a:xfrm>
+          <a:prstGeom prst="rightArrow">
+            <a:avLst/>
+          </a:prstGeom>
+        </p:spPr>
+        <p:style>
+          <a:lnRef idx="2">
+            <a:schemeClr val="accent1">
+              <a:shade val="50000"/>
+            </a:schemeClr>
+          </a:lnRef>
+          <a:fillRef idx="1">
+            <a:schemeClr val="accent1"/>
+          </a:fillRef>
+          <a:effectRef idx="0">
+            <a:schemeClr val="accent1"/>
+          </a:effectRef>
+          <a:fontRef idx="minor">
+            <a:schemeClr val="lt1"/>
+          </a:fontRef>
+        </p:style>
+        <p:txBody>
+          <a:bodyPr rtlCol="0" anchor="ctr"/>
+          <a:lstStyle/>
+          <a:p>
+            <a:pPr algn="ctr"/>
+            <a:endParaRPr lang="ru-RU"/>
+          </a:p>
+        </p:txBody>
+      </p:sp>
+      <p:sp>
+        <p:nvSpPr>
+          <p:cNvPr id="4" name="TextBox 3"/>
+          <p:cNvSpPr txBox="1"/>
+          <p:nvPr/>
+        </p:nvSpPr>
+        <p:spPr>
+          <a:xfrm>
+            <a:off x="2290119" y="2190989"/>
+            <a:ext cx="2915863" cy="369332"/>
+          </a:xfrm>
+          <a:prstGeom prst="rect">
+            <a:avLst/>
+          </a:prstGeom>
+          <a:noFill/>
+        </p:spPr>
+        <p:txBody>
+          <a:bodyPr wrap="none" rtlCol="0">
+            <a:spAutoFit/>
+          </a:bodyPr>
+          <a:lstStyle/>
+          <a:p>
+            <a:r>
+              <a:rPr lang="ru-RU" dirty="0"/>
+              <a:t>нумерация байтов на диске</a:t>
+            </a:r>
+          </a:p>
+        </p:txBody>
+      </p:sp>
+    </p:spTree>
+    <p:extLst>
+      <p:ext uri="{BB962C8B-B14F-4D97-AF65-F5344CB8AC3E}">
+        <p14:creationId xmlns:p14="http://schemas.microsoft.com/office/powerpoint/2010/main" val="36062984"/>
+      </p:ext>
+    </p:extLst>
+  </p:cSld>
+  <p:clrMapOvr>
+    <a:masterClrMapping/>
+  </p:clrMapOvr>
+  <p:timing>
+    <p:tnLst>
+      <p:par>
+        <p:cTn id="1" dur="indefinite" restart="never" nodeType="tmRoot"/>
+      </p:par>
+    </p:tnLst>
+  </p:timing>
+</p:sld>
+</file>
+
+<file path=ppt/slides/slide30.xml><?xml version="1.0" encoding="utf-8"?>
 <p:sld xmlns:a="http://schemas.openxmlformats.org/drawingml/2006/main" xmlns:r="http://schemas.openxmlformats.org/officeDocument/2006/relationships" xmlns:p="http://schemas.openxmlformats.org/presentationml/2006/main">
   <p:cSld>
     <p:spTree>
@@ -24714,411 +27552,17 @@
   <p:clrMapOvr>
     <a:masterClrMapping/>
   </p:clrMapOvr>
+  <p:timing>
+    <p:tnLst>
+      <p:par>
+        <p:cTn id="1" dur="indefinite" restart="never" nodeType="tmRoot"/>
+      </p:par>
+    </p:tnLst>
+  </p:timing>
 </p:sld>
 </file>
 
-<file path=ppt/slides/slide3.xml><?xml version="1.0" encoding="utf-8"?>
-<p:sld xmlns:a="http://schemas.openxmlformats.org/drawingml/2006/main" xmlns:r="http://schemas.openxmlformats.org/officeDocument/2006/relationships" xmlns:p="http://schemas.openxmlformats.org/presentationml/2006/main">
-  <p:cSld>
-    <p:spTree>
-      <p:nvGrpSpPr>
-        <p:cNvPr id="1" name=""/>
-        <p:cNvGrpSpPr/>
-        <p:nvPr/>
-      </p:nvGrpSpPr>
-      <p:grpSpPr>
-        <a:xfrm>
-          <a:off x="0" y="0"/>
-          <a:ext cx="0" cy="0"/>
-          <a:chOff x="0" y="0"/>
-          <a:chExt cx="0" cy="0"/>
-        </a:xfrm>
-      </p:grpSpPr>
-      <p:graphicFrame>
-        <p:nvGraphicFramePr>
-          <p:cNvPr id="5" name="Table 4"/>
-          <p:cNvGraphicFramePr>
-            <a:graphicFrameLocks noGrp="1"/>
-          </p:cNvGraphicFramePr>
-          <p:nvPr>
-            <p:extLst/>
-          </p:nvPr>
-        </p:nvGraphicFramePr>
-        <p:xfrm>
-          <a:off x="0" y="1"/>
-          <a:ext cx="12192000" cy="365760"/>
-        </p:xfrm>
-        <a:graphic>
-          <a:graphicData uri="http://schemas.openxmlformats.org/drawingml/2006/table">
-            <a:tbl>
-              <a:tblPr firstRow="1" bandRow="1">
-                <a:tableStyleId>{5C22544A-7EE6-4342-B048-85BDC9FD1C3A}</a:tableStyleId>
-              </a:tblPr>
-              <a:tblGrid>
-                <a:gridCol w="12192000">
-                  <a:extLst>
-                    <a:ext uri="{9D8B030D-6E8A-4147-A177-3AD203B41FA5}">
-                      <a16:colId xmlns:a16="http://schemas.microsoft.com/office/drawing/2014/main" val="20000"/>
-                    </a:ext>
-                  </a:extLst>
-                </a:gridCol>
-              </a:tblGrid>
-              <a:tr h="321276">
-                <a:tc>
-                  <a:txBody>
-                    <a:bodyPr/>
-                    <a:lstStyle/>
-                    <a:p>
-                      <a:r>
-                        <a:rPr lang="ru-RU" dirty="0"/>
-                        <a:t>Основы</a:t>
-                      </a:r>
-                      <a:r>
-                        <a:rPr lang="ru-RU" baseline="0" dirty="0"/>
-                        <a:t> построения файловых систем</a:t>
-                      </a:r>
-                      <a:endParaRPr lang="ru-RU" dirty="0"/>
-                    </a:p>
-                  </a:txBody>
-                  <a:tcPr/>
-                </a:tc>
-                <a:extLst>
-                  <a:ext uri="{0D108BD9-81ED-4DB2-BD59-A6C34878D82A}">
-                    <a16:rowId xmlns:a16="http://schemas.microsoft.com/office/drawing/2014/main" val="10000"/>
-                  </a:ext>
-                </a:extLst>
-              </a:tr>
-            </a:tbl>
-          </a:graphicData>
-        </a:graphic>
-      </p:graphicFrame>
-      <p:graphicFrame>
-        <p:nvGraphicFramePr>
-          <p:cNvPr id="6" name="Table 5"/>
-          <p:cNvGraphicFramePr>
-            <a:graphicFrameLocks noGrp="1"/>
-          </p:cNvGraphicFramePr>
-          <p:nvPr>
-            <p:extLst/>
-          </p:nvPr>
-        </p:nvGraphicFramePr>
-        <p:xfrm>
-          <a:off x="0" y="6532604"/>
-          <a:ext cx="12192000" cy="365760"/>
-        </p:xfrm>
-        <a:graphic>
-          <a:graphicData uri="http://schemas.openxmlformats.org/drawingml/2006/table">
-            <a:tbl>
-              <a:tblPr firstRow="1" bandRow="1">
-                <a:tableStyleId>{5C22544A-7EE6-4342-B048-85BDC9FD1C3A}</a:tableStyleId>
-              </a:tblPr>
-              <a:tblGrid>
-                <a:gridCol w="12192000">
-                  <a:extLst>
-                    <a:ext uri="{9D8B030D-6E8A-4147-A177-3AD203B41FA5}">
-                      <a16:colId xmlns:a16="http://schemas.microsoft.com/office/drawing/2014/main" val="20000"/>
-                    </a:ext>
-                  </a:extLst>
-                </a:gridCol>
-              </a:tblGrid>
-              <a:tr h="308094">
-                <a:tc>
-                  <a:txBody>
-                    <a:bodyPr/>
-                    <a:lstStyle/>
-                    <a:p>
-                      <a:r>
-                        <a:rPr lang="en-US" dirty="0"/>
-                        <a:t>Acronis @ </a:t>
-                      </a:r>
-                      <a:r>
-                        <a:rPr lang="ru-RU" dirty="0"/>
-                        <a:t>МФТИ</a:t>
-                      </a:r>
-                    </a:p>
-                  </a:txBody>
-                  <a:tcPr/>
-                </a:tc>
-                <a:extLst>
-                  <a:ext uri="{0D108BD9-81ED-4DB2-BD59-A6C34878D82A}">
-                    <a16:rowId xmlns:a16="http://schemas.microsoft.com/office/drawing/2014/main" val="10000"/>
-                  </a:ext>
-                </a:extLst>
-              </a:tr>
-            </a:tbl>
-          </a:graphicData>
-        </a:graphic>
-      </p:graphicFrame>
-      <p:graphicFrame>
-        <p:nvGraphicFramePr>
-          <p:cNvPr id="2" name="Table 1"/>
-          <p:cNvGraphicFramePr>
-            <a:graphicFrameLocks noGrp="1"/>
-          </p:cNvGraphicFramePr>
-          <p:nvPr>
-            <p:extLst/>
-          </p:nvPr>
-        </p:nvGraphicFramePr>
-        <p:xfrm>
-          <a:off x="-1" y="365760"/>
-          <a:ext cx="7776519" cy="3200400"/>
-        </p:xfrm>
-        <a:graphic>
-          <a:graphicData uri="http://schemas.openxmlformats.org/drawingml/2006/table">
-            <a:tbl>
-              <a:tblPr firstRow="1" bandRow="1">
-                <a:tableStyleId>{3B4B98B0-60AC-42C2-AFA5-B58CD77FA1E5}</a:tableStyleId>
-              </a:tblPr>
-              <a:tblGrid>
-                <a:gridCol w="7776519">
-                  <a:extLst>
-                    <a:ext uri="{9D8B030D-6E8A-4147-A177-3AD203B41FA5}">
-                      <a16:colId xmlns:a16="http://schemas.microsoft.com/office/drawing/2014/main" val="20000"/>
-                    </a:ext>
-                  </a:extLst>
-                </a:gridCol>
-              </a:tblGrid>
-              <a:tr h="179585">
-                <a:tc>
-                  <a:txBody>
-                    <a:bodyPr/>
-                    <a:lstStyle/>
-                    <a:p>
-                      <a:r>
-                        <a:rPr lang="ru-RU" sz="2400" dirty="0"/>
-                        <a:t>Два</a:t>
-                      </a:r>
-                      <a:r>
-                        <a:rPr lang="ru-RU" sz="2400" baseline="0" dirty="0"/>
-                        <a:t> способа записать целое число</a:t>
-                      </a:r>
-                      <a:r>
-                        <a:rPr lang="en-US" sz="2400" baseline="0" dirty="0"/>
-                        <a:t> </a:t>
-                      </a:r>
-                      <a:r>
-                        <a:rPr lang="ru-RU" sz="2400" baseline="0" dirty="0"/>
-                        <a:t>в память или на диск</a:t>
-                      </a:r>
-                      <a:endParaRPr lang="ru-RU" sz="2400" dirty="0"/>
-                    </a:p>
-                  </a:txBody>
-                  <a:tcPr/>
-                </a:tc>
-                <a:extLst>
-                  <a:ext uri="{0D108BD9-81ED-4DB2-BD59-A6C34878D82A}">
-                    <a16:rowId xmlns:a16="http://schemas.microsoft.com/office/drawing/2014/main" val="10000"/>
-                  </a:ext>
-                </a:extLst>
-              </a:tr>
-              <a:tr h="179585">
-                <a:tc>
-                  <a:txBody>
-                    <a:bodyPr/>
-                    <a:lstStyle/>
-                    <a:p>
-                      <a:r>
-                        <a:rPr lang="ru-RU" dirty="0"/>
-                        <a:t>В начале идут старшие байты</a:t>
-                      </a:r>
-                      <a:r>
-                        <a:rPr lang="en-US" dirty="0"/>
-                        <a:t> (</a:t>
-                      </a:r>
-                      <a:r>
-                        <a:rPr lang="en-US" b="1" dirty="0"/>
-                        <a:t>Big-endian</a:t>
-                      </a:r>
-                      <a:r>
-                        <a:rPr lang="en-US" dirty="0"/>
-                        <a:t>)</a:t>
-                      </a:r>
-                      <a:endParaRPr lang="ru-RU" dirty="0"/>
-                    </a:p>
-                  </a:txBody>
-                  <a:tcPr/>
-                </a:tc>
-                <a:extLst>
-                  <a:ext uri="{0D108BD9-81ED-4DB2-BD59-A6C34878D82A}">
-                    <a16:rowId xmlns:a16="http://schemas.microsoft.com/office/drawing/2014/main" val="10001"/>
-                  </a:ext>
-                </a:extLst>
-              </a:tr>
-              <a:tr h="179585">
-                <a:tc>
-                  <a:txBody>
-                    <a:bodyPr/>
-                    <a:lstStyle/>
-                    <a:p>
-                      <a:r>
-                        <a:rPr lang="en-US" dirty="0"/>
-                        <a:t>u32</a:t>
-                      </a:r>
-                      <a:r>
-                        <a:rPr lang="en-US" baseline="0" dirty="0"/>
-                        <a:t> x = 0x1A2B3C4D;</a:t>
-                      </a:r>
-                      <a:br>
-                        <a:rPr lang="en-US" baseline="0" dirty="0"/>
-                      </a:br>
-                      <a:br>
-                        <a:rPr lang="en-US" baseline="0" dirty="0"/>
-                      </a:br>
-                      <a:r>
-                        <a:rPr lang="ru-RU" baseline="0" dirty="0"/>
-                        <a:t>На диске:</a:t>
-                      </a:r>
-                    </a:p>
-                    <a:p>
-                      <a:r>
-                        <a:rPr lang="en-US" baseline="0" dirty="0"/>
-                        <a:t>1A 2B 3C 4D | .. .. .. .. | ..</a:t>
-                      </a:r>
-                      <a:br>
-                        <a:rPr lang="en-US" baseline="0" dirty="0"/>
-                      </a:br>
-                      <a:endParaRPr lang="ru-RU" dirty="0"/>
-                    </a:p>
-                  </a:txBody>
-                  <a:tcPr/>
-                </a:tc>
-                <a:extLst>
-                  <a:ext uri="{0D108BD9-81ED-4DB2-BD59-A6C34878D82A}">
-                    <a16:rowId xmlns:a16="http://schemas.microsoft.com/office/drawing/2014/main" val="10002"/>
-                  </a:ext>
-                </a:extLst>
-              </a:tr>
-              <a:tr h="179585">
-                <a:tc>
-                  <a:txBody>
-                    <a:bodyPr/>
-                    <a:lstStyle/>
-                    <a:p>
-                      <a:r>
-                        <a:rPr lang="ru-RU" dirty="0"/>
-                        <a:t>Используется в</a:t>
-                      </a:r>
-                      <a:r>
-                        <a:rPr lang="en-US" dirty="0"/>
-                        <a:t>:</a:t>
-                      </a:r>
-                    </a:p>
-                    <a:p>
-                      <a:pPr marL="285750" indent="-285750">
-                        <a:buFont typeface="Arial" panose="020B0604020202020204" pitchFamily="34" charset="0"/>
-                        <a:buChar char="•"/>
-                      </a:pPr>
-                      <a:r>
-                        <a:rPr lang="en-US" dirty="0"/>
-                        <a:t>PowerPC</a:t>
-                      </a:r>
-                    </a:p>
-                    <a:p>
-                      <a:pPr marL="285750" indent="-285750">
-                        <a:buFont typeface="Arial" panose="020B0604020202020204" pitchFamily="34" charset="0"/>
-                        <a:buChar char="•"/>
-                      </a:pPr>
-                      <a:r>
-                        <a:rPr lang="en-US" dirty="0"/>
-                        <a:t>Itanium</a:t>
-                      </a:r>
-                    </a:p>
-                  </a:txBody>
-                  <a:tcPr/>
-                </a:tc>
-                <a:extLst>
-                  <a:ext uri="{0D108BD9-81ED-4DB2-BD59-A6C34878D82A}">
-                    <a16:rowId xmlns:a16="http://schemas.microsoft.com/office/drawing/2014/main" val="10003"/>
-                  </a:ext>
-                </a:extLst>
-              </a:tr>
-            </a:tbl>
-          </a:graphicData>
-        </a:graphic>
-      </p:graphicFrame>
-      <p:sp>
-        <p:nvSpPr>
-          <p:cNvPr id="3" name="Right Arrow 2"/>
-          <p:cNvSpPr/>
-          <p:nvPr/>
-        </p:nvSpPr>
-        <p:spPr>
-          <a:xfrm>
-            <a:off x="0" y="2314832"/>
-            <a:ext cx="2207741" cy="181233"/>
-          </a:xfrm>
-          <a:prstGeom prst="rightArrow">
-            <a:avLst/>
-          </a:prstGeom>
-        </p:spPr>
-        <p:style>
-          <a:lnRef idx="2">
-            <a:schemeClr val="accent1">
-              <a:shade val="50000"/>
-            </a:schemeClr>
-          </a:lnRef>
-          <a:fillRef idx="1">
-            <a:schemeClr val="accent1"/>
-          </a:fillRef>
-          <a:effectRef idx="0">
-            <a:schemeClr val="accent1"/>
-          </a:effectRef>
-          <a:fontRef idx="minor">
-            <a:schemeClr val="lt1"/>
-          </a:fontRef>
-        </p:style>
-        <p:txBody>
-          <a:bodyPr rtlCol="0" anchor="ctr"/>
-          <a:lstStyle/>
-          <a:p>
-            <a:pPr algn="ctr"/>
-            <a:endParaRPr lang="ru-RU"/>
-          </a:p>
-        </p:txBody>
-      </p:sp>
-      <p:sp>
-        <p:nvSpPr>
-          <p:cNvPr id="4" name="TextBox 3"/>
-          <p:cNvSpPr txBox="1"/>
-          <p:nvPr/>
-        </p:nvSpPr>
-        <p:spPr>
-          <a:xfrm>
-            <a:off x="2290119" y="2190989"/>
-            <a:ext cx="2915863" cy="369332"/>
-          </a:xfrm>
-          <a:prstGeom prst="rect">
-            <a:avLst/>
-          </a:prstGeom>
-          <a:noFill/>
-        </p:spPr>
-        <p:txBody>
-          <a:bodyPr wrap="none" rtlCol="0">
-            <a:spAutoFit/>
-          </a:bodyPr>
-          <a:lstStyle/>
-          <a:p>
-            <a:r>
-              <a:rPr lang="ru-RU" dirty="0"/>
-              <a:t>нумерация байтов на диске</a:t>
-            </a:r>
-          </a:p>
-        </p:txBody>
-      </p:sp>
-    </p:spTree>
-    <p:extLst>
-      <p:ext uri="{BB962C8B-B14F-4D97-AF65-F5344CB8AC3E}">
-        <p14:creationId xmlns:p14="http://schemas.microsoft.com/office/powerpoint/2010/main" val="36062984"/>
-      </p:ext>
-    </p:extLst>
-  </p:cSld>
-  <p:clrMapOvr>
-    <a:masterClrMapping/>
-  </p:clrMapOvr>
-</p:sld>
-</file>
-
-<file path=ppt/slides/slide30.xml><?xml version="1.0" encoding="utf-8"?>
+<file path=ppt/slides/slide31.xml><?xml version="1.0" encoding="utf-8"?>
 <p:sld xmlns:a="http://schemas.openxmlformats.org/drawingml/2006/main" xmlns:r="http://schemas.openxmlformats.org/officeDocument/2006/relationships" xmlns:p="http://schemas.openxmlformats.org/presentationml/2006/main">
   <p:cSld>
     <p:spTree>
@@ -26529,10 +28973,17 @@
   <p:clrMapOvr>
     <a:masterClrMapping/>
   </p:clrMapOvr>
+  <p:timing>
+    <p:tnLst>
+      <p:par>
+        <p:cTn id="1" dur="indefinite" restart="never" nodeType="tmRoot"/>
+      </p:par>
+    </p:tnLst>
+  </p:timing>
 </p:sld>
 </file>
 
-<file path=ppt/slides/slide31.xml><?xml version="1.0" encoding="utf-8"?>
+<file path=ppt/slides/slide32.xml><?xml version="1.0" encoding="utf-8"?>
 <p:sld xmlns:a="http://schemas.openxmlformats.org/drawingml/2006/main" xmlns:r="http://schemas.openxmlformats.org/officeDocument/2006/relationships" xmlns:p="http://schemas.openxmlformats.org/presentationml/2006/main">
   <p:cSld>
     <p:spTree>
@@ -28009,10 +30460,17 @@
   <p:clrMapOvr>
     <a:masterClrMapping/>
   </p:clrMapOvr>
+  <p:timing>
+    <p:tnLst>
+      <p:par>
+        <p:cTn id="1" dur="indefinite" restart="never" nodeType="tmRoot"/>
+      </p:par>
+    </p:tnLst>
+  </p:timing>
 </p:sld>
 </file>
 
-<file path=ppt/slides/slide32.xml><?xml version="1.0" encoding="utf-8"?>
+<file path=ppt/slides/slide33.xml><?xml version="1.0" encoding="utf-8"?>
 <p:sld xmlns:a="http://schemas.openxmlformats.org/drawingml/2006/main" xmlns:r="http://schemas.openxmlformats.org/officeDocument/2006/relationships" xmlns:p="http://schemas.openxmlformats.org/presentationml/2006/main">
   <p:cSld>
     <p:spTree>
@@ -28546,6 +31004,10 @@
                         <a:rPr lang="en-US" b="1" dirty="0" err="1"/>
                         <a:t>inode</a:t>
                       </a:r>
+                      <a:r>
+                        <a:rPr lang="en-US" b="1" dirty="0"/>
+                        <a:t/>
+                      </a:r>
                       <a:br>
                         <a:rPr lang="en-US" b="1" dirty="0"/>
                       </a:br>
@@ -28565,6 +31027,10 @@
                       <a:r>
                         <a:rPr lang="en-US" b="1" dirty="0" err="1"/>
                         <a:t>inode</a:t>
+                      </a:r>
+                      <a:r>
+                        <a:rPr lang="en-US" b="1" dirty="0"/>
+                        <a:t/>
                       </a:r>
                       <a:br>
                         <a:rPr lang="en-US" b="1" dirty="0"/>
@@ -28723,6 +31189,10 @@
                         <a:rPr lang="en-US" b="1" dirty="0" err="1"/>
                         <a:t>inode</a:t>
                       </a:r>
+                      <a:r>
+                        <a:rPr lang="en-US" b="1" dirty="0"/>
+                        <a:t/>
+                      </a:r>
                       <a:br>
                         <a:rPr lang="en-US" b="1" dirty="0"/>
                       </a:br>
@@ -28742,6 +31212,10 @@
                       <a:r>
                         <a:rPr lang="en-US" b="1" dirty="0" err="1"/>
                         <a:t>inode</a:t>
+                      </a:r>
+                      <a:r>
+                        <a:rPr lang="en-US" b="1" dirty="0"/>
+                        <a:t/>
                       </a:r>
                       <a:br>
                         <a:rPr lang="en-US" b="1" dirty="0"/>
@@ -29842,10 +32316,17 @@
   <p:clrMapOvr>
     <a:masterClrMapping/>
   </p:clrMapOvr>
+  <p:timing>
+    <p:tnLst>
+      <p:par>
+        <p:cTn id="1" dur="indefinite" restart="never" nodeType="tmRoot"/>
+      </p:par>
+    </p:tnLst>
+  </p:timing>
 </p:sld>
 </file>
 
-<file path=ppt/slides/slide33.xml><?xml version="1.0" encoding="utf-8"?>
+<file path=ppt/slides/slide34.xml><?xml version="1.0" encoding="utf-8"?>
 <p:sld xmlns:a="http://schemas.openxmlformats.org/drawingml/2006/main" xmlns:r="http://schemas.openxmlformats.org/officeDocument/2006/relationships" xmlns:p="http://schemas.openxmlformats.org/presentationml/2006/main">
   <p:cSld>
     <p:spTree>
@@ -30367,6 +32848,10 @@
                         <a:rPr lang="en-US" b="1" dirty="0" err="1"/>
                         <a:t>inode</a:t>
                       </a:r>
+                      <a:r>
+                        <a:rPr lang="en-US" b="1" dirty="0"/>
+                        <a:t/>
+                      </a:r>
                       <a:br>
                         <a:rPr lang="en-US" b="1" dirty="0"/>
                       </a:br>
@@ -30386,6 +32871,10 @@
                       <a:r>
                         <a:rPr lang="en-US" b="1" dirty="0" err="1"/>
                         <a:t>inode</a:t>
+                      </a:r>
+                      <a:r>
+                        <a:rPr lang="en-US" b="1" dirty="0"/>
+                        <a:t/>
                       </a:r>
                       <a:br>
                         <a:rPr lang="en-US" b="1" dirty="0"/>
@@ -30540,6 +33029,10 @@
                         <a:rPr lang="en-US" b="1" dirty="0" err="1"/>
                         <a:t>inode</a:t>
                       </a:r>
+                      <a:r>
+                        <a:rPr lang="en-US" b="1" dirty="0"/>
+                        <a:t/>
+                      </a:r>
                       <a:br>
                         <a:rPr lang="en-US" b="1" dirty="0"/>
                       </a:br>
@@ -30559,6 +33052,10 @@
                       <a:r>
                         <a:rPr lang="en-US" b="1" dirty="0" err="1"/>
                         <a:t>inode</a:t>
+                      </a:r>
+                      <a:r>
+                        <a:rPr lang="en-US" b="1" dirty="0"/>
+                        <a:t/>
                       </a:r>
                       <a:br>
                         <a:rPr lang="en-US" b="1" dirty="0"/>
@@ -31662,10 +34159,17 @@
   <p:clrMapOvr>
     <a:masterClrMapping/>
   </p:clrMapOvr>
+  <p:timing>
+    <p:tnLst>
+      <p:par>
+        <p:cTn id="1" dur="indefinite" restart="never" nodeType="tmRoot"/>
+      </p:par>
+    </p:tnLst>
+  </p:timing>
 </p:sld>
 </file>
 
-<file path=ppt/slides/slide34.xml><?xml version="1.0" encoding="utf-8"?>
+<file path=ppt/slides/slide35.xml><?xml version="1.0" encoding="utf-8"?>
 <p:sld xmlns:a="http://schemas.openxmlformats.org/drawingml/2006/main" xmlns:r="http://schemas.openxmlformats.org/officeDocument/2006/relationships" xmlns:p="http://schemas.openxmlformats.org/presentationml/2006/main">
   <p:cSld>
     <p:spTree>
@@ -32187,6 +34691,10 @@
                         <a:rPr lang="en-US" b="1" dirty="0" err="1"/>
                         <a:t>inode</a:t>
                       </a:r>
+                      <a:r>
+                        <a:rPr lang="en-US" b="1" dirty="0"/>
+                        <a:t/>
+                      </a:r>
                       <a:br>
                         <a:rPr lang="en-US" b="1" dirty="0"/>
                       </a:br>
@@ -32206,6 +34714,10 @@
                       <a:r>
                         <a:rPr lang="en-US" b="1" dirty="0" err="1"/>
                         <a:t>inode</a:t>
+                      </a:r>
+                      <a:r>
+                        <a:rPr lang="en-US" b="1" dirty="0"/>
+                        <a:t/>
                       </a:r>
                       <a:br>
                         <a:rPr lang="en-US" b="1" dirty="0"/>
@@ -32360,6 +34872,10 @@
                         <a:rPr lang="en-US" b="1" dirty="0" err="1"/>
                         <a:t>inode</a:t>
                       </a:r>
+                      <a:r>
+                        <a:rPr lang="en-US" b="1" dirty="0"/>
+                        <a:t/>
+                      </a:r>
                       <a:br>
                         <a:rPr lang="en-US" b="1" dirty="0"/>
                       </a:br>
@@ -32379,6 +34895,10 @@
                       <a:r>
                         <a:rPr lang="en-US" b="1" dirty="0" err="1"/>
                         <a:t>inode</a:t>
+                      </a:r>
+                      <a:r>
+                        <a:rPr lang="en-US" b="1" dirty="0"/>
+                        <a:t/>
                       </a:r>
                       <a:br>
                         <a:rPr lang="en-US" b="1" dirty="0"/>
@@ -33473,10 +35993,17 @@
   <p:clrMapOvr>
     <a:masterClrMapping/>
   </p:clrMapOvr>
+  <p:timing>
+    <p:tnLst>
+      <p:par>
+        <p:cTn id="1" dur="indefinite" restart="never" nodeType="tmRoot"/>
+      </p:par>
+    </p:tnLst>
+  </p:timing>
 </p:sld>
 </file>
 
-<file path=ppt/slides/slide35.xml><?xml version="1.0" encoding="utf-8"?>
+<file path=ppt/slides/slide36.xml><?xml version="1.0" encoding="utf-8"?>
 <p:sld xmlns:a="http://schemas.openxmlformats.org/drawingml/2006/main" xmlns:r="http://schemas.openxmlformats.org/officeDocument/2006/relationships" xmlns:p="http://schemas.openxmlformats.org/presentationml/2006/main">
   <p:cSld>
     <p:spTree>
@@ -33998,6 +36525,10 @@
                         <a:rPr lang="en-US" b="1" dirty="0" err="1"/>
                         <a:t>inode</a:t>
                       </a:r>
+                      <a:r>
+                        <a:rPr lang="en-US" b="1" dirty="0"/>
+                        <a:t/>
+                      </a:r>
                       <a:br>
                         <a:rPr lang="en-US" b="1" dirty="0"/>
                       </a:br>
@@ -34017,6 +36548,10 @@
                       <a:r>
                         <a:rPr lang="en-US" b="1" dirty="0" err="1"/>
                         <a:t>inode</a:t>
+                      </a:r>
+                      <a:r>
+                        <a:rPr lang="en-US" b="1" dirty="0"/>
+                        <a:t/>
                       </a:r>
                       <a:br>
                         <a:rPr lang="en-US" b="1" dirty="0"/>
@@ -34171,6 +36706,10 @@
                         <a:rPr lang="en-US" b="1" dirty="0" err="1"/>
                         <a:t>inode</a:t>
                       </a:r>
+                      <a:r>
+                        <a:rPr lang="en-US" b="1" dirty="0"/>
+                        <a:t/>
+                      </a:r>
                       <a:br>
                         <a:rPr lang="en-US" b="1" dirty="0"/>
                       </a:br>
@@ -34190,6 +36729,10 @@
                       <a:r>
                         <a:rPr lang="en-US" b="1" dirty="0" err="1"/>
                         <a:t>inode</a:t>
+                      </a:r>
+                      <a:r>
+                        <a:rPr lang="en-US" b="1" dirty="0"/>
+                        <a:t/>
                       </a:r>
                       <a:br>
                         <a:rPr lang="en-US" b="1" dirty="0"/>
@@ -35293,10 +37836,17 @@
   <p:clrMapOvr>
     <a:masterClrMapping/>
   </p:clrMapOvr>
+  <p:timing>
+    <p:tnLst>
+      <p:par>
+        <p:cTn id="1" dur="indefinite" restart="never" nodeType="tmRoot"/>
+      </p:par>
+    </p:tnLst>
+  </p:timing>
 </p:sld>
 </file>
 
-<file path=ppt/slides/slide36.xml><?xml version="1.0" encoding="utf-8"?>
+<file path=ppt/slides/slide37.xml><?xml version="1.0" encoding="utf-8"?>
 <p:sld xmlns:a="http://schemas.openxmlformats.org/drawingml/2006/main" xmlns:r="http://schemas.openxmlformats.org/officeDocument/2006/relationships" xmlns:p="http://schemas.openxmlformats.org/presentationml/2006/main">
   <p:cSld>
     <p:spTree>
@@ -35818,6 +38368,10 @@
                         <a:rPr lang="en-US" b="1" dirty="0" err="1"/>
                         <a:t>inode</a:t>
                       </a:r>
+                      <a:r>
+                        <a:rPr lang="en-US" b="1" dirty="0"/>
+                        <a:t/>
+                      </a:r>
                       <a:br>
                         <a:rPr lang="en-US" b="1" dirty="0"/>
                       </a:br>
@@ -35837,6 +38391,10 @@
                       <a:r>
                         <a:rPr lang="en-US" b="1" dirty="0" err="1"/>
                         <a:t>inode</a:t>
+                      </a:r>
+                      <a:r>
+                        <a:rPr lang="en-US" b="1" dirty="0"/>
+                        <a:t/>
                       </a:r>
                       <a:br>
                         <a:rPr lang="en-US" b="1" dirty="0"/>
@@ -35991,6 +38549,10 @@
                         <a:rPr lang="en-US" b="1" dirty="0" err="1"/>
                         <a:t>inode</a:t>
                       </a:r>
+                      <a:r>
+                        <a:rPr lang="en-US" b="1" dirty="0"/>
+                        <a:t/>
+                      </a:r>
                       <a:br>
                         <a:rPr lang="en-US" b="1" dirty="0"/>
                       </a:br>
@@ -36010,6 +38572,10 @@
                       <a:r>
                         <a:rPr lang="en-US" b="1" dirty="0" err="1"/>
                         <a:t>inode</a:t>
+                      </a:r>
+                      <a:r>
+                        <a:rPr lang="en-US" b="1" dirty="0"/>
+                        <a:t/>
                       </a:r>
                       <a:br>
                         <a:rPr lang="en-US" b="1" dirty="0"/>
@@ -37104,301 +39670,13 @@
   <p:clrMapOvr>
     <a:masterClrMapping/>
   </p:clrMapOvr>
-</p:sld>
-</file>
-
-<file path=ppt/slides/slide37.xml><?xml version="1.0" encoding="utf-8"?>
-<p:sld xmlns:a="http://schemas.openxmlformats.org/drawingml/2006/main" xmlns:r="http://schemas.openxmlformats.org/officeDocument/2006/relationships" xmlns:p="http://schemas.openxmlformats.org/presentationml/2006/main">
-  <p:cSld>
-    <p:spTree>
-      <p:nvGrpSpPr>
-        <p:cNvPr id="1" name=""/>
-        <p:cNvGrpSpPr/>
-        <p:nvPr/>
-      </p:nvGrpSpPr>
-      <p:grpSpPr>
-        <a:xfrm>
-          <a:off x="0" y="0"/>
-          <a:ext cx="0" cy="0"/>
-          <a:chOff x="0" y="0"/>
-          <a:chExt cx="0" cy="0"/>
-        </a:xfrm>
-      </p:grpSpPr>
-      <p:graphicFrame>
-        <p:nvGraphicFramePr>
-          <p:cNvPr id="5" name="Table 4"/>
-          <p:cNvGraphicFramePr>
-            <a:graphicFrameLocks noGrp="1"/>
-          </p:cNvGraphicFramePr>
-          <p:nvPr>
-            <p:extLst/>
-          </p:nvPr>
-        </p:nvGraphicFramePr>
-        <p:xfrm>
-          <a:off x="0" y="1"/>
-          <a:ext cx="12192000" cy="365760"/>
-        </p:xfrm>
-        <a:graphic>
-          <a:graphicData uri="http://schemas.openxmlformats.org/drawingml/2006/table">
-            <a:tbl>
-              <a:tblPr firstRow="1" bandRow="1">
-                <a:tableStyleId>{5C22544A-7EE6-4342-B048-85BDC9FD1C3A}</a:tableStyleId>
-              </a:tblPr>
-              <a:tblGrid>
-                <a:gridCol w="12192000">
-                  <a:extLst>
-                    <a:ext uri="{9D8B030D-6E8A-4147-A177-3AD203B41FA5}">
-                      <a16:colId xmlns:a16="http://schemas.microsoft.com/office/drawing/2014/main" val="20000"/>
-                    </a:ext>
-                  </a:extLst>
-                </a:gridCol>
-              </a:tblGrid>
-              <a:tr h="321276">
-                <a:tc>
-                  <a:txBody>
-                    <a:bodyPr/>
-                    <a:lstStyle/>
-                    <a:p>
-                      <a:r>
-                        <a:rPr lang="ru-RU" dirty="0"/>
-                        <a:t>Основы</a:t>
-                      </a:r>
-                      <a:r>
-                        <a:rPr lang="ru-RU" baseline="0" dirty="0"/>
-                        <a:t> построения файловых систем</a:t>
-                      </a:r>
-                      <a:endParaRPr lang="ru-RU" dirty="0"/>
-                    </a:p>
-                  </a:txBody>
-                  <a:tcPr/>
-                </a:tc>
-                <a:extLst>
-                  <a:ext uri="{0D108BD9-81ED-4DB2-BD59-A6C34878D82A}">
-                    <a16:rowId xmlns:a16="http://schemas.microsoft.com/office/drawing/2014/main" val="10000"/>
-                  </a:ext>
-                </a:extLst>
-              </a:tr>
-            </a:tbl>
-          </a:graphicData>
-        </a:graphic>
-      </p:graphicFrame>
-      <p:graphicFrame>
-        <p:nvGraphicFramePr>
-          <p:cNvPr id="6" name="Table 5"/>
-          <p:cNvGraphicFramePr>
-            <a:graphicFrameLocks noGrp="1"/>
-          </p:cNvGraphicFramePr>
-          <p:nvPr>
-            <p:extLst/>
-          </p:nvPr>
-        </p:nvGraphicFramePr>
-        <p:xfrm>
-          <a:off x="0" y="6532604"/>
-          <a:ext cx="12192000" cy="365760"/>
-        </p:xfrm>
-        <a:graphic>
-          <a:graphicData uri="http://schemas.openxmlformats.org/drawingml/2006/table">
-            <a:tbl>
-              <a:tblPr firstRow="1" bandRow="1">
-                <a:tableStyleId>{5C22544A-7EE6-4342-B048-85BDC9FD1C3A}</a:tableStyleId>
-              </a:tblPr>
-              <a:tblGrid>
-                <a:gridCol w="12192000">
-                  <a:extLst>
-                    <a:ext uri="{9D8B030D-6E8A-4147-A177-3AD203B41FA5}">
-                      <a16:colId xmlns:a16="http://schemas.microsoft.com/office/drawing/2014/main" val="20000"/>
-                    </a:ext>
-                  </a:extLst>
-                </a:gridCol>
-              </a:tblGrid>
-              <a:tr h="308094">
-                <a:tc>
-                  <a:txBody>
-                    <a:bodyPr/>
-                    <a:lstStyle/>
-                    <a:p>
-                      <a:r>
-                        <a:rPr lang="en-US" dirty="0"/>
-                        <a:t>Acronis @ </a:t>
-                      </a:r>
-                      <a:r>
-                        <a:rPr lang="ru-RU" dirty="0"/>
-                        <a:t>МФТИ</a:t>
-                      </a:r>
-                    </a:p>
-                  </a:txBody>
-                  <a:tcPr/>
-                </a:tc>
-                <a:extLst>
-                  <a:ext uri="{0D108BD9-81ED-4DB2-BD59-A6C34878D82A}">
-                    <a16:rowId xmlns:a16="http://schemas.microsoft.com/office/drawing/2014/main" val="10000"/>
-                  </a:ext>
-                </a:extLst>
-              </a:tr>
-            </a:tbl>
-          </a:graphicData>
-        </a:graphic>
-      </p:graphicFrame>
-      <p:graphicFrame>
-        <p:nvGraphicFramePr>
-          <p:cNvPr id="2" name="Table 1"/>
-          <p:cNvGraphicFramePr>
-            <a:graphicFrameLocks noGrp="1"/>
-          </p:cNvGraphicFramePr>
-          <p:nvPr>
-            <p:extLst/>
-          </p:nvPr>
-        </p:nvGraphicFramePr>
-        <p:xfrm>
-          <a:off x="0" y="365762"/>
-          <a:ext cx="12192000" cy="1920240"/>
-        </p:xfrm>
-        <a:graphic>
-          <a:graphicData uri="http://schemas.openxmlformats.org/drawingml/2006/table">
-            <a:tbl>
-              <a:tblPr firstRow="1" bandRow="1">
-                <a:tableStyleId>{3B4B98B0-60AC-42C2-AFA5-B58CD77FA1E5}</a:tableStyleId>
-              </a:tblPr>
-              <a:tblGrid>
-                <a:gridCol w="12192000">
-                  <a:extLst>
-                    <a:ext uri="{9D8B030D-6E8A-4147-A177-3AD203B41FA5}">
-                      <a16:colId xmlns:a16="http://schemas.microsoft.com/office/drawing/2014/main" val="20000"/>
-                    </a:ext>
-                  </a:extLst>
-                </a:gridCol>
-              </a:tblGrid>
-              <a:tr h="0">
-                <a:tc>
-                  <a:txBody>
-                    <a:bodyPr/>
-                    <a:lstStyle/>
-                    <a:p>
-                      <a:r>
-                        <a:rPr lang="en-US" sz="2400" dirty="0" err="1"/>
-                        <a:t>Compat</a:t>
-                      </a:r>
-                      <a:r>
-                        <a:rPr lang="en-US" sz="2400" dirty="0"/>
-                        <a:t>, </a:t>
-                      </a:r>
-                      <a:r>
-                        <a:rPr lang="en-US" sz="2400" dirty="0" err="1"/>
-                        <a:t>ro-compat</a:t>
-                      </a:r>
-                      <a:r>
-                        <a:rPr lang="en-US" sz="2400" dirty="0"/>
-                        <a:t>, </a:t>
-                      </a:r>
-                      <a:r>
-                        <a:rPr lang="en-US" sz="2400" dirty="0" err="1"/>
-                        <a:t>incompat</a:t>
-                      </a:r>
-                      <a:r>
-                        <a:rPr lang="en-US" sz="2400" dirty="0"/>
-                        <a:t> features</a:t>
-                      </a:r>
-                      <a:endParaRPr lang="ru-RU" sz="2400" dirty="0"/>
-                    </a:p>
-                  </a:txBody>
-                  <a:tcPr/>
-                </a:tc>
-                <a:extLst>
-                  <a:ext uri="{0D108BD9-81ED-4DB2-BD59-A6C34878D82A}">
-                    <a16:rowId xmlns:a16="http://schemas.microsoft.com/office/drawing/2014/main" val="10000"/>
-                  </a:ext>
-                </a:extLst>
-              </a:tr>
-              <a:tr h="0">
-                <a:tc>
-                  <a:txBody>
-                    <a:bodyPr/>
-                    <a:lstStyle/>
-                    <a:p>
-                      <a:r>
-                        <a:rPr lang="en-US" dirty="0" err="1"/>
-                        <a:t>Compat</a:t>
-                      </a:r>
-                      <a:r>
-                        <a:rPr lang="en-US" baseline="0" dirty="0"/>
-                        <a:t> features: </a:t>
-                      </a:r>
-                      <a:r>
-                        <a:rPr lang="ru-RU" baseline="0" dirty="0"/>
-                        <a:t>старые реализации </a:t>
-                      </a:r>
-                      <a:r>
-                        <a:rPr lang="en-US" baseline="0" dirty="0"/>
-                        <a:t>ext2 </a:t>
-                      </a:r>
-                      <a:r>
-                        <a:rPr lang="ru-RU" baseline="0" dirty="0"/>
-                        <a:t>могут и читать, и писать на такую файловую систему.</a:t>
-                      </a:r>
-                      <a:endParaRPr lang="en-US" baseline="0" dirty="0"/>
-                    </a:p>
-                    <a:p>
-                      <a:endParaRPr lang="en-US" baseline="0" dirty="0"/>
-                    </a:p>
-                    <a:p>
-                      <a:r>
-                        <a:rPr lang="en-US" baseline="0" dirty="0"/>
-                        <a:t>RO-</a:t>
-                      </a:r>
-                      <a:r>
-                        <a:rPr lang="en-US" baseline="0" dirty="0" err="1"/>
-                        <a:t>compat</a:t>
-                      </a:r>
-                      <a:r>
-                        <a:rPr lang="en-US" baseline="0" dirty="0"/>
-                        <a:t> features: </a:t>
-                      </a:r>
-                      <a:r>
-                        <a:rPr lang="ru-RU" baseline="0" dirty="0"/>
-                        <a:t>старые реализации могут корректно читать такую ФС, но писать в неё уже нет.</a:t>
-                      </a:r>
-                    </a:p>
-                    <a:p>
-                      <a:endParaRPr lang="ru-RU" baseline="0" dirty="0"/>
-                    </a:p>
-                    <a:p>
-                      <a:r>
-                        <a:rPr lang="en-US" baseline="0" dirty="0" err="1"/>
-                        <a:t>Incompat</a:t>
-                      </a:r>
-                      <a:r>
-                        <a:rPr lang="en-US" baseline="0" dirty="0"/>
-                        <a:t> features: </a:t>
-                      </a:r>
-                      <a:r>
-                        <a:rPr lang="ru-RU" baseline="0" dirty="0"/>
-                        <a:t>старые реализации не могут смонтировать такую ФС.</a:t>
-                      </a:r>
-                      <a:endParaRPr lang="en-US" dirty="0"/>
-                    </a:p>
-                  </a:txBody>
-                  <a:tcPr/>
-                </a:tc>
-                <a:extLst>
-                  <a:ext uri="{0D108BD9-81ED-4DB2-BD59-A6C34878D82A}">
-                    <a16:rowId xmlns:a16="http://schemas.microsoft.com/office/drawing/2014/main" val="10001"/>
-                  </a:ext>
-                </a:extLst>
-              </a:tr>
-            </a:tbl>
-          </a:graphicData>
-        </a:graphic>
-      </p:graphicFrame>
-    </p:spTree>
-    <p:extLst>
-      <p:ext uri="{BB962C8B-B14F-4D97-AF65-F5344CB8AC3E}">
-        <p14:creationId xmlns:p14="http://schemas.microsoft.com/office/powerpoint/2010/main" val="374581370"/>
-      </p:ext>
-    </p:extLst>
-  </p:cSld>
-  <p:clrMapOvr>
-    <a:masterClrMapping/>
-  </p:clrMapOvr>
+  <p:timing>
+    <p:tnLst>
+      <p:par>
+        <p:cTn id="1" dur="indefinite" restart="never" nodeType="tmRoot"/>
+      </p:par>
+    </p:tnLst>
+  </p:timing>
 </p:sld>
 </file>
 
@@ -37541,16 +39819,12 @@
             <a:graphicFrameLocks noGrp="1"/>
           </p:cNvGraphicFramePr>
           <p:nvPr>
-            <p:extLst>
-              <p:ext uri="{D42A27DB-BD31-4B8C-83A1-F6EECF244321}">
-                <p14:modId xmlns:p14="http://schemas.microsoft.com/office/powerpoint/2010/main" val="842249320"/>
-              </p:ext>
-            </p:extLst>
+            <p:extLst/>
           </p:nvPr>
         </p:nvGraphicFramePr>
         <p:xfrm>
           <a:off x="0" y="365762"/>
-          <a:ext cx="12192000" cy="3383280"/>
+          <a:ext cx="12192000" cy="1920240"/>
         </p:xfrm>
         <a:graphic>
           <a:graphicData uri="http://schemas.openxmlformats.org/drawingml/2006/table">
@@ -37684,58 +39958,6 @@
                   </a:ext>
                 </a:extLst>
               </a:tr>
-              <a:tr h="0">
-                <a:tc>
-                  <a:txBody>
-                    <a:bodyPr/>
-                    <a:lstStyle/>
-                    <a:p>
-                      <a:endParaRPr lang="en-US" dirty="0"/>
-                    </a:p>
-                    <a:p>
-                      <a:r>
-                        <a:rPr lang="en-US" dirty="0" err="1"/>
-                        <a:t>Compat</a:t>
-                      </a:r>
-                      <a:r>
-                        <a:rPr lang="en-US" dirty="0"/>
-                        <a:t>-discard features</a:t>
-                      </a:r>
-                      <a:r>
-                        <a:rPr lang="en-US" baseline="0" dirty="0"/>
-                        <a:t> (QCOW2): </a:t>
-                      </a:r>
-                      <a:r>
-                        <a:rPr lang="ru-RU" baseline="0" dirty="0"/>
-                        <a:t>старые реализации могут и читать, и писать, но должны обнулить указатели на структуры, которые они не поддерживают.</a:t>
-                      </a:r>
-                    </a:p>
-                    <a:p>
-                      <a:endParaRPr lang="ru-RU" baseline="0" dirty="0"/>
-                    </a:p>
-                    <a:p>
-                      <a:r>
-                        <a:rPr lang="ru-RU" b="1" baseline="0" dirty="0"/>
-                        <a:t>Пример:</a:t>
-                      </a:r>
-                      <a:r>
-                        <a:rPr lang="ru-RU" baseline="0" dirty="0"/>
-                        <a:t> </a:t>
-                      </a:r>
-                      <a:r>
-                        <a:rPr lang="en-US" baseline="0" dirty="0"/>
-                        <a:t>CBT map (Changed Block Tracking map).</a:t>
-                      </a:r>
-                    </a:p>
-                  </a:txBody>
-                  <a:tcPr/>
-                </a:tc>
-                <a:extLst>
-                  <a:ext uri="{0D108BD9-81ED-4DB2-BD59-A6C34878D82A}">
-                    <a16:rowId xmlns:a16="http://schemas.microsoft.com/office/drawing/2014/main" val="10002"/>
-                  </a:ext>
-                </a:extLst>
-              </a:tr>
             </a:tbl>
           </a:graphicData>
         </a:graphic>
@@ -37743,13 +39965,20 @@
     </p:spTree>
     <p:extLst>
       <p:ext uri="{BB962C8B-B14F-4D97-AF65-F5344CB8AC3E}">
-        <p14:creationId xmlns:p14="http://schemas.microsoft.com/office/powerpoint/2010/main" val="4252637324"/>
+        <p14:creationId xmlns:p14="http://schemas.microsoft.com/office/powerpoint/2010/main" val="374581370"/>
       </p:ext>
     </p:extLst>
   </p:cSld>
   <p:clrMapOvr>
     <a:masterClrMapping/>
   </p:clrMapOvr>
+  <p:timing>
+    <p:tnLst>
+      <p:par>
+        <p:cTn id="1" dur="indefinite" restart="never" nodeType="tmRoot"/>
+      </p:par>
+    </p:tnLst>
+  </p:timing>
 </p:sld>
 </file>
 
@@ -37894,14 +40123,14 @@
           <p:nvPr>
             <p:extLst>
               <p:ext uri="{D42A27DB-BD31-4B8C-83A1-F6EECF244321}">
-                <p14:modId xmlns:p14="http://schemas.microsoft.com/office/powerpoint/2010/main" val="63366330"/>
+                <p14:modId xmlns:p14="http://schemas.microsoft.com/office/powerpoint/2010/main" val="842249320"/>
               </p:ext>
             </p:extLst>
           </p:nvPr>
         </p:nvGraphicFramePr>
         <p:xfrm>
           <a:off x="0" y="365762"/>
-          <a:ext cx="12192000" cy="1920240"/>
+          <a:ext cx="12192000" cy="3383280"/>
         </p:xfrm>
         <a:graphic>
           <a:graphicData uri="http://schemas.openxmlformats.org/drawingml/2006/table">
@@ -37966,12 +40195,12 @@
                     <a:lstStyle/>
                     <a:p>
                       <a:r>
-                        <a:rPr lang="en-US" dirty="0"/>
-                        <a:t>Compat features:</a:t>
-                      </a:r>
-                      <a:r>
-                        <a:rPr lang="ru-RU" dirty="0"/>
-                        <a:t> </a:t>
+                        <a:rPr lang="en-US" dirty="0" err="1"/>
+                        <a:t>Compat</a:t>
+                      </a:r>
+                      <a:r>
+                        <a:rPr lang="en-US" baseline="0" dirty="0"/>
+                        <a:t> features: </a:t>
                       </a:r>
                       <a:r>
                         <a:rPr lang="ru-RU" baseline="0" dirty="0"/>
@@ -37985,47 +40214,46 @@
                         <a:rPr lang="ru-RU" baseline="0" dirty="0"/>
                         <a:t>могут и читать, и писать на такую файловую систему.</a:t>
                       </a:r>
+                      <a:endParaRPr lang="en-US" baseline="0" dirty="0"/>
+                    </a:p>
+                    <a:p>
+                      <a:endParaRPr lang="en-US" baseline="0" dirty="0"/>
+                    </a:p>
+                    <a:p>
+                      <a:r>
+                        <a:rPr lang="en-US" baseline="0" dirty="0"/>
+                        <a:t>RO-</a:t>
+                      </a:r>
+                      <a:r>
+                        <a:rPr lang="en-US" baseline="0" dirty="0" err="1"/>
+                        <a:t>compat</a:t>
+                      </a:r>
+                      <a:r>
+                        <a:rPr lang="en-US" baseline="0" dirty="0"/>
+                        <a:t> features: </a:t>
+                      </a:r>
+                      <a:r>
+                        <a:rPr lang="ru-RU" baseline="0" dirty="0"/>
+                        <a:t>старые реализации могут корректно читать такую ФС, но писать в неё уже нет.</a:t>
+                      </a:r>
+                    </a:p>
+                    <a:p>
+                      <a:endParaRPr lang="ru-RU" baseline="0" dirty="0"/>
+                    </a:p>
+                    <a:p>
+                      <a:r>
+                        <a:rPr lang="en-US" baseline="0" dirty="0" err="1"/>
+                        <a:t>Incompat</a:t>
+                      </a:r>
+                      <a:r>
+                        <a:rPr lang="en-US" baseline="0" dirty="0"/>
+                        <a:t> features: </a:t>
+                      </a:r>
+                      <a:r>
+                        <a:rPr lang="ru-RU" baseline="0" dirty="0"/>
+                        <a:t>старые реализации не могут смонтировать такую ФС.</a:t>
+                      </a:r>
                       <a:endParaRPr lang="en-US" dirty="0"/>
-                    </a:p>
-                    <a:p>
-                      <a:pPr marL="285750" indent="-285750">
-                        <a:buFont typeface="Arial" panose="020B0604020202020204" pitchFamily="34" charset="0"/>
-                        <a:buChar char="•"/>
-                      </a:pPr>
-                      <a:r>
-                        <a:rPr lang="en-US" dirty="0"/>
-                        <a:t>EXT4_FEATURE_COMPAT_DIR_PREALLOC</a:t>
-                      </a:r>
-                    </a:p>
-                    <a:p>
-                      <a:pPr marL="285750" indent="-285750">
-                        <a:buFont typeface="Arial" panose="020B0604020202020204" pitchFamily="34" charset="0"/>
-                        <a:buChar char="•"/>
-                      </a:pPr>
-                      <a:r>
-                        <a:rPr lang="en-US" dirty="0"/>
-                        <a:t>EXT4_FEATURE_COMPAT_HAS_JOURNAL</a:t>
-                      </a:r>
-                    </a:p>
-                    <a:p>
-                      <a:pPr marL="285750" indent="-285750">
-                        <a:buFont typeface="Arial" panose="020B0604020202020204" pitchFamily="34" charset="0"/>
-                        <a:buChar char="•"/>
-                      </a:pPr>
-                      <a:r>
-                        <a:rPr lang="en-US" dirty="0"/>
-                        <a:t>EXT4_FEATURE_COMPAT_EXT_ATTR</a:t>
-                      </a:r>
-                    </a:p>
-                    <a:p>
-                      <a:pPr marL="285750" indent="-285750">
-                        <a:buFont typeface="Arial" panose="020B0604020202020204" pitchFamily="34" charset="0"/>
-                        <a:buChar char="•"/>
-                      </a:pPr>
-                      <a:r>
-                        <a:rPr lang="en-US" dirty="0"/>
-                        <a:t>EXT4_FEATURE_COMPAT_DIR_INDEX (hash directories)</a:t>
-                      </a:r>
                     </a:p>
                   </a:txBody>
                   <a:tcPr/>
@@ -38033,6 +40261,58 @@
                 <a:extLst>
                   <a:ext uri="{0D108BD9-81ED-4DB2-BD59-A6C34878D82A}">
                     <a16:rowId xmlns:a16="http://schemas.microsoft.com/office/drawing/2014/main" val="10001"/>
+                  </a:ext>
+                </a:extLst>
+              </a:tr>
+              <a:tr h="0">
+                <a:tc>
+                  <a:txBody>
+                    <a:bodyPr/>
+                    <a:lstStyle/>
+                    <a:p>
+                      <a:endParaRPr lang="en-US" dirty="0"/>
+                    </a:p>
+                    <a:p>
+                      <a:r>
+                        <a:rPr lang="en-US" dirty="0" err="1"/>
+                        <a:t>Compat</a:t>
+                      </a:r>
+                      <a:r>
+                        <a:rPr lang="en-US" dirty="0"/>
+                        <a:t>-discard features</a:t>
+                      </a:r>
+                      <a:r>
+                        <a:rPr lang="en-US" baseline="0" dirty="0"/>
+                        <a:t> (QCOW2): </a:t>
+                      </a:r>
+                      <a:r>
+                        <a:rPr lang="ru-RU" baseline="0" dirty="0"/>
+                        <a:t>старые реализации могут и читать, и писать, но должны обнулить указатели на структуры, которые они не поддерживают.</a:t>
+                      </a:r>
+                    </a:p>
+                    <a:p>
+                      <a:endParaRPr lang="ru-RU" baseline="0" dirty="0"/>
+                    </a:p>
+                    <a:p>
+                      <a:r>
+                        <a:rPr lang="ru-RU" b="1" baseline="0" dirty="0"/>
+                        <a:t>Пример:</a:t>
+                      </a:r>
+                      <a:r>
+                        <a:rPr lang="ru-RU" baseline="0" dirty="0"/>
+                        <a:t> </a:t>
+                      </a:r>
+                      <a:r>
+                        <a:rPr lang="en-US" baseline="0" dirty="0"/>
+                        <a:t>CBT map (Changed Block Tracking map).</a:t>
+                      </a:r>
+                    </a:p>
+                  </a:txBody>
+                  <a:tcPr/>
+                </a:tc>
+                <a:extLst>
+                  <a:ext uri="{0D108BD9-81ED-4DB2-BD59-A6C34878D82A}">
+                    <a16:rowId xmlns:a16="http://schemas.microsoft.com/office/drawing/2014/main" val="10002"/>
                   </a:ext>
                 </a:extLst>
               </a:tr>
@@ -38043,13 +40323,20 @@
     </p:spTree>
     <p:extLst>
       <p:ext uri="{BB962C8B-B14F-4D97-AF65-F5344CB8AC3E}">
-        <p14:creationId xmlns:p14="http://schemas.microsoft.com/office/powerpoint/2010/main" val="4158027989"/>
+        <p14:creationId xmlns:p14="http://schemas.microsoft.com/office/powerpoint/2010/main" val="4252637324"/>
       </p:ext>
     </p:extLst>
   </p:cSld>
   <p:clrMapOvr>
     <a:masterClrMapping/>
   </p:clrMapOvr>
+  <p:timing>
+    <p:tnLst>
+      <p:par>
+        <p:cTn id="1" dur="indefinite" restart="never" nodeType="tmRoot"/>
+      </p:par>
+    </p:tnLst>
+  </p:timing>
 </p:sld>
 </file>
 
@@ -38340,6 +40627,10 @@
                       <a:br>
                         <a:rPr lang="en-US" baseline="0" dirty="0"/>
                       </a:br>
+                      <a:r>
+                        <a:rPr lang="en-US" baseline="0" dirty="0"/>
+                        <a:t/>
+                      </a:r>
                       <a:br>
                         <a:rPr lang="en-US" baseline="0" dirty="0"/>
                       </a:br>
@@ -38373,6 +40664,10 @@
                       <a:br>
                         <a:rPr lang="en-US" dirty="0"/>
                       </a:br>
+                      <a:r>
+                        <a:rPr lang="en-US" dirty="0"/>
+                        <a:t/>
+                      </a:r>
                       <a:br>
                         <a:rPr lang="en-US" dirty="0"/>
                       </a:br>
@@ -38632,6 +40927,13 @@
   <p:clrMapOvr>
     <a:masterClrMapping/>
   </p:clrMapOvr>
+  <p:timing>
+    <p:tnLst>
+      <p:par>
+        <p:cTn id="1" dur="indefinite" restart="never" nodeType="tmRoot"/>
+      </p:par>
+    </p:tnLst>
+  </p:timing>
 </p:sld>
 </file>
 
@@ -38776,14 +41078,14 @@
           <p:nvPr>
             <p:extLst>
               <p:ext uri="{D42A27DB-BD31-4B8C-83A1-F6EECF244321}">
-                <p14:modId xmlns:p14="http://schemas.microsoft.com/office/powerpoint/2010/main" val="1281649589"/>
+                <p14:modId xmlns:p14="http://schemas.microsoft.com/office/powerpoint/2010/main" val="63366330"/>
               </p:ext>
             </p:extLst>
           </p:nvPr>
         </p:nvGraphicFramePr>
         <p:xfrm>
           <a:off x="0" y="365762"/>
-          <a:ext cx="12192000" cy="3291840"/>
+          <a:ext cx="12192000" cy="1920240"/>
         </p:xfrm>
         <a:graphic>
           <a:graphicData uri="http://schemas.openxmlformats.org/drawingml/2006/table">
@@ -38848,12 +41150,8 @@
                     <a:lstStyle/>
                     <a:p>
                       <a:r>
-                        <a:rPr lang="en-US" dirty="0" err="1"/>
-                        <a:t>Compat</a:t>
-                      </a:r>
-                      <a:r>
                         <a:rPr lang="en-US" dirty="0"/>
-                        <a:t> features:</a:t>
+                        <a:t>Compat features:</a:t>
                       </a:r>
                       <a:r>
                         <a:rPr lang="ru-RU" dirty="0"/>
@@ -38911,83 +41209,6 @@
                       <a:r>
                         <a:rPr lang="en-US" dirty="0"/>
                         <a:t>EXT4_FEATURE_COMPAT_DIR_INDEX (hash directories)</a:t>
-                      </a:r>
-                    </a:p>
-                    <a:p>
-                      <a:pPr marL="285750" indent="-285750">
-                        <a:buFont typeface="Arial" panose="020B0604020202020204" pitchFamily="34" charset="0"/>
-                        <a:buChar char="•"/>
-                      </a:pPr>
-                      <a:endParaRPr lang="en-US" dirty="0"/>
-                    </a:p>
-                    <a:p>
-                      <a:pPr marL="0" marR="0" indent="0" algn="l" defTabSz="914400" rtl="0" eaLnBrk="1" fontAlgn="auto" latinLnBrk="0" hangingPunct="1">
-                        <a:lnSpc>
-                          <a:spcPct val="100000"/>
-                        </a:lnSpc>
-                        <a:spcBef>
-                          <a:spcPts val="0"/>
-                        </a:spcBef>
-                        <a:spcAft>
-                          <a:spcPts val="0"/>
-                        </a:spcAft>
-                        <a:buClrTx/>
-                        <a:buSzTx/>
-                        <a:buFont typeface="Arial" panose="020B0604020202020204" pitchFamily="34" charset="0"/>
-                        <a:buNone/>
-                        <a:tabLst/>
-                        <a:defRPr/>
-                      </a:pPr>
-                      <a:r>
-                        <a:rPr lang="en-US" dirty="0"/>
-                        <a:t>Ro-</a:t>
-                      </a:r>
-                      <a:r>
-                        <a:rPr lang="en-US" dirty="0" err="1"/>
-                        <a:t>compat</a:t>
-                      </a:r>
-                      <a:r>
-                        <a:rPr lang="en-US" dirty="0"/>
-                        <a:t> features:</a:t>
-                      </a:r>
-                      <a:r>
-                        <a:rPr lang="ru-RU" dirty="0"/>
-                        <a:t> </a:t>
-                      </a:r>
-                      <a:r>
-                        <a:rPr lang="ru-RU" baseline="0" dirty="0"/>
-                        <a:t>старые реализации могут корректно читать такую ФС, но писать в неё уже нет.</a:t>
-                      </a:r>
-                      <a:endParaRPr lang="en-US" dirty="0"/>
-                    </a:p>
-                    <a:p>
-                      <a:pPr marL="285750" indent="-285750">
-                        <a:buFont typeface="Arial" panose="020B0604020202020204" pitchFamily="34" charset="0"/>
-                        <a:buChar char="•"/>
-                      </a:pPr>
-                      <a:r>
-                        <a:rPr lang="en-US" dirty="0"/>
-                        <a:t>EXT4_FEATURE_RO_COMPAT_SPARSE_SUPER</a:t>
-                      </a:r>
-                    </a:p>
-                    <a:p>
-                      <a:pPr marL="285750" indent="-285750">
-                        <a:buFont typeface="Arial" panose="020B0604020202020204" pitchFamily="34" charset="0"/>
-                        <a:buChar char="•"/>
-                      </a:pPr>
-                      <a:r>
-                        <a:rPr lang="en-US" dirty="0"/>
-                        <a:t>EXT4_FEATURE_RO_COMPAT_HUGE_FILE</a:t>
-                      </a:r>
-                    </a:p>
-                    <a:p>
-                      <a:pPr marL="285750" indent="-285750">
-                        <a:buFont typeface="Arial" panose="020B0604020202020204" pitchFamily="34" charset="0"/>
-                        <a:buChar char="•"/>
-                      </a:pPr>
-                      <a:r>
-                        <a:rPr lang="en-US" dirty="0"/>
-                        <a:t>EXT4_FEATURE_RO_COMPAT_QUOTA</a:t>
                       </a:r>
                     </a:p>
                   </a:txBody>
@@ -39006,13 +41227,20 @@
     </p:spTree>
     <p:extLst>
       <p:ext uri="{BB962C8B-B14F-4D97-AF65-F5344CB8AC3E}">
-        <p14:creationId xmlns:p14="http://schemas.microsoft.com/office/powerpoint/2010/main" val="3369271790"/>
+        <p14:creationId xmlns:p14="http://schemas.microsoft.com/office/powerpoint/2010/main" val="4158027989"/>
       </p:ext>
     </p:extLst>
   </p:cSld>
   <p:clrMapOvr>
     <a:masterClrMapping/>
   </p:clrMapOvr>
+  <p:timing>
+    <p:tnLst>
+      <p:par>
+        <p:cTn id="1" dur="indefinite" restart="never" nodeType="tmRoot"/>
+      </p:par>
+    </p:tnLst>
+  </p:timing>
 </p:sld>
 </file>
 
@@ -39157,14 +41385,14 @@
           <p:nvPr>
             <p:extLst>
               <p:ext uri="{D42A27DB-BD31-4B8C-83A1-F6EECF244321}">
-                <p14:modId xmlns:p14="http://schemas.microsoft.com/office/powerpoint/2010/main" val="1260236965"/>
+                <p14:modId xmlns:p14="http://schemas.microsoft.com/office/powerpoint/2010/main" val="1281649589"/>
               </p:ext>
             </p:extLst>
           </p:nvPr>
         </p:nvGraphicFramePr>
         <p:xfrm>
           <a:off x="0" y="365762"/>
-          <a:ext cx="12192000" cy="5212080"/>
+          <a:ext cx="12192000" cy="3291840"/>
         </p:xfrm>
         <a:graphic>
           <a:graphicData uri="http://schemas.openxmlformats.org/drawingml/2006/table">
@@ -39371,86 +41599,6 @@
                         <a:t>EXT4_FEATURE_RO_COMPAT_QUOTA</a:t>
                       </a:r>
                     </a:p>
-                    <a:p>
-                      <a:pPr marL="285750" indent="-285750">
-                        <a:buFont typeface="Arial" panose="020B0604020202020204" pitchFamily="34" charset="0"/>
-                        <a:buChar char="•"/>
-                      </a:pPr>
-                      <a:endParaRPr lang="en-US" dirty="0"/>
-                    </a:p>
-                    <a:p>
-                      <a:pPr marL="0" indent="0">
-                        <a:buFont typeface="Arial" panose="020B0604020202020204" pitchFamily="34" charset="0"/>
-                        <a:buNone/>
-                      </a:pPr>
-                      <a:r>
-                        <a:rPr lang="en-US" dirty="0" err="1"/>
-                        <a:t>Incompat</a:t>
-                      </a:r>
-                      <a:r>
-                        <a:rPr lang="en-US" dirty="0"/>
-                        <a:t> features:</a:t>
-                      </a:r>
-                      <a:r>
-                        <a:rPr lang="ru-RU" dirty="0"/>
-                        <a:t> </a:t>
-                      </a:r>
-                      <a:r>
-                        <a:rPr lang="ru-RU" baseline="0" dirty="0"/>
-                        <a:t>старые реализации не могут смонтировать такую ФС.</a:t>
-                      </a:r>
-                      <a:endParaRPr lang="en-US" dirty="0"/>
-                    </a:p>
-                    <a:p>
-                      <a:pPr marL="285750" indent="-285750">
-                        <a:buFont typeface="Arial" panose="020B0604020202020204" pitchFamily="34" charset="0"/>
-                        <a:buChar char="•"/>
-                      </a:pPr>
-                      <a:r>
-                        <a:rPr lang="en-US" dirty="0"/>
-                        <a:t>EXT4_FEATURE_INCOMPAT_COMPRESSION</a:t>
-                      </a:r>
-                    </a:p>
-                    <a:p>
-                      <a:pPr marL="285750" indent="-285750">
-                        <a:buFont typeface="Arial" panose="020B0604020202020204" pitchFamily="34" charset="0"/>
-                        <a:buChar char="•"/>
-                      </a:pPr>
-                      <a:r>
-                        <a:rPr lang="en-US" dirty="0"/>
-                        <a:t>EXT4_FEATURE_INCOMPAT_JOURNAL_DEV</a:t>
-                      </a:r>
-                    </a:p>
-                    <a:p>
-                      <a:pPr marL="285750" indent="-285750">
-                        <a:buFont typeface="Arial" panose="020B0604020202020204" pitchFamily="34" charset="0"/>
-                        <a:buChar char="•"/>
-                      </a:pPr>
-                      <a:r>
-                        <a:rPr lang="en-US" dirty="0"/>
-                        <a:t>EXT4_FEATURE_INCOMPAT_EXTENTS</a:t>
-                      </a:r>
-                    </a:p>
-                    <a:p>
-                      <a:pPr marL="285750" indent="-285750">
-                        <a:buFont typeface="Arial" panose="020B0604020202020204" pitchFamily="34" charset="0"/>
-                        <a:buChar char="•"/>
-                      </a:pPr>
-                      <a:r>
-                        <a:rPr lang="en-US" dirty="0"/>
-                        <a:t>EXT4_FEATURE_INCOMPAT_INLINE_DATA</a:t>
-                      </a:r>
-                    </a:p>
-                    <a:p>
-                      <a:pPr marL="285750" indent="-285750">
-                        <a:buFont typeface="Arial" panose="020B0604020202020204" pitchFamily="34" charset="0"/>
-                        <a:buChar char="•"/>
-                      </a:pPr>
-                      <a:r>
-                        <a:rPr lang="en-US" dirty="0"/>
-                        <a:t>EXT4_FEATURE_INCOMPAT_ENCRYPT</a:t>
-                      </a:r>
-                    </a:p>
                   </a:txBody>
                   <a:tcPr/>
                 </a:tc>
@@ -39467,13 +41615,20 @@
     </p:spTree>
     <p:extLst>
       <p:ext uri="{BB962C8B-B14F-4D97-AF65-F5344CB8AC3E}">
-        <p14:creationId xmlns:p14="http://schemas.microsoft.com/office/powerpoint/2010/main" val="3658423966"/>
+        <p14:creationId xmlns:p14="http://schemas.microsoft.com/office/powerpoint/2010/main" val="3369271790"/>
       </p:ext>
     </p:extLst>
   </p:cSld>
   <p:clrMapOvr>
     <a:masterClrMapping/>
   </p:clrMapOvr>
+  <p:timing>
+    <p:tnLst>
+      <p:par>
+        <p:cTn id="1" dur="indefinite" restart="never" nodeType="tmRoot"/>
+      </p:par>
+    </p:tnLst>
+  </p:timing>
 </p:sld>
 </file>
 
@@ -39616,12 +41771,16 @@
             <a:graphicFrameLocks noGrp="1"/>
           </p:cNvGraphicFramePr>
           <p:nvPr>
-            <p:extLst/>
+            <p:extLst>
+              <p:ext uri="{D42A27DB-BD31-4B8C-83A1-F6EECF244321}">
+                <p14:modId xmlns:p14="http://schemas.microsoft.com/office/powerpoint/2010/main" val="1260236965"/>
+              </p:ext>
+            </p:extLst>
           </p:nvPr>
         </p:nvGraphicFramePr>
         <p:xfrm>
-          <a:off x="0" y="365761"/>
-          <a:ext cx="12192000" cy="6035040"/>
+          <a:off x="0" y="365762"/>
+          <a:ext cx="12192000" cy="5212080"/>
         </p:xfrm>
         <a:graphic>
           <a:graphicData uri="http://schemas.openxmlformats.org/drawingml/2006/table">
@@ -39638,55 +41797,35 @@
                   </a:extLst>
                 </a:gridCol>
               </a:tblGrid>
-              <a:tr h="143732">
-                <a:tc>
-                  <a:txBody>
-                    <a:bodyPr/>
-                    <a:lstStyle/>
-                    <a:p>
-                      <a:r>
-                        <a:rPr lang="ru-RU" sz="2400" dirty="0"/>
-                        <a:t>Пример </a:t>
+              <a:tr h="0">
+                <a:tc>
+                  <a:txBody>
+                    <a:bodyPr/>
+                    <a:lstStyle/>
+                    <a:p>
+                      <a:r>
+                        <a:rPr lang="en-US" sz="2400" dirty="0" err="1"/>
+                        <a:t>Compat</a:t>
                       </a:r>
                       <a:r>
                         <a:rPr lang="en-US" sz="2400" dirty="0"/>
-                        <a:t>(</a:t>
-                      </a:r>
-                      <a:r>
-                        <a:rPr lang="ru-RU" sz="2400" dirty="0"/>
-                        <a:t>почти) </a:t>
+                        <a:t>, </a:t>
                       </a:r>
                       <a:r>
                         <a:rPr lang="en-US" sz="2400" dirty="0" err="1"/>
-                        <a:t>compat</a:t>
+                        <a:t>ro-compat</a:t>
                       </a:r>
                       <a:r>
                         <a:rPr lang="en-US" sz="2400" dirty="0"/>
-                        <a:t> feature: 32-</a:t>
-                      </a:r>
-                      <a:r>
-                        <a:rPr lang="ru-RU" sz="2400" dirty="0"/>
-                        <a:t>битные </a:t>
+                        <a:t>, </a:t>
+                      </a:r>
+                      <a:r>
+                        <a:rPr lang="en-US" sz="2400" dirty="0" err="1"/>
+                        <a:t>incompat</a:t>
                       </a:r>
                       <a:r>
                         <a:rPr lang="en-US" sz="2400" dirty="0"/>
-                        <a:t>UID </a:t>
-                      </a:r>
-                      <a:r>
-                        <a:rPr lang="ru-RU" sz="2400" dirty="0"/>
-                        <a:t>и</a:t>
-                      </a:r>
-                      <a:r>
-                        <a:rPr lang="ru-RU" sz="2400" baseline="0" dirty="0"/>
-                        <a:t> </a:t>
-                      </a:r>
-                      <a:r>
-                        <a:rPr lang="en-US" sz="2400" baseline="0" dirty="0"/>
-                        <a:t>GID </a:t>
-                      </a:r>
-                      <a:r>
-                        <a:rPr lang="ru-RU" sz="2400" baseline="0" dirty="0"/>
-                        <a:t>владельца</a:t>
+                        <a:t> features</a:t>
                       </a:r>
                       <a:endParaRPr lang="ru-RU" sz="2400" dirty="0"/>
                     </a:p>
@@ -39706,98 +41845,227 @@
                     <a:lstStyle/>
                     <a:p>
                       <a:r>
+                        <a:rPr lang="en-US" dirty="0" err="1"/>
+                        <a:t>Compat</a:t>
+                      </a:r>
+                      <a:r>
+                        <a:rPr lang="en-US" dirty="0"/>
+                        <a:t> features:</a:t>
+                      </a:r>
+                      <a:r>
                         <a:rPr lang="ru-RU" dirty="0"/>
-                        <a:t>Напоминание: хвост</a:t>
+                        <a:t> </a:t>
                       </a:r>
                       <a:r>
                         <a:rPr lang="ru-RU" baseline="0" dirty="0"/>
+                        <a:t>старые реализации </a:t>
+                      </a:r>
+                      <a:r>
+                        <a:rPr lang="en-US" baseline="0" dirty="0"/>
+                        <a:t>ext2 </a:t>
+                      </a:r>
+                      <a:r>
+                        <a:rPr lang="ru-RU" baseline="0" dirty="0"/>
+                        <a:t>могут и читать, и писать на такую файловую систему.</a:t>
+                      </a:r>
+                      <a:endParaRPr lang="en-US" dirty="0"/>
+                    </a:p>
+                    <a:p>
+                      <a:pPr marL="285750" indent="-285750">
+                        <a:buFont typeface="Arial" panose="020B0604020202020204" pitchFamily="34" charset="0"/>
+                        <a:buChar char="•"/>
+                      </a:pPr>
+                      <a:r>
+                        <a:rPr lang="en-US" dirty="0"/>
+                        <a:t>EXT4_FEATURE_COMPAT_DIR_PREALLOC</a:t>
+                      </a:r>
+                    </a:p>
+                    <a:p>
+                      <a:pPr marL="285750" indent="-285750">
+                        <a:buFont typeface="Arial" panose="020B0604020202020204" pitchFamily="34" charset="0"/>
+                        <a:buChar char="•"/>
+                      </a:pPr>
+                      <a:r>
+                        <a:rPr lang="en-US" dirty="0"/>
+                        <a:t>EXT4_FEATURE_COMPAT_HAS_JOURNAL</a:t>
+                      </a:r>
+                    </a:p>
+                    <a:p>
+                      <a:pPr marL="285750" indent="-285750">
+                        <a:buFont typeface="Arial" panose="020B0604020202020204" pitchFamily="34" charset="0"/>
+                        <a:buChar char="•"/>
+                      </a:pPr>
+                      <a:r>
+                        <a:rPr lang="en-US" dirty="0"/>
+                        <a:t>EXT4_FEATURE_COMPAT_EXT_ATTR</a:t>
+                      </a:r>
+                    </a:p>
+                    <a:p>
+                      <a:pPr marL="285750" indent="-285750">
+                        <a:buFont typeface="Arial" panose="020B0604020202020204" pitchFamily="34" charset="0"/>
+                        <a:buChar char="•"/>
+                      </a:pPr>
+                      <a:r>
+                        <a:rPr lang="en-US" dirty="0"/>
+                        <a:t>EXT4_FEATURE_COMPAT_DIR_INDEX (hash directories)</a:t>
+                      </a:r>
+                    </a:p>
+                    <a:p>
+                      <a:pPr marL="285750" indent="-285750">
+                        <a:buFont typeface="Arial" panose="020B0604020202020204" pitchFamily="34" charset="0"/>
+                        <a:buChar char="•"/>
+                      </a:pPr>
+                      <a:endParaRPr lang="en-US" dirty="0"/>
+                    </a:p>
+                    <a:p>
+                      <a:pPr marL="0" marR="0" indent="0" algn="l" defTabSz="914400" rtl="0" eaLnBrk="1" fontAlgn="auto" latinLnBrk="0" hangingPunct="1">
+                        <a:lnSpc>
+                          <a:spcPct val="100000"/>
+                        </a:lnSpc>
+                        <a:spcBef>
+                          <a:spcPts val="0"/>
+                        </a:spcBef>
+                        <a:spcAft>
+                          <a:spcPts val="0"/>
+                        </a:spcAft>
+                        <a:buClrTx/>
+                        <a:buSzTx/>
+                        <a:buFont typeface="Arial" panose="020B0604020202020204" pitchFamily="34" charset="0"/>
+                        <a:buNone/>
+                        <a:tabLst/>
+                        <a:defRPr/>
+                      </a:pPr>
+                      <a:r>
+                        <a:rPr lang="en-US" dirty="0"/>
+                        <a:t>Ro-</a:t>
+                      </a:r>
+                      <a:r>
+                        <a:rPr lang="en-US" dirty="0" err="1"/>
+                        <a:t>compat</a:t>
+                      </a:r>
+                      <a:r>
+                        <a:rPr lang="en-US" dirty="0"/>
+                        <a:t> features:</a:t>
+                      </a:r>
+                      <a:r>
+                        <a:rPr lang="ru-RU" dirty="0"/>
                         <a:t> </a:t>
                       </a:r>
                       <a:r>
-                        <a:rPr lang="en-US" baseline="0" dirty="0" err="1"/>
-                        <a:t>struct</a:t>
-                      </a:r>
-                      <a:r>
-                        <a:rPr lang="en-US" baseline="0" dirty="0"/>
-                        <a:t> ext2_inode </a:t>
-                      </a:r>
-                      <a:r>
                         <a:rPr lang="ru-RU" baseline="0" dirty="0"/>
-                        <a:t>выглядит так:</a:t>
-                      </a:r>
-                    </a:p>
-                    <a:p>
-                      <a:endParaRPr lang="ru-RU" baseline="0" dirty="0"/>
-                    </a:p>
-                    <a:p>
-                      <a:endParaRPr lang="ru-RU" baseline="0" dirty="0"/>
-                    </a:p>
-                    <a:p>
-                      <a:endParaRPr lang="ru-RU" baseline="0" dirty="0"/>
-                    </a:p>
-                    <a:p>
-                      <a:endParaRPr lang="en-US" baseline="0" dirty="0"/>
-                    </a:p>
-                    <a:p>
-                      <a:endParaRPr lang="en-US" baseline="0" dirty="0"/>
-                    </a:p>
-                    <a:p>
-                      <a:endParaRPr lang="en-US" baseline="0" dirty="0"/>
-                    </a:p>
-                    <a:p>
-                      <a:endParaRPr lang="en-US" baseline="0" dirty="0"/>
-                    </a:p>
-                    <a:p>
-                      <a:endParaRPr lang="ru-RU" baseline="0" dirty="0"/>
-                    </a:p>
-                    <a:p>
+                        <a:t>старые реализации могут корректно читать такую ФС, но писать в неё уже нет.</a:t>
+                      </a:r>
                       <a:endParaRPr lang="en-US" dirty="0"/>
                     </a:p>
                     <a:p>
+                      <a:pPr marL="285750" indent="-285750">
+                        <a:buFont typeface="Arial" panose="020B0604020202020204" pitchFamily="34" charset="0"/>
+                        <a:buChar char="•"/>
+                      </a:pPr>
+                      <a:r>
+                        <a:rPr lang="en-US" dirty="0"/>
+                        <a:t>EXT4_FEATURE_RO_COMPAT_SPARSE_SUPER</a:t>
+                      </a:r>
+                    </a:p>
+                    <a:p>
+                      <a:pPr marL="285750" indent="-285750">
+                        <a:buFont typeface="Arial" panose="020B0604020202020204" pitchFamily="34" charset="0"/>
+                        <a:buChar char="•"/>
+                      </a:pPr>
+                      <a:r>
+                        <a:rPr lang="en-US" dirty="0"/>
+                        <a:t>EXT4_FEATURE_RO_COMPAT_HUGE_FILE</a:t>
+                      </a:r>
+                    </a:p>
+                    <a:p>
+                      <a:pPr marL="285750" indent="-285750">
+                        <a:buFont typeface="Arial" panose="020B0604020202020204" pitchFamily="34" charset="0"/>
+                        <a:buChar char="•"/>
+                      </a:pPr>
+                      <a:r>
+                        <a:rPr lang="en-US" dirty="0"/>
+                        <a:t>EXT4_FEATURE_RO_COMPAT_QUOTA</a:t>
+                      </a:r>
+                    </a:p>
+                    <a:p>
+                      <a:pPr marL="285750" indent="-285750">
+                        <a:buFont typeface="Arial" panose="020B0604020202020204" pitchFamily="34" charset="0"/>
+                        <a:buChar char="•"/>
+                      </a:pPr>
+                      <a:endParaRPr lang="en-US" dirty="0"/>
+                    </a:p>
+                    <a:p>
+                      <a:pPr marL="0" indent="0">
+                        <a:buFont typeface="Arial" panose="020B0604020202020204" pitchFamily="34" charset="0"/>
+                        <a:buNone/>
+                      </a:pPr>
+                      <a:r>
+                        <a:rPr lang="en-US" dirty="0" err="1"/>
+                        <a:t>Incompat</a:t>
+                      </a:r>
+                      <a:r>
+                        <a:rPr lang="en-US" dirty="0"/>
+                        <a:t> features:</a:t>
+                      </a:r>
                       <a:r>
                         <a:rPr lang="ru-RU" dirty="0"/>
-                        <a:t>Операционные</a:t>
+                        <a:t> </a:t>
                       </a:r>
                       <a:r>
                         <a:rPr lang="ru-RU" baseline="0" dirty="0"/>
-                        <a:t> системы, которые не используют поле </a:t>
-                      </a:r>
-                      <a:r>
-                        <a:rPr lang="en-US" baseline="0" dirty="0"/>
-                        <a:t>osd2, </a:t>
-                      </a:r>
-                      <a:r>
-                        <a:rPr lang="ru-RU" baseline="0" dirty="0"/>
-                        <a:t>должны сохранять его без изменений.</a:t>
-                      </a:r>
-                      <a:endParaRPr lang="en-US" baseline="0" dirty="0"/>
-                    </a:p>
-                    <a:p>
-                      <a:endParaRPr lang="en-US" baseline="0" dirty="0"/>
-                    </a:p>
-                    <a:p>
-                      <a:endParaRPr lang="en-US" baseline="0" dirty="0"/>
-                    </a:p>
-                    <a:p>
-                      <a:endParaRPr lang="en-US" baseline="0" dirty="0"/>
-                    </a:p>
-                    <a:p>
-                      <a:endParaRPr lang="en-US" baseline="0" dirty="0"/>
-                    </a:p>
-                    <a:p>
-                      <a:endParaRPr lang="en-US" baseline="0" dirty="0"/>
-                    </a:p>
-                    <a:p>
-                      <a:endParaRPr lang="en-US" baseline="0" dirty="0"/>
-                    </a:p>
-                    <a:p>
-                      <a:endParaRPr lang="en-US" baseline="0" dirty="0"/>
-                    </a:p>
-                    <a:p>
-                      <a:endParaRPr lang="en-US" baseline="0" dirty="0"/>
-                    </a:p>
-                    <a:p>
-                      <a:endParaRPr lang="ru-RU" dirty="0"/>
+                        <a:t>старые реализации не могут смонтировать такую ФС.</a:t>
+                      </a:r>
+                      <a:endParaRPr lang="en-US" dirty="0"/>
+                    </a:p>
+                    <a:p>
+                      <a:pPr marL="285750" indent="-285750">
+                        <a:buFont typeface="Arial" panose="020B0604020202020204" pitchFamily="34" charset="0"/>
+                        <a:buChar char="•"/>
+                      </a:pPr>
+                      <a:r>
+                        <a:rPr lang="en-US" dirty="0"/>
+                        <a:t>EXT4_FEATURE_INCOMPAT_COMPRESSION</a:t>
+                      </a:r>
+                    </a:p>
+                    <a:p>
+                      <a:pPr marL="285750" indent="-285750">
+                        <a:buFont typeface="Arial" panose="020B0604020202020204" pitchFamily="34" charset="0"/>
+                        <a:buChar char="•"/>
+                      </a:pPr>
+                      <a:r>
+                        <a:rPr lang="en-US" dirty="0"/>
+                        <a:t>EXT4_FEATURE_INCOMPAT_JOURNAL_DEV</a:t>
+                      </a:r>
+                    </a:p>
+                    <a:p>
+                      <a:pPr marL="285750" indent="-285750">
+                        <a:buFont typeface="Arial" panose="020B0604020202020204" pitchFamily="34" charset="0"/>
+                        <a:buChar char="•"/>
+                      </a:pPr>
+                      <a:r>
+                        <a:rPr lang="en-US" dirty="0"/>
+                        <a:t>EXT4_FEATURE_INCOMPAT_EXTENTS</a:t>
+                      </a:r>
+                    </a:p>
+                    <a:p>
+                      <a:pPr marL="285750" indent="-285750">
+                        <a:buFont typeface="Arial" panose="020B0604020202020204" pitchFamily="34" charset="0"/>
+                        <a:buChar char="•"/>
+                      </a:pPr>
+                      <a:r>
+                        <a:rPr lang="en-US" dirty="0"/>
+                        <a:t>EXT4_FEATURE_INCOMPAT_INLINE_DATA</a:t>
+                      </a:r>
+                    </a:p>
+                    <a:p>
+                      <a:pPr marL="285750" indent="-285750">
+                        <a:buFont typeface="Arial" panose="020B0604020202020204" pitchFamily="34" charset="0"/>
+                        <a:buChar char="•"/>
+                      </a:pPr>
+                      <a:r>
+                        <a:rPr lang="en-US" dirty="0"/>
+                        <a:t>EXT4_FEATURE_INCOMPAT_ENCRYPT</a:t>
+                      </a:r>
                     </a:p>
                   </a:txBody>
                   <a:tcPr/>
@@ -39812,189 +42080,28 @@
           </a:graphicData>
         </a:graphic>
       </p:graphicFrame>
-      <p:sp>
-        <p:nvSpPr>
-          <p:cNvPr id="4" name="TextBox 3">
-            <a:extLst>
-              <a:ext uri="{FF2B5EF4-FFF2-40B4-BE49-F238E27FC236}">
-                <a16:creationId xmlns:a16="http://schemas.microsoft.com/office/drawing/2014/main" id="{7B10B2BA-A790-8C44-865A-00C66CAE89D4}"/>
-              </a:ext>
-            </a:extLst>
-          </p:cNvPr>
-          <p:cNvSpPr txBox="1"/>
-          <p:nvPr/>
-        </p:nvSpPr>
-        <p:spPr>
-          <a:xfrm>
-            <a:off x="2014594" y="1351955"/>
-            <a:ext cx="8162812" cy="2031325"/>
-          </a:xfrm>
-          <a:prstGeom prst="rect">
-            <a:avLst/>
-          </a:prstGeom>
-          <a:solidFill>
-            <a:schemeClr val="bg1"/>
-          </a:solidFill>
-        </p:spPr>
-        <p:txBody>
-          <a:bodyPr wrap="none" rtlCol="0">
-            <a:spAutoFit/>
-          </a:bodyPr>
-          <a:lstStyle/>
-          <a:p>
-            <a:r>
-              <a:rPr lang="en-US" dirty="0">
-                <a:latin typeface="Consolas" panose="020B0609020204030204" pitchFamily="49" charset="0"/>
-                <a:cs typeface="Consolas" panose="020B0609020204030204" pitchFamily="49" charset="0"/>
-              </a:rPr>
-              <a:t>        __le32  </a:t>
-            </a:r>
-            <a:r>
-              <a:rPr lang="en-US" dirty="0" err="1">
-                <a:latin typeface="Consolas" panose="020B0609020204030204" pitchFamily="49" charset="0"/>
-                <a:cs typeface="Consolas" panose="020B0609020204030204" pitchFamily="49" charset="0"/>
-              </a:rPr>
-              <a:t>i_block</a:t>
-            </a:r>
-            <a:r>
-              <a:rPr lang="en-US" dirty="0">
-                <a:latin typeface="Consolas" panose="020B0609020204030204" pitchFamily="49" charset="0"/>
-                <a:cs typeface="Consolas" panose="020B0609020204030204" pitchFamily="49" charset="0"/>
-              </a:rPr>
-              <a:t>[EXT2_N_BLOCKS];/* Pointers to blocks */</a:t>
-            </a:r>
-          </a:p>
-          <a:p>
-            <a:r>
-              <a:rPr lang="en-US" dirty="0">
-                <a:latin typeface="Consolas" panose="020B0609020204030204" pitchFamily="49" charset="0"/>
-                <a:cs typeface="Consolas" panose="020B0609020204030204" pitchFamily="49" charset="0"/>
-              </a:rPr>
-              <a:t>        __le32  </a:t>
-            </a:r>
-            <a:r>
-              <a:rPr lang="en-US" dirty="0" err="1">
-                <a:latin typeface="Consolas" panose="020B0609020204030204" pitchFamily="49" charset="0"/>
-                <a:cs typeface="Consolas" panose="020B0609020204030204" pitchFamily="49" charset="0"/>
-              </a:rPr>
-              <a:t>i_generation</a:t>
-            </a:r>
-            <a:r>
-              <a:rPr lang="en-US" dirty="0">
-                <a:latin typeface="Consolas" panose="020B0609020204030204" pitchFamily="49" charset="0"/>
-                <a:cs typeface="Consolas" panose="020B0609020204030204" pitchFamily="49" charset="0"/>
-              </a:rPr>
-              <a:t>;   /* File version (for NFS) */</a:t>
-            </a:r>
-          </a:p>
-          <a:p>
-            <a:r>
-              <a:rPr lang="en-US" dirty="0">
-                <a:latin typeface="Consolas" panose="020B0609020204030204" pitchFamily="49" charset="0"/>
-                <a:cs typeface="Consolas" panose="020B0609020204030204" pitchFamily="49" charset="0"/>
-              </a:rPr>
-              <a:t>        __le32  </a:t>
-            </a:r>
-            <a:r>
-              <a:rPr lang="en-US" dirty="0" err="1">
-                <a:latin typeface="Consolas" panose="020B0609020204030204" pitchFamily="49" charset="0"/>
-                <a:cs typeface="Consolas" panose="020B0609020204030204" pitchFamily="49" charset="0"/>
-              </a:rPr>
-              <a:t>i_file_acl</a:t>
-            </a:r>
-            <a:r>
-              <a:rPr lang="en-US" dirty="0">
-                <a:latin typeface="Consolas" panose="020B0609020204030204" pitchFamily="49" charset="0"/>
-                <a:cs typeface="Consolas" panose="020B0609020204030204" pitchFamily="49" charset="0"/>
-              </a:rPr>
-              <a:t>;     /* File ACL */</a:t>
-            </a:r>
-          </a:p>
-          <a:p>
-            <a:r>
-              <a:rPr lang="en-US" dirty="0">
-                <a:latin typeface="Consolas" panose="020B0609020204030204" pitchFamily="49" charset="0"/>
-                <a:cs typeface="Consolas" panose="020B0609020204030204" pitchFamily="49" charset="0"/>
-              </a:rPr>
-              <a:t>        __le32  </a:t>
-            </a:r>
-            <a:r>
-              <a:rPr lang="en-US" dirty="0" err="1">
-                <a:latin typeface="Consolas" panose="020B0609020204030204" pitchFamily="49" charset="0"/>
-                <a:cs typeface="Consolas" panose="020B0609020204030204" pitchFamily="49" charset="0"/>
-              </a:rPr>
-              <a:t>i_dir_acl</a:t>
-            </a:r>
-            <a:r>
-              <a:rPr lang="en-US" dirty="0">
-                <a:latin typeface="Consolas" panose="020B0609020204030204" pitchFamily="49" charset="0"/>
-                <a:cs typeface="Consolas" panose="020B0609020204030204" pitchFamily="49" charset="0"/>
-              </a:rPr>
-              <a:t>;      /* Directory ACL */</a:t>
-            </a:r>
-          </a:p>
-          <a:p>
-            <a:r>
-              <a:rPr lang="en-US" dirty="0">
-                <a:latin typeface="Consolas" panose="020B0609020204030204" pitchFamily="49" charset="0"/>
-                <a:cs typeface="Consolas" panose="020B0609020204030204" pitchFamily="49" charset="0"/>
-              </a:rPr>
-              <a:t>        __le32  </a:t>
-            </a:r>
-            <a:r>
-              <a:rPr lang="en-US" dirty="0" err="1">
-                <a:latin typeface="Consolas" panose="020B0609020204030204" pitchFamily="49" charset="0"/>
-                <a:cs typeface="Consolas" panose="020B0609020204030204" pitchFamily="49" charset="0"/>
-              </a:rPr>
-              <a:t>i_faddr</a:t>
-            </a:r>
-            <a:r>
-              <a:rPr lang="en-US" dirty="0">
-                <a:latin typeface="Consolas" panose="020B0609020204030204" pitchFamily="49" charset="0"/>
-                <a:cs typeface="Consolas" panose="020B0609020204030204" pitchFamily="49" charset="0"/>
-              </a:rPr>
-              <a:t>;        /* Fragment address */</a:t>
-            </a:r>
-          </a:p>
-          <a:p>
-            <a:r>
-              <a:rPr lang="en-US" dirty="0">
-                <a:latin typeface="Consolas" panose="020B0609020204030204" pitchFamily="49" charset="0"/>
-                <a:cs typeface="Consolas" panose="020B0609020204030204" pitchFamily="49" charset="0"/>
-              </a:rPr>
-              <a:t>        __le8   i_osd2[12];</a:t>
-            </a:r>
-          </a:p>
-          <a:p>
-            <a:r>
-              <a:rPr lang="en-US" dirty="0">
-                <a:latin typeface="Consolas" panose="020B0609020204030204" pitchFamily="49" charset="0"/>
-                <a:cs typeface="Consolas" panose="020B0609020204030204" pitchFamily="49" charset="0"/>
-              </a:rPr>
-              <a:t>};</a:t>
-            </a:r>
-            <a:endParaRPr lang="ru-RU" dirty="0">
-              <a:latin typeface="Consolas" panose="020B0609020204030204" pitchFamily="49" charset="0"/>
-              <a:cs typeface="Consolas" panose="020B0609020204030204" pitchFamily="49" charset="0"/>
-            </a:endParaRPr>
-          </a:p>
-        </p:txBody>
-      </p:sp>
     </p:spTree>
     <p:extLst>
       <p:ext uri="{BB962C8B-B14F-4D97-AF65-F5344CB8AC3E}">
-        <p14:creationId xmlns:p14="http://schemas.microsoft.com/office/powerpoint/2010/main" val="3641872543"/>
+        <p14:creationId xmlns:p14="http://schemas.microsoft.com/office/powerpoint/2010/main" val="3658423966"/>
       </p:ext>
     </p:extLst>
   </p:cSld>
   <p:clrMapOvr>
     <a:masterClrMapping/>
   </p:clrMapOvr>
+  <p:timing>
+    <p:tnLst>
+      <p:par>
+        <p:cTn id="1" dur="indefinite" restart="never" nodeType="tmRoot"/>
+      </p:par>
+    </p:tnLst>
+  </p:timing>
 </p:sld>
 </file>
 
 <file path=ppt/slides/slide43.xml><?xml version="1.0" encoding="utf-8"?>
-<p:sld xmlns:a="http://schemas.openxmlformats.org/drawingml/2006/main" xmlns:r="http://schemas.openxmlformats.org/officeDocument/2006/relationships" xmlns:p="http://schemas.openxmlformats.org/presentationml/2006/main">
+<p:sld xmlns:a="http://schemas.openxmlformats.org/drawingml/2006/main" xmlns:r="http://schemas.openxmlformats.org/officeDocument/2006/relationships" xmlns:p="http://schemas.openxmlformats.org/presentationml/2006/main" show="0">
   <p:cSld>
     <p:spTree>
       <p:nvGrpSpPr>
@@ -40223,15 +42330,7 @@
                     <a:p>
                       <a:r>
                         <a:rPr lang="ru-RU" dirty="0"/>
-                        <a:t>Для </a:t>
-                      </a:r>
-                      <a:r>
-                        <a:rPr lang="en-US" dirty="0" err="1"/>
-                        <a:t>linux</a:t>
-                      </a:r>
-                      <a:r>
-                        <a:rPr lang="ru-RU" dirty="0"/>
-                        <a:t> хвост</a:t>
+                        <a:t>Напоминание: хвост</a:t>
                       </a:r>
                       <a:r>
                         <a:rPr lang="ru-RU" baseline="0" dirty="0"/>
@@ -40272,6 +42371,28 @@
                       <a:endParaRPr lang="en-US" baseline="0" dirty="0"/>
                     </a:p>
                     <a:p>
+                      <a:endParaRPr lang="ru-RU" baseline="0" dirty="0"/>
+                    </a:p>
+                    <a:p>
+                      <a:endParaRPr lang="en-US" dirty="0"/>
+                    </a:p>
+                    <a:p>
+                      <a:r>
+                        <a:rPr lang="ru-RU" dirty="0"/>
+                        <a:t>Операционные</a:t>
+                      </a:r>
+                      <a:r>
+                        <a:rPr lang="ru-RU" baseline="0" dirty="0"/>
+                        <a:t> системы, которые не используют поле </a:t>
+                      </a:r>
+                      <a:r>
+                        <a:rPr lang="en-US" baseline="0" dirty="0"/>
+                        <a:t>osd2, </a:t>
+                      </a:r>
+                      <a:r>
+                        <a:rPr lang="ru-RU" baseline="0" dirty="0"/>
+                        <a:t>должны сохранять его без изменений.</a:t>
+                      </a:r>
                       <a:endParaRPr lang="en-US" baseline="0" dirty="0"/>
                     </a:p>
                     <a:p>
@@ -40299,13 +42420,7 @@
                       <a:endParaRPr lang="en-US" baseline="0" dirty="0"/>
                     </a:p>
                     <a:p>
-                      <a:endParaRPr lang="en-US" baseline="0" dirty="0"/>
-                    </a:p>
-                    <a:p>
-                      <a:endParaRPr lang="en-US" baseline="0" dirty="0"/>
-                    </a:p>
-                    <a:p>
-                      <a:endParaRPr lang="en-US" baseline="0" dirty="0"/>
+                      <a:endParaRPr lang="ru-RU" dirty="0"/>
                     </a:p>
                   </a:txBody>
                   <a:tcPr/>
@@ -40322,10 +42437,10 @@
       </p:graphicFrame>
       <p:sp>
         <p:nvSpPr>
-          <p:cNvPr id="3" name="TextBox 2">
+          <p:cNvPr id="4" name="TextBox 3">
             <a:extLst>
               <a:ext uri="{FF2B5EF4-FFF2-40B4-BE49-F238E27FC236}">
-                <a16:creationId xmlns:a16="http://schemas.microsoft.com/office/drawing/2014/main" id="{1C73EA6D-1593-6C4B-A670-CEDED90ADCFB}"/>
+                <a16:creationId xmlns:a16="http://schemas.microsoft.com/office/drawing/2014/main" id="{7B10B2BA-A790-8C44-865A-00C66CAE89D4}"/>
               </a:ext>
             </a:extLst>
           </p:cNvPr>
@@ -40334,8 +42449,8 @@
         </p:nvSpPr>
         <p:spPr>
           <a:xfrm>
-            <a:off x="1508045" y="1349827"/>
-            <a:ext cx="9175910" cy="4524315"/>
+            <a:off x="2014594" y="1351955"/>
+            <a:ext cx="8162812" cy="2031325"/>
           </a:xfrm>
           <a:prstGeom prst="rect">
             <a:avLst/>
@@ -40470,144 +42585,7 @@
                 <a:latin typeface="Consolas" panose="020B0609020204030204" pitchFamily="49" charset="0"/>
                 <a:cs typeface="Consolas" panose="020B0609020204030204" pitchFamily="49" charset="0"/>
               </a:rPr>
-              <a:t>        union {</a:t>
-            </a:r>
-          </a:p>
-          <a:p>
-            <a:r>
-              <a:rPr lang="en-US" dirty="0">
-                <a:latin typeface="Consolas" panose="020B0609020204030204" pitchFamily="49" charset="0"/>
-                <a:cs typeface="Consolas" panose="020B0609020204030204" pitchFamily="49" charset="0"/>
-              </a:rPr>
-              <a:t>                struct {</a:t>
-            </a:r>
-          </a:p>
-          <a:p>
-            <a:r>
-              <a:rPr lang="en-US" dirty="0">
-                <a:latin typeface="Consolas" panose="020B0609020204030204" pitchFamily="49" charset="0"/>
-                <a:cs typeface="Consolas" panose="020B0609020204030204" pitchFamily="49" charset="0"/>
-              </a:rPr>
-              <a:t>                        __u8    </a:t>
-            </a:r>
-            <a:r>
-              <a:rPr lang="en-US" dirty="0" err="1">
-                <a:latin typeface="Consolas" panose="020B0609020204030204" pitchFamily="49" charset="0"/>
-                <a:cs typeface="Consolas" panose="020B0609020204030204" pitchFamily="49" charset="0"/>
-              </a:rPr>
-              <a:t>l_i_frag</a:t>
-            </a:r>
-            <a:r>
-              <a:rPr lang="en-US" dirty="0">
-                <a:latin typeface="Consolas" panose="020B0609020204030204" pitchFamily="49" charset="0"/>
-                <a:cs typeface="Consolas" panose="020B0609020204030204" pitchFamily="49" charset="0"/>
-              </a:rPr>
-              <a:t>;       /* Fragment number */</a:t>
-            </a:r>
-          </a:p>
-          <a:p>
-            <a:r>
-              <a:rPr lang="en-US" dirty="0">
-                <a:latin typeface="Consolas" panose="020B0609020204030204" pitchFamily="49" charset="0"/>
-                <a:cs typeface="Consolas" panose="020B0609020204030204" pitchFamily="49" charset="0"/>
-              </a:rPr>
-              <a:t>                        __u8    </a:t>
-            </a:r>
-            <a:r>
-              <a:rPr lang="en-US" dirty="0" err="1">
-                <a:latin typeface="Consolas" panose="020B0609020204030204" pitchFamily="49" charset="0"/>
-                <a:cs typeface="Consolas" panose="020B0609020204030204" pitchFamily="49" charset="0"/>
-              </a:rPr>
-              <a:t>l_i_fsize</a:t>
-            </a:r>
-            <a:r>
-              <a:rPr lang="en-US" dirty="0">
-                <a:latin typeface="Consolas" panose="020B0609020204030204" pitchFamily="49" charset="0"/>
-                <a:cs typeface="Consolas" panose="020B0609020204030204" pitchFamily="49" charset="0"/>
-              </a:rPr>
-              <a:t>;      /* Fragment size */</a:t>
-            </a:r>
-          </a:p>
-          <a:p>
-            <a:r>
-              <a:rPr lang="en-US" dirty="0">
-                <a:latin typeface="Consolas" panose="020B0609020204030204" pitchFamily="49" charset="0"/>
-                <a:cs typeface="Consolas" panose="020B0609020204030204" pitchFamily="49" charset="0"/>
-              </a:rPr>
-              <a:t>                        __u16   i_pad1;</a:t>
-            </a:r>
-          </a:p>
-          <a:p>
-            <a:r>
-              <a:rPr lang="en-US" dirty="0">
-                <a:latin typeface="Consolas" panose="020B0609020204030204" pitchFamily="49" charset="0"/>
-                <a:cs typeface="Consolas" panose="020B0609020204030204" pitchFamily="49" charset="0"/>
-              </a:rPr>
-              <a:t>                        __le16  </a:t>
-            </a:r>
-            <a:r>
-              <a:rPr lang="en-US" dirty="0" err="1">
-                <a:latin typeface="Consolas" panose="020B0609020204030204" pitchFamily="49" charset="0"/>
-                <a:cs typeface="Consolas" panose="020B0609020204030204" pitchFamily="49" charset="0"/>
-              </a:rPr>
-              <a:t>l_i_uid_high</a:t>
-            </a:r>
-            <a:r>
-              <a:rPr lang="en-US" dirty="0">
-                <a:latin typeface="Consolas" panose="020B0609020204030204" pitchFamily="49" charset="0"/>
-                <a:cs typeface="Consolas" panose="020B0609020204030204" pitchFamily="49" charset="0"/>
-              </a:rPr>
-              <a:t>;   /* these 2 fields    */</a:t>
-            </a:r>
-          </a:p>
-          <a:p>
-            <a:r>
-              <a:rPr lang="en-US" dirty="0">
-                <a:latin typeface="Consolas" panose="020B0609020204030204" pitchFamily="49" charset="0"/>
-                <a:cs typeface="Consolas" panose="020B0609020204030204" pitchFamily="49" charset="0"/>
-              </a:rPr>
-              <a:t>                        __le16  </a:t>
-            </a:r>
-            <a:r>
-              <a:rPr lang="en-US" dirty="0" err="1">
-                <a:latin typeface="Consolas" panose="020B0609020204030204" pitchFamily="49" charset="0"/>
-                <a:cs typeface="Consolas" panose="020B0609020204030204" pitchFamily="49" charset="0"/>
-              </a:rPr>
-              <a:t>l_i_gid_high</a:t>
-            </a:r>
-            <a:r>
-              <a:rPr lang="en-US" dirty="0">
-                <a:latin typeface="Consolas" panose="020B0609020204030204" pitchFamily="49" charset="0"/>
-                <a:cs typeface="Consolas" panose="020B0609020204030204" pitchFamily="49" charset="0"/>
-              </a:rPr>
-              <a:t>;   /* were reserved2[0] */</a:t>
-            </a:r>
-          </a:p>
-          <a:p>
-            <a:r>
-              <a:rPr lang="en-US" dirty="0">
-                <a:latin typeface="Consolas" panose="020B0609020204030204" pitchFamily="49" charset="0"/>
-                <a:cs typeface="Consolas" panose="020B0609020204030204" pitchFamily="49" charset="0"/>
-              </a:rPr>
-              <a:t>                        __u32   l_i_reserved2;</a:t>
-            </a:r>
-          </a:p>
-          <a:p>
-            <a:r>
-              <a:rPr lang="en-US" dirty="0">
-                <a:latin typeface="Consolas" panose="020B0609020204030204" pitchFamily="49" charset="0"/>
-                <a:cs typeface="Consolas" panose="020B0609020204030204" pitchFamily="49" charset="0"/>
-              </a:rPr>
-              <a:t>                } linux2;</a:t>
-            </a:r>
-          </a:p>
-          <a:p>
-            <a:r>
-              <a:rPr lang="en-US" dirty="0">
-                <a:latin typeface="Consolas" panose="020B0609020204030204" pitchFamily="49" charset="0"/>
-                <a:cs typeface="Consolas" panose="020B0609020204030204" pitchFamily="49" charset="0"/>
-              </a:rPr>
-              <a:t>        } osd2;                         /* OS dependent 2 */</a:t>
+              <a:t>        __le8   i_osd2[12];</a:t>
             </a:r>
           </a:p>
           <a:p>
@@ -40628,18 +42606,33 @@
     </p:spTree>
     <p:extLst>
       <p:ext uri="{BB962C8B-B14F-4D97-AF65-F5344CB8AC3E}">
-        <p14:creationId xmlns:p14="http://schemas.microsoft.com/office/powerpoint/2010/main" val="3832082111"/>
+        <p14:creationId xmlns:p14="http://schemas.microsoft.com/office/powerpoint/2010/main" val="3641872543"/>
       </p:ext>
     </p:extLst>
   </p:cSld>
   <p:clrMapOvr>
     <a:masterClrMapping/>
   </p:clrMapOvr>
+  <mc:AlternateContent xmlns:mc="http://schemas.openxmlformats.org/markup-compatibility/2006">
+    <mc:Choice xmlns:p14="http://schemas.microsoft.com/office/powerpoint/2010/main" Requires="p14">
+      <p:transition spd="slow" p14:dur="2000"/>
+    </mc:Choice>
+    <mc:Fallback>
+      <p:transition spd="slow"/>
+    </mc:Fallback>
+  </mc:AlternateContent>
+  <p:timing>
+    <p:tnLst>
+      <p:par>
+        <p:cTn id="1" dur="indefinite" restart="never" nodeType="tmRoot"/>
+      </p:par>
+    </p:tnLst>
+  </p:timing>
 </p:sld>
 </file>
 
 <file path=ppt/slides/slide44.xml><?xml version="1.0" encoding="utf-8"?>
-<p:sld xmlns:a="http://schemas.openxmlformats.org/drawingml/2006/main" xmlns:r="http://schemas.openxmlformats.org/officeDocument/2006/relationships" xmlns:p="http://schemas.openxmlformats.org/presentationml/2006/main">
+<p:sld xmlns:a="http://schemas.openxmlformats.org/drawingml/2006/main" xmlns:r="http://schemas.openxmlformats.org/officeDocument/2006/relationships" xmlns:p="http://schemas.openxmlformats.org/presentationml/2006/main" show="0">
   <p:cSld>
     <p:spTree>
       <p:nvGrpSpPr>
@@ -40781,8 +42774,8 @@
           </p:nvPr>
         </p:nvGraphicFramePr>
         <p:xfrm>
-          <a:off x="0" y="365762"/>
-          <a:ext cx="12192000" cy="1920240"/>
+          <a:off x="0" y="365761"/>
+          <a:ext cx="12192000" cy="6035040"/>
         </p:xfrm>
         <a:graphic>
           <a:graphicData uri="http://schemas.openxmlformats.org/drawingml/2006/table">
@@ -40799,7 +42792,7 @@
                   </a:extLst>
                 </a:gridCol>
               </a:tblGrid>
-              <a:tr h="211959">
+              <a:tr h="143732">
                 <a:tc>
                   <a:txBody>
                     <a:bodyPr/>
@@ -40807,8 +42800,49 @@
                     <a:p>
                       <a:r>
                         <a:rPr lang="ru-RU" sz="2400" dirty="0"/>
-                        <a:t>Дополнительное чтение</a:t>
-                      </a:r>
+                        <a:t>Пример </a:t>
+                      </a:r>
+                      <a:r>
+                        <a:rPr lang="en-US" sz="2400" dirty="0"/>
+                        <a:t>(</a:t>
+                      </a:r>
+                      <a:r>
+                        <a:rPr lang="ru-RU" sz="2400" dirty="0"/>
+                        <a:t>почти) </a:t>
+                      </a:r>
+                      <a:r>
+                        <a:rPr lang="en-US" sz="2400" dirty="0" err="1"/>
+                        <a:t>compat</a:t>
+                      </a:r>
+                      <a:r>
+                        <a:rPr lang="en-US" sz="2400" dirty="0"/>
+                        <a:t> feature: 32-</a:t>
+                      </a:r>
+                      <a:r>
+                        <a:rPr lang="ru-RU" sz="2400" dirty="0"/>
+                        <a:t>битные </a:t>
+                      </a:r>
+                      <a:r>
+                        <a:rPr lang="en-US" sz="2400" dirty="0"/>
+                        <a:t>UID </a:t>
+                      </a:r>
+                      <a:r>
+                        <a:rPr lang="ru-RU" sz="2400" dirty="0"/>
+                        <a:t>и</a:t>
+                      </a:r>
+                      <a:r>
+                        <a:rPr lang="ru-RU" sz="2400" baseline="0" dirty="0"/>
+                        <a:t> </a:t>
+                      </a:r>
+                      <a:r>
+                        <a:rPr lang="en-US" sz="2400" baseline="0" dirty="0"/>
+                        <a:t>GID </a:t>
+                      </a:r>
+                      <a:r>
+                        <a:rPr lang="ru-RU" sz="2400" baseline="0" dirty="0"/>
+                        <a:t>владельца</a:t>
+                      </a:r>
+                      <a:endParaRPr lang="ru-RU" sz="2400" dirty="0"/>
                     </a:p>
                   </a:txBody>
                   <a:tcPr/>
@@ -40819,69 +42853,97 @@
                   </a:ext>
                 </a:extLst>
               </a:tr>
-              <a:tr h="171923">
-                <a:tc>
-                  <a:txBody>
-                    <a:bodyPr/>
-                    <a:lstStyle/>
-                    <a:p>
-                      <a:pPr marL="285750" indent="-285750">
-                        <a:buFont typeface="Arial" panose="020B0604020202020204" pitchFamily="34" charset="0"/>
-                        <a:buChar char="•"/>
-                      </a:pPr>
-                      <a:r>
-                        <a:rPr lang="en-US" dirty="0">
-                          <a:hlinkClick r:id="rId3"/>
-                        </a:rPr>
-                        <a:t>http://www.nongnu.org/ext2-doc</a:t>
-                      </a:r>
-                      <a:endParaRPr lang="en-US" dirty="0"/>
-                    </a:p>
-                    <a:p>
-                      <a:pPr marL="285750" indent="-285750">
-                        <a:buFont typeface="Arial" panose="020B0604020202020204" pitchFamily="34" charset="0"/>
-                        <a:buChar char="•"/>
-                      </a:pPr>
-                      <a:r>
-                        <a:rPr lang="en-US" dirty="0">
-                          <a:hlinkClick r:id="rId4"/>
-                        </a:rPr>
-                        <a:t>https://ext4.wiki.kernel.org/index.php/Ext4_Disk_Layout</a:t>
-                      </a:r>
-                      <a:endParaRPr lang="en-US" dirty="0"/>
-                    </a:p>
-                    <a:p>
-                      <a:pPr marL="285750" indent="-285750">
-                        <a:buFont typeface="Arial" panose="020B0604020202020204" pitchFamily="34" charset="0"/>
-                        <a:buChar char="•"/>
-                      </a:pPr>
-                      <a:r>
-                        <a:rPr lang="en-US" dirty="0">
-                          <a:hlinkClick r:id="rId5"/>
-                        </a:rPr>
-                        <a:t>http://wiki.osdev.org/Ext2</a:t>
-                      </a:r>
-                      <a:endParaRPr lang="en-US" dirty="0"/>
-                    </a:p>
-                    <a:p>
-                      <a:pPr marL="285750" indent="-285750">
-                        <a:buFont typeface="Arial" panose="020B0604020202020204" pitchFamily="34" charset="0"/>
-                        <a:buChar char="•"/>
-                      </a:pPr>
-                      <a:endParaRPr lang="en-US" dirty="0"/>
-                    </a:p>
-                    <a:p>
-                      <a:pPr marL="285750" indent="-285750">
-                        <a:buFont typeface="Arial" panose="020B0604020202020204" pitchFamily="34" charset="0"/>
-                        <a:buChar char="•"/>
-                      </a:pPr>
-                      <a:r>
-                        <a:rPr lang="en-US" dirty="0">
-                          <a:hlinkClick r:id="rId6"/>
-                        </a:rPr>
-                        <a:t>https://lwn.net/Articles/322823/</a:t>
-                      </a:r>
-                      <a:endParaRPr lang="en-US" dirty="0"/>
+              <a:tr h="0">
+                <a:tc>
+                  <a:txBody>
+                    <a:bodyPr/>
+                    <a:lstStyle/>
+                    <a:p>
+                      <a:r>
+                        <a:rPr lang="ru-RU" dirty="0"/>
+                        <a:t>Для </a:t>
+                      </a:r>
+                      <a:r>
+                        <a:rPr lang="en-US" dirty="0" err="1"/>
+                        <a:t>linux</a:t>
+                      </a:r>
+                      <a:r>
+                        <a:rPr lang="ru-RU" dirty="0"/>
+                        <a:t> хвост</a:t>
+                      </a:r>
+                      <a:r>
+                        <a:rPr lang="ru-RU" baseline="0" dirty="0"/>
+                        <a:t> </a:t>
+                      </a:r>
+                      <a:r>
+                        <a:rPr lang="en-US" baseline="0" dirty="0" err="1"/>
+                        <a:t>struct</a:t>
+                      </a:r>
+                      <a:r>
+                        <a:rPr lang="en-US" baseline="0" dirty="0"/>
+                        <a:t> ext2_inode </a:t>
+                      </a:r>
+                      <a:r>
+                        <a:rPr lang="ru-RU" baseline="0" dirty="0"/>
+                        <a:t>выглядит так:</a:t>
+                      </a:r>
+                    </a:p>
+                    <a:p>
+                      <a:endParaRPr lang="ru-RU" baseline="0" dirty="0"/>
+                    </a:p>
+                    <a:p>
+                      <a:endParaRPr lang="ru-RU" baseline="0" dirty="0"/>
+                    </a:p>
+                    <a:p>
+                      <a:endParaRPr lang="ru-RU" baseline="0" dirty="0"/>
+                    </a:p>
+                    <a:p>
+                      <a:endParaRPr lang="en-US" baseline="0" dirty="0"/>
+                    </a:p>
+                    <a:p>
+                      <a:endParaRPr lang="en-US" baseline="0" dirty="0"/>
+                    </a:p>
+                    <a:p>
+                      <a:endParaRPr lang="en-US" baseline="0" dirty="0"/>
+                    </a:p>
+                    <a:p>
+                      <a:endParaRPr lang="en-US" baseline="0" dirty="0"/>
+                    </a:p>
+                    <a:p>
+                      <a:endParaRPr lang="en-US" baseline="0" dirty="0"/>
+                    </a:p>
+                    <a:p>
+                      <a:endParaRPr lang="en-US" baseline="0" dirty="0"/>
+                    </a:p>
+                    <a:p>
+                      <a:endParaRPr lang="en-US" baseline="0" dirty="0"/>
+                    </a:p>
+                    <a:p>
+                      <a:endParaRPr lang="en-US" baseline="0" dirty="0"/>
+                    </a:p>
+                    <a:p>
+                      <a:endParaRPr lang="en-US" baseline="0" dirty="0"/>
+                    </a:p>
+                    <a:p>
+                      <a:endParaRPr lang="en-US" baseline="0" dirty="0"/>
+                    </a:p>
+                    <a:p>
+                      <a:endParaRPr lang="en-US" baseline="0" dirty="0"/>
+                    </a:p>
+                    <a:p>
+                      <a:endParaRPr lang="en-US" baseline="0" dirty="0"/>
+                    </a:p>
+                    <a:p>
+                      <a:endParaRPr lang="en-US" baseline="0" dirty="0"/>
+                    </a:p>
+                    <a:p>
+                      <a:endParaRPr lang="en-US" baseline="0" dirty="0"/>
+                    </a:p>
+                    <a:p>
+                      <a:endParaRPr lang="en-US" baseline="0" dirty="0"/>
+                    </a:p>
+                    <a:p>
+                      <a:endParaRPr lang="en-US" baseline="0" dirty="0"/>
                     </a:p>
                   </a:txBody>
                   <a:tcPr/>
@@ -40896,16 +42958,336 @@
           </a:graphicData>
         </a:graphic>
       </p:graphicFrame>
+      <p:sp>
+        <p:nvSpPr>
+          <p:cNvPr id="3" name="TextBox 2">
+            <a:extLst>
+              <a:ext uri="{FF2B5EF4-FFF2-40B4-BE49-F238E27FC236}">
+                <a16:creationId xmlns:a16="http://schemas.microsoft.com/office/drawing/2014/main" id="{1C73EA6D-1593-6C4B-A670-CEDED90ADCFB}"/>
+              </a:ext>
+            </a:extLst>
+          </p:cNvPr>
+          <p:cNvSpPr txBox="1"/>
+          <p:nvPr/>
+        </p:nvSpPr>
+        <p:spPr>
+          <a:xfrm>
+            <a:off x="1508045" y="1349827"/>
+            <a:ext cx="9175910" cy="4524315"/>
+          </a:xfrm>
+          <a:prstGeom prst="rect">
+            <a:avLst/>
+          </a:prstGeom>
+          <a:solidFill>
+            <a:schemeClr val="bg1"/>
+          </a:solidFill>
+        </p:spPr>
+        <p:txBody>
+          <a:bodyPr wrap="none" rtlCol="0">
+            <a:spAutoFit/>
+          </a:bodyPr>
+          <a:lstStyle/>
+          <a:p>
+            <a:r>
+              <a:rPr lang="en-US" dirty="0">
+                <a:latin typeface="Consolas" panose="020B0609020204030204" pitchFamily="49" charset="0"/>
+                <a:cs typeface="Consolas" panose="020B0609020204030204" pitchFamily="49" charset="0"/>
+              </a:rPr>
+              <a:t>        __le32  </a:t>
+            </a:r>
+            <a:r>
+              <a:rPr lang="en-US" dirty="0" err="1">
+                <a:latin typeface="Consolas" panose="020B0609020204030204" pitchFamily="49" charset="0"/>
+                <a:cs typeface="Consolas" panose="020B0609020204030204" pitchFamily="49" charset="0"/>
+              </a:rPr>
+              <a:t>i_block</a:t>
+            </a:r>
+            <a:r>
+              <a:rPr lang="en-US" dirty="0">
+                <a:latin typeface="Consolas" panose="020B0609020204030204" pitchFamily="49" charset="0"/>
+                <a:cs typeface="Consolas" panose="020B0609020204030204" pitchFamily="49" charset="0"/>
+              </a:rPr>
+              <a:t>[EXT2_N_BLOCKS];/* Pointers to blocks */</a:t>
+            </a:r>
+          </a:p>
+          <a:p>
+            <a:r>
+              <a:rPr lang="en-US" dirty="0">
+                <a:latin typeface="Consolas" panose="020B0609020204030204" pitchFamily="49" charset="0"/>
+                <a:cs typeface="Consolas" panose="020B0609020204030204" pitchFamily="49" charset="0"/>
+              </a:rPr>
+              <a:t>        __le32  </a:t>
+            </a:r>
+            <a:r>
+              <a:rPr lang="en-US" dirty="0" err="1">
+                <a:latin typeface="Consolas" panose="020B0609020204030204" pitchFamily="49" charset="0"/>
+                <a:cs typeface="Consolas" panose="020B0609020204030204" pitchFamily="49" charset="0"/>
+              </a:rPr>
+              <a:t>i_generation</a:t>
+            </a:r>
+            <a:r>
+              <a:rPr lang="en-US" dirty="0">
+                <a:latin typeface="Consolas" panose="020B0609020204030204" pitchFamily="49" charset="0"/>
+                <a:cs typeface="Consolas" panose="020B0609020204030204" pitchFamily="49" charset="0"/>
+              </a:rPr>
+              <a:t>;   /* File version (for NFS) */</a:t>
+            </a:r>
+          </a:p>
+          <a:p>
+            <a:r>
+              <a:rPr lang="en-US" dirty="0">
+                <a:latin typeface="Consolas" panose="020B0609020204030204" pitchFamily="49" charset="0"/>
+                <a:cs typeface="Consolas" panose="020B0609020204030204" pitchFamily="49" charset="0"/>
+              </a:rPr>
+              <a:t>        __le32  </a:t>
+            </a:r>
+            <a:r>
+              <a:rPr lang="en-US" dirty="0" err="1">
+                <a:latin typeface="Consolas" panose="020B0609020204030204" pitchFamily="49" charset="0"/>
+                <a:cs typeface="Consolas" panose="020B0609020204030204" pitchFamily="49" charset="0"/>
+              </a:rPr>
+              <a:t>i_file_acl</a:t>
+            </a:r>
+            <a:r>
+              <a:rPr lang="en-US" dirty="0">
+                <a:latin typeface="Consolas" panose="020B0609020204030204" pitchFamily="49" charset="0"/>
+                <a:cs typeface="Consolas" panose="020B0609020204030204" pitchFamily="49" charset="0"/>
+              </a:rPr>
+              <a:t>;     /* File ACL */</a:t>
+            </a:r>
+          </a:p>
+          <a:p>
+            <a:r>
+              <a:rPr lang="en-US" dirty="0">
+                <a:latin typeface="Consolas" panose="020B0609020204030204" pitchFamily="49" charset="0"/>
+                <a:cs typeface="Consolas" panose="020B0609020204030204" pitchFamily="49" charset="0"/>
+              </a:rPr>
+              <a:t>        __le32  </a:t>
+            </a:r>
+            <a:r>
+              <a:rPr lang="en-US" dirty="0" err="1">
+                <a:latin typeface="Consolas" panose="020B0609020204030204" pitchFamily="49" charset="0"/>
+                <a:cs typeface="Consolas" panose="020B0609020204030204" pitchFamily="49" charset="0"/>
+              </a:rPr>
+              <a:t>i_dir_acl</a:t>
+            </a:r>
+            <a:r>
+              <a:rPr lang="en-US" dirty="0">
+                <a:latin typeface="Consolas" panose="020B0609020204030204" pitchFamily="49" charset="0"/>
+                <a:cs typeface="Consolas" panose="020B0609020204030204" pitchFamily="49" charset="0"/>
+              </a:rPr>
+              <a:t>;      /* Directory ACL */</a:t>
+            </a:r>
+          </a:p>
+          <a:p>
+            <a:r>
+              <a:rPr lang="en-US" dirty="0">
+                <a:latin typeface="Consolas" panose="020B0609020204030204" pitchFamily="49" charset="0"/>
+                <a:cs typeface="Consolas" panose="020B0609020204030204" pitchFamily="49" charset="0"/>
+              </a:rPr>
+              <a:t>        __le32  </a:t>
+            </a:r>
+            <a:r>
+              <a:rPr lang="en-US" dirty="0" err="1">
+                <a:latin typeface="Consolas" panose="020B0609020204030204" pitchFamily="49" charset="0"/>
+                <a:cs typeface="Consolas" panose="020B0609020204030204" pitchFamily="49" charset="0"/>
+              </a:rPr>
+              <a:t>i_faddr</a:t>
+            </a:r>
+            <a:r>
+              <a:rPr lang="en-US" dirty="0">
+                <a:latin typeface="Consolas" panose="020B0609020204030204" pitchFamily="49" charset="0"/>
+                <a:cs typeface="Consolas" panose="020B0609020204030204" pitchFamily="49" charset="0"/>
+              </a:rPr>
+              <a:t>;        /* Fragment address */</a:t>
+            </a:r>
+          </a:p>
+          <a:p>
+            <a:r>
+              <a:rPr lang="en-US" dirty="0">
+                <a:latin typeface="Consolas" panose="020B0609020204030204" pitchFamily="49" charset="0"/>
+                <a:cs typeface="Consolas" panose="020B0609020204030204" pitchFamily="49" charset="0"/>
+              </a:rPr>
+              <a:t>        union {</a:t>
+            </a:r>
+          </a:p>
+          <a:p>
+            <a:r>
+              <a:rPr lang="en-US" dirty="0">
+                <a:latin typeface="Consolas" panose="020B0609020204030204" pitchFamily="49" charset="0"/>
+                <a:cs typeface="Consolas" panose="020B0609020204030204" pitchFamily="49" charset="0"/>
+              </a:rPr>
+              <a:t>                struct {</a:t>
+            </a:r>
+          </a:p>
+          <a:p>
+            <a:r>
+              <a:rPr lang="en-US" dirty="0">
+                <a:latin typeface="Consolas" panose="020B0609020204030204" pitchFamily="49" charset="0"/>
+                <a:cs typeface="Consolas" panose="020B0609020204030204" pitchFamily="49" charset="0"/>
+              </a:rPr>
+              <a:t>                        __u8    </a:t>
+            </a:r>
+            <a:r>
+              <a:rPr lang="en-US" dirty="0" err="1">
+                <a:latin typeface="Consolas" panose="020B0609020204030204" pitchFamily="49" charset="0"/>
+                <a:cs typeface="Consolas" panose="020B0609020204030204" pitchFamily="49" charset="0"/>
+              </a:rPr>
+              <a:t>l_i_frag</a:t>
+            </a:r>
+            <a:r>
+              <a:rPr lang="en-US" dirty="0">
+                <a:latin typeface="Consolas" panose="020B0609020204030204" pitchFamily="49" charset="0"/>
+                <a:cs typeface="Consolas" panose="020B0609020204030204" pitchFamily="49" charset="0"/>
+              </a:rPr>
+              <a:t>;       /* Fragment number */</a:t>
+            </a:r>
+          </a:p>
+          <a:p>
+            <a:r>
+              <a:rPr lang="en-US" dirty="0">
+                <a:latin typeface="Consolas" panose="020B0609020204030204" pitchFamily="49" charset="0"/>
+                <a:cs typeface="Consolas" panose="020B0609020204030204" pitchFamily="49" charset="0"/>
+              </a:rPr>
+              <a:t>                        __u8    </a:t>
+            </a:r>
+            <a:r>
+              <a:rPr lang="en-US" dirty="0" err="1">
+                <a:latin typeface="Consolas" panose="020B0609020204030204" pitchFamily="49" charset="0"/>
+                <a:cs typeface="Consolas" panose="020B0609020204030204" pitchFamily="49" charset="0"/>
+              </a:rPr>
+              <a:t>l_i_fsize</a:t>
+            </a:r>
+            <a:r>
+              <a:rPr lang="en-US" dirty="0">
+                <a:latin typeface="Consolas" panose="020B0609020204030204" pitchFamily="49" charset="0"/>
+                <a:cs typeface="Consolas" panose="020B0609020204030204" pitchFamily="49" charset="0"/>
+              </a:rPr>
+              <a:t>;      /* Fragment size */</a:t>
+            </a:r>
+          </a:p>
+          <a:p>
+            <a:r>
+              <a:rPr lang="en-US" dirty="0">
+                <a:latin typeface="Consolas" panose="020B0609020204030204" pitchFamily="49" charset="0"/>
+                <a:cs typeface="Consolas" panose="020B0609020204030204" pitchFamily="49" charset="0"/>
+              </a:rPr>
+              <a:t>                        __u16   i_pad1;</a:t>
+            </a:r>
+          </a:p>
+          <a:p>
+            <a:r>
+              <a:rPr lang="en-US" dirty="0">
+                <a:latin typeface="Consolas" panose="020B0609020204030204" pitchFamily="49" charset="0"/>
+                <a:cs typeface="Consolas" panose="020B0609020204030204" pitchFamily="49" charset="0"/>
+              </a:rPr>
+              <a:t>                        __le16  </a:t>
+            </a:r>
+            <a:r>
+              <a:rPr lang="en-US" dirty="0" err="1">
+                <a:latin typeface="Consolas" panose="020B0609020204030204" pitchFamily="49" charset="0"/>
+                <a:cs typeface="Consolas" panose="020B0609020204030204" pitchFamily="49" charset="0"/>
+              </a:rPr>
+              <a:t>l_i_uid_high</a:t>
+            </a:r>
+            <a:r>
+              <a:rPr lang="en-US" dirty="0">
+                <a:latin typeface="Consolas" panose="020B0609020204030204" pitchFamily="49" charset="0"/>
+                <a:cs typeface="Consolas" panose="020B0609020204030204" pitchFamily="49" charset="0"/>
+              </a:rPr>
+              <a:t>;   /* these 2 fields    */</a:t>
+            </a:r>
+          </a:p>
+          <a:p>
+            <a:r>
+              <a:rPr lang="en-US" dirty="0">
+                <a:latin typeface="Consolas" panose="020B0609020204030204" pitchFamily="49" charset="0"/>
+                <a:cs typeface="Consolas" panose="020B0609020204030204" pitchFamily="49" charset="0"/>
+              </a:rPr>
+              <a:t>                        __le16  </a:t>
+            </a:r>
+            <a:r>
+              <a:rPr lang="en-US" dirty="0" err="1">
+                <a:latin typeface="Consolas" panose="020B0609020204030204" pitchFamily="49" charset="0"/>
+                <a:cs typeface="Consolas" panose="020B0609020204030204" pitchFamily="49" charset="0"/>
+              </a:rPr>
+              <a:t>l_i_gid_high</a:t>
+            </a:r>
+            <a:r>
+              <a:rPr lang="en-US" dirty="0">
+                <a:latin typeface="Consolas" panose="020B0609020204030204" pitchFamily="49" charset="0"/>
+                <a:cs typeface="Consolas" panose="020B0609020204030204" pitchFamily="49" charset="0"/>
+              </a:rPr>
+              <a:t>;   /* were reserved2[0] */</a:t>
+            </a:r>
+          </a:p>
+          <a:p>
+            <a:r>
+              <a:rPr lang="en-US" dirty="0">
+                <a:latin typeface="Consolas" panose="020B0609020204030204" pitchFamily="49" charset="0"/>
+                <a:cs typeface="Consolas" panose="020B0609020204030204" pitchFamily="49" charset="0"/>
+              </a:rPr>
+              <a:t>                        __u32   l_i_reserved2;</a:t>
+            </a:r>
+          </a:p>
+          <a:p>
+            <a:r>
+              <a:rPr lang="en-US" dirty="0">
+                <a:latin typeface="Consolas" panose="020B0609020204030204" pitchFamily="49" charset="0"/>
+                <a:cs typeface="Consolas" panose="020B0609020204030204" pitchFamily="49" charset="0"/>
+              </a:rPr>
+              <a:t>                } linux2;</a:t>
+            </a:r>
+          </a:p>
+          <a:p>
+            <a:r>
+              <a:rPr lang="en-US" dirty="0">
+                <a:latin typeface="Consolas" panose="020B0609020204030204" pitchFamily="49" charset="0"/>
+                <a:cs typeface="Consolas" panose="020B0609020204030204" pitchFamily="49" charset="0"/>
+              </a:rPr>
+              <a:t>        } osd2;                         /* OS dependent 2 */</a:t>
+            </a:r>
+          </a:p>
+          <a:p>
+            <a:r>
+              <a:rPr lang="en-US" dirty="0">
+                <a:latin typeface="Consolas" panose="020B0609020204030204" pitchFamily="49" charset="0"/>
+                <a:cs typeface="Consolas" panose="020B0609020204030204" pitchFamily="49" charset="0"/>
+              </a:rPr>
+              <a:t>};</a:t>
+            </a:r>
+            <a:endParaRPr lang="ru-RU" dirty="0">
+              <a:latin typeface="Consolas" panose="020B0609020204030204" pitchFamily="49" charset="0"/>
+              <a:cs typeface="Consolas" panose="020B0609020204030204" pitchFamily="49" charset="0"/>
+            </a:endParaRPr>
+          </a:p>
+        </p:txBody>
+      </p:sp>
     </p:spTree>
     <p:extLst>
       <p:ext uri="{BB962C8B-B14F-4D97-AF65-F5344CB8AC3E}">
-        <p14:creationId xmlns:p14="http://schemas.microsoft.com/office/powerpoint/2010/main" val="3696274954"/>
+        <p14:creationId xmlns:p14="http://schemas.microsoft.com/office/powerpoint/2010/main" val="3832082111"/>
       </p:ext>
     </p:extLst>
   </p:cSld>
   <p:clrMapOvr>
     <a:masterClrMapping/>
   </p:clrMapOvr>
+  <mc:AlternateContent xmlns:mc="http://schemas.openxmlformats.org/markup-compatibility/2006">
+    <mc:Choice xmlns:p14="http://schemas.microsoft.com/office/powerpoint/2010/main" Requires="p14">
+      <p:transition spd="slow" p14:dur="2000"/>
+    </mc:Choice>
+    <mc:Fallback>
+      <p:transition spd="slow"/>
+    </mc:Fallback>
+  </mc:AlternateContent>
+  <p:timing>
+    <p:tnLst>
+      <p:par>
+        <p:cTn id="1" dur="indefinite" restart="never" nodeType="tmRoot"/>
+      </p:par>
+    </p:tnLst>
+  </p:timing>
 </p:sld>
 </file>
 
@@ -41052,6 +43434,290 @@
           </p:nvPr>
         </p:nvGraphicFramePr>
         <p:xfrm>
+          <a:off x="0" y="365762"/>
+          <a:ext cx="12192000" cy="1920240"/>
+        </p:xfrm>
+        <a:graphic>
+          <a:graphicData uri="http://schemas.openxmlformats.org/drawingml/2006/table">
+            <a:tbl>
+              <a:tblPr firstRow="1" bandRow="1">
+                <a:tableStyleId>{3B4B98B0-60AC-42C2-AFA5-B58CD77FA1E5}</a:tableStyleId>
+              </a:tblPr>
+              <a:tblGrid>
+                <a:gridCol w="12192000">
+                  <a:extLst>
+                    <a:ext uri="{9D8B030D-6E8A-4147-A177-3AD203B41FA5}">
+                      <a16:colId xmlns:a16="http://schemas.microsoft.com/office/drawing/2014/main" val="20000"/>
+                    </a:ext>
+                  </a:extLst>
+                </a:gridCol>
+              </a:tblGrid>
+              <a:tr h="211959">
+                <a:tc>
+                  <a:txBody>
+                    <a:bodyPr/>
+                    <a:lstStyle/>
+                    <a:p>
+                      <a:r>
+                        <a:rPr lang="ru-RU" sz="2400" dirty="0"/>
+                        <a:t>Дополнительное чтение</a:t>
+                      </a:r>
+                    </a:p>
+                  </a:txBody>
+                  <a:tcPr/>
+                </a:tc>
+                <a:extLst>
+                  <a:ext uri="{0D108BD9-81ED-4DB2-BD59-A6C34878D82A}">
+                    <a16:rowId xmlns:a16="http://schemas.microsoft.com/office/drawing/2014/main" val="10000"/>
+                  </a:ext>
+                </a:extLst>
+              </a:tr>
+              <a:tr h="171923">
+                <a:tc>
+                  <a:txBody>
+                    <a:bodyPr/>
+                    <a:lstStyle/>
+                    <a:p>
+                      <a:pPr marL="285750" indent="-285750">
+                        <a:buFont typeface="Arial" panose="020B0604020202020204" pitchFamily="34" charset="0"/>
+                        <a:buChar char="•"/>
+                      </a:pPr>
+                      <a:r>
+                        <a:rPr lang="en-US" dirty="0">
+                          <a:hlinkClick r:id="rId3"/>
+                        </a:rPr>
+                        <a:t>http://www.nongnu.org/ext2-doc</a:t>
+                      </a:r>
+                      <a:endParaRPr lang="en-US" dirty="0"/>
+                    </a:p>
+                    <a:p>
+                      <a:pPr marL="285750" indent="-285750">
+                        <a:buFont typeface="Arial" panose="020B0604020202020204" pitchFamily="34" charset="0"/>
+                        <a:buChar char="•"/>
+                      </a:pPr>
+                      <a:r>
+                        <a:rPr lang="en-US" dirty="0">
+                          <a:hlinkClick r:id="rId4"/>
+                        </a:rPr>
+                        <a:t>https://ext4.wiki.kernel.org/index.php/Ext4_Disk_Layout</a:t>
+                      </a:r>
+                      <a:endParaRPr lang="en-US" dirty="0"/>
+                    </a:p>
+                    <a:p>
+                      <a:pPr marL="285750" indent="-285750">
+                        <a:buFont typeface="Arial" panose="020B0604020202020204" pitchFamily="34" charset="0"/>
+                        <a:buChar char="•"/>
+                      </a:pPr>
+                      <a:r>
+                        <a:rPr lang="en-US" dirty="0" smtClean="0">
+                          <a:hlinkClick r:id="rId5"/>
+                        </a:rPr>
+                        <a:t>http://wiki.osdev.org/Ext2</a:t>
+                      </a:r>
+                      <a:endParaRPr lang="en-US" dirty="0" smtClean="0"/>
+                    </a:p>
+                    <a:p>
+                      <a:pPr marL="285750" indent="-285750">
+                        <a:buFont typeface="Arial" panose="020B0604020202020204" pitchFamily="34" charset="0"/>
+                        <a:buChar char="•"/>
+                      </a:pPr>
+                      <a:endParaRPr lang="en-US" dirty="0" smtClean="0"/>
+                    </a:p>
+                    <a:p>
+                      <a:pPr marL="285750" indent="-285750">
+                        <a:buFont typeface="Arial" panose="020B0604020202020204" pitchFamily="34" charset="0"/>
+                        <a:buChar char="•"/>
+                      </a:pPr>
+                      <a:r>
+                        <a:rPr lang="en-US" dirty="0" smtClean="0">
+                          <a:hlinkClick r:id="rId6"/>
+                        </a:rPr>
+                        <a:t>https</a:t>
+                      </a:r>
+                      <a:r>
+                        <a:rPr lang="en-US" dirty="0">
+                          <a:hlinkClick r:id="rId6"/>
+                        </a:rPr>
+                        <a:t>://lwn.net/Articles/322823/</a:t>
+                      </a:r>
+                      <a:endParaRPr lang="en-US" dirty="0"/>
+                    </a:p>
+                  </a:txBody>
+                  <a:tcPr/>
+                </a:tc>
+                <a:extLst>
+                  <a:ext uri="{0D108BD9-81ED-4DB2-BD59-A6C34878D82A}">
+                    <a16:rowId xmlns:a16="http://schemas.microsoft.com/office/drawing/2014/main" val="10001"/>
+                  </a:ext>
+                </a:extLst>
+              </a:tr>
+            </a:tbl>
+          </a:graphicData>
+        </a:graphic>
+      </p:graphicFrame>
+    </p:spTree>
+    <p:extLst>
+      <p:ext uri="{BB962C8B-B14F-4D97-AF65-F5344CB8AC3E}">
+        <p14:creationId xmlns:p14="http://schemas.microsoft.com/office/powerpoint/2010/main" val="3696274954"/>
+      </p:ext>
+    </p:extLst>
+  </p:cSld>
+  <p:clrMapOvr>
+    <a:masterClrMapping/>
+  </p:clrMapOvr>
+  <p:timing>
+    <p:tnLst>
+      <p:par>
+        <p:cTn id="1" dur="indefinite" restart="never" nodeType="tmRoot"/>
+      </p:par>
+    </p:tnLst>
+  </p:timing>
+</p:sld>
+</file>
+
+<file path=ppt/slides/slide46.xml><?xml version="1.0" encoding="utf-8"?>
+<p:sld xmlns:a="http://schemas.openxmlformats.org/drawingml/2006/main" xmlns:r="http://schemas.openxmlformats.org/officeDocument/2006/relationships" xmlns:p="http://schemas.openxmlformats.org/presentationml/2006/main">
+  <p:cSld>
+    <p:spTree>
+      <p:nvGrpSpPr>
+        <p:cNvPr id="1" name=""/>
+        <p:cNvGrpSpPr/>
+        <p:nvPr/>
+      </p:nvGrpSpPr>
+      <p:grpSpPr>
+        <a:xfrm>
+          <a:off x="0" y="0"/>
+          <a:ext cx="0" cy="0"/>
+          <a:chOff x="0" y="0"/>
+          <a:chExt cx="0" cy="0"/>
+        </a:xfrm>
+      </p:grpSpPr>
+      <p:graphicFrame>
+        <p:nvGraphicFramePr>
+          <p:cNvPr id="5" name="Table 4"/>
+          <p:cNvGraphicFramePr>
+            <a:graphicFrameLocks noGrp="1"/>
+          </p:cNvGraphicFramePr>
+          <p:nvPr>
+            <p:extLst/>
+          </p:nvPr>
+        </p:nvGraphicFramePr>
+        <p:xfrm>
+          <a:off x="0" y="1"/>
+          <a:ext cx="12192000" cy="365760"/>
+        </p:xfrm>
+        <a:graphic>
+          <a:graphicData uri="http://schemas.openxmlformats.org/drawingml/2006/table">
+            <a:tbl>
+              <a:tblPr firstRow="1" bandRow="1">
+                <a:tableStyleId>{5C22544A-7EE6-4342-B048-85BDC9FD1C3A}</a:tableStyleId>
+              </a:tblPr>
+              <a:tblGrid>
+                <a:gridCol w="12192000">
+                  <a:extLst>
+                    <a:ext uri="{9D8B030D-6E8A-4147-A177-3AD203B41FA5}">
+                      <a16:colId xmlns:a16="http://schemas.microsoft.com/office/drawing/2014/main" val="20000"/>
+                    </a:ext>
+                  </a:extLst>
+                </a:gridCol>
+              </a:tblGrid>
+              <a:tr h="321276">
+                <a:tc>
+                  <a:txBody>
+                    <a:bodyPr/>
+                    <a:lstStyle/>
+                    <a:p>
+                      <a:r>
+                        <a:rPr lang="ru-RU" dirty="0"/>
+                        <a:t>Основы</a:t>
+                      </a:r>
+                      <a:r>
+                        <a:rPr lang="ru-RU" baseline="0" dirty="0"/>
+                        <a:t> построения файловых систем</a:t>
+                      </a:r>
+                      <a:endParaRPr lang="ru-RU" dirty="0"/>
+                    </a:p>
+                  </a:txBody>
+                  <a:tcPr/>
+                </a:tc>
+                <a:extLst>
+                  <a:ext uri="{0D108BD9-81ED-4DB2-BD59-A6C34878D82A}">
+                    <a16:rowId xmlns:a16="http://schemas.microsoft.com/office/drawing/2014/main" val="10000"/>
+                  </a:ext>
+                </a:extLst>
+              </a:tr>
+            </a:tbl>
+          </a:graphicData>
+        </a:graphic>
+      </p:graphicFrame>
+      <p:graphicFrame>
+        <p:nvGraphicFramePr>
+          <p:cNvPr id="6" name="Table 5"/>
+          <p:cNvGraphicFramePr>
+            <a:graphicFrameLocks noGrp="1"/>
+          </p:cNvGraphicFramePr>
+          <p:nvPr>
+            <p:extLst/>
+          </p:nvPr>
+        </p:nvGraphicFramePr>
+        <p:xfrm>
+          <a:off x="0" y="6532604"/>
+          <a:ext cx="12192000" cy="365760"/>
+        </p:xfrm>
+        <a:graphic>
+          <a:graphicData uri="http://schemas.openxmlformats.org/drawingml/2006/table">
+            <a:tbl>
+              <a:tblPr firstRow="1" bandRow="1">
+                <a:tableStyleId>{5C22544A-7EE6-4342-B048-85BDC9FD1C3A}</a:tableStyleId>
+              </a:tblPr>
+              <a:tblGrid>
+                <a:gridCol w="12192000">
+                  <a:extLst>
+                    <a:ext uri="{9D8B030D-6E8A-4147-A177-3AD203B41FA5}">
+                      <a16:colId xmlns:a16="http://schemas.microsoft.com/office/drawing/2014/main" val="20000"/>
+                    </a:ext>
+                  </a:extLst>
+                </a:gridCol>
+              </a:tblGrid>
+              <a:tr h="308094">
+                <a:tc>
+                  <a:txBody>
+                    <a:bodyPr/>
+                    <a:lstStyle/>
+                    <a:p>
+                      <a:r>
+                        <a:rPr lang="en-US" dirty="0"/>
+                        <a:t>Acronis @ </a:t>
+                      </a:r>
+                      <a:r>
+                        <a:rPr lang="ru-RU" dirty="0"/>
+                        <a:t>МФТИ</a:t>
+                      </a:r>
+                    </a:p>
+                  </a:txBody>
+                  <a:tcPr/>
+                </a:tc>
+                <a:extLst>
+                  <a:ext uri="{0D108BD9-81ED-4DB2-BD59-A6C34878D82A}">
+                    <a16:rowId xmlns:a16="http://schemas.microsoft.com/office/drawing/2014/main" val="10000"/>
+                  </a:ext>
+                </a:extLst>
+              </a:tr>
+            </a:tbl>
+          </a:graphicData>
+        </a:graphic>
+      </p:graphicFrame>
+      <p:graphicFrame>
+        <p:nvGraphicFramePr>
+          <p:cNvPr id="2" name="Table 1"/>
+          <p:cNvGraphicFramePr>
+            <a:graphicFrameLocks noGrp="1"/>
+          </p:cNvGraphicFramePr>
+          <p:nvPr>
+            <p:extLst/>
+          </p:nvPr>
+        </p:nvGraphicFramePr>
+        <p:xfrm>
           <a:off x="0" y="382238"/>
           <a:ext cx="12192000" cy="4480560"/>
         </p:xfrm>
@@ -41156,6 +43822,10 @@
                       <a:br>
                         <a:rPr lang="ru-RU" sz="1800" baseline="0" dirty="0"/>
                       </a:br>
+                      <a:r>
+                        <a:rPr lang="ru-RU" sz="1800" dirty="0"/>
+                        <a:t/>
+                      </a:r>
                       <a:br>
                         <a:rPr lang="ru-RU" sz="1800" dirty="0"/>
                       </a:br>
@@ -41447,6 +44117,13 @@
   <p:clrMapOvr>
     <a:masterClrMapping/>
   </p:clrMapOvr>
+  <p:timing>
+    <p:tnLst>
+      <p:par>
+        <p:cTn id="1" dur="indefinite" restart="never" nodeType="tmRoot"/>
+      </p:par>
+    </p:tnLst>
+  </p:timing>
 </p:sld>
 </file>
 
@@ -41737,6 +44414,10 @@
                       <a:br>
                         <a:rPr lang="en-US" baseline="0" dirty="0"/>
                       </a:br>
+                      <a:r>
+                        <a:rPr lang="en-US" baseline="0" dirty="0"/>
+                        <a:t/>
+                      </a:r>
                       <a:br>
                         <a:rPr lang="en-US" baseline="0" dirty="0"/>
                       </a:br>
@@ -41770,6 +44451,10 @@
                       <a:br>
                         <a:rPr lang="en-US" dirty="0"/>
                       </a:br>
+                      <a:r>
+                        <a:rPr lang="en-US" dirty="0"/>
+                        <a:t/>
+                      </a:r>
                       <a:br>
                         <a:rPr lang="en-US" dirty="0"/>
                       </a:br>
@@ -42104,6 +44789,13 @@
   <p:clrMapOvr>
     <a:masterClrMapping/>
   </p:clrMapOvr>
+  <p:timing>
+    <p:tnLst>
+      <p:par>
+        <p:cTn id="1" dur="indefinite" restart="never" nodeType="tmRoot"/>
+      </p:par>
+    </p:tnLst>
+  </p:timing>
 </p:sld>
 </file>
 
@@ -42334,54 +45026,122 @@
                       <a:br>
                         <a:rPr lang="ru-RU" dirty="0"/>
                       </a:br>
+                      <a:r>
+                        <a:rPr lang="ru-RU" dirty="0"/>
+                        <a:t/>
+                      </a:r>
                       <a:br>
                         <a:rPr lang="ru-RU" dirty="0"/>
                       </a:br>
+                      <a:r>
+                        <a:rPr lang="ru-RU" dirty="0"/>
+                        <a:t/>
+                      </a:r>
                       <a:br>
                         <a:rPr lang="ru-RU" dirty="0"/>
                       </a:br>
+                      <a:r>
+                        <a:rPr lang="ru-RU" dirty="0"/>
+                        <a:t/>
+                      </a:r>
                       <a:br>
                         <a:rPr lang="ru-RU" dirty="0"/>
                       </a:br>
+                      <a:r>
+                        <a:rPr lang="ru-RU" dirty="0"/>
+                        <a:t/>
+                      </a:r>
                       <a:br>
                         <a:rPr lang="ru-RU" dirty="0"/>
                       </a:br>
+                      <a:r>
+                        <a:rPr lang="ru-RU" dirty="0"/>
+                        <a:t/>
+                      </a:r>
                       <a:br>
                         <a:rPr lang="ru-RU" dirty="0"/>
                       </a:br>
+                      <a:r>
+                        <a:rPr lang="ru-RU" dirty="0"/>
+                        <a:t/>
+                      </a:r>
                       <a:br>
                         <a:rPr lang="ru-RU" dirty="0"/>
                       </a:br>
+                      <a:r>
+                        <a:rPr lang="ru-RU" dirty="0"/>
+                        <a:t/>
+                      </a:r>
                       <a:br>
                         <a:rPr lang="ru-RU" dirty="0"/>
                       </a:br>
+                      <a:r>
+                        <a:rPr lang="ru-RU" dirty="0"/>
+                        <a:t/>
+                      </a:r>
                       <a:br>
                         <a:rPr lang="ru-RU" dirty="0"/>
                       </a:br>
+                      <a:r>
+                        <a:rPr lang="ru-RU" dirty="0"/>
+                        <a:t/>
+                      </a:r>
                       <a:br>
                         <a:rPr lang="ru-RU" dirty="0"/>
                       </a:br>
+                      <a:r>
+                        <a:rPr lang="ru-RU" dirty="0"/>
+                        <a:t/>
+                      </a:r>
                       <a:br>
                         <a:rPr lang="ru-RU" dirty="0"/>
                       </a:br>
+                      <a:r>
+                        <a:rPr lang="ru-RU" dirty="0"/>
+                        <a:t/>
+                      </a:r>
                       <a:br>
                         <a:rPr lang="ru-RU" dirty="0"/>
                       </a:br>
+                      <a:r>
+                        <a:rPr lang="ru-RU" dirty="0"/>
+                        <a:t/>
+                      </a:r>
                       <a:br>
                         <a:rPr lang="ru-RU" dirty="0"/>
                       </a:br>
+                      <a:r>
+                        <a:rPr lang="ru-RU" dirty="0"/>
+                        <a:t/>
+                      </a:r>
                       <a:br>
                         <a:rPr lang="ru-RU" dirty="0"/>
                       </a:br>
+                      <a:r>
+                        <a:rPr lang="ru-RU" dirty="0"/>
+                        <a:t/>
+                      </a:r>
                       <a:br>
                         <a:rPr lang="ru-RU" dirty="0"/>
                       </a:br>
+                      <a:r>
+                        <a:rPr lang="ru-RU" dirty="0"/>
+                        <a:t/>
+                      </a:r>
                       <a:br>
                         <a:rPr lang="ru-RU" dirty="0"/>
                       </a:br>
+                      <a:r>
+                        <a:rPr lang="ru-RU" dirty="0"/>
+                        <a:t/>
+                      </a:r>
                       <a:br>
                         <a:rPr lang="ru-RU" dirty="0"/>
                       </a:br>
+                      <a:r>
+                        <a:rPr lang="ru-RU" dirty="0"/>
+                        <a:t/>
+                      </a:r>
                       <a:br>
                         <a:rPr lang="ru-RU" dirty="0"/>
                       </a:br>
@@ -42586,6 +45346,14 @@
             </a:r>
           </a:p>
           <a:p>
+            <a:r>
+              <a:rPr lang="is-IS" sz="1400" dirty="0">
+                <a:latin typeface="Consolas" charset="0"/>
+                <a:ea typeface="Consolas" charset="0"/>
+                <a:cs typeface="Consolas" charset="0"/>
+              </a:rPr>
+              <a:t/>
+            </a:r>
             <a:br>
               <a:rPr lang="is-IS" sz="1400" dirty="0">
                 <a:latin typeface="Consolas" charset="0"/>
@@ -42678,6 +45446,13 @@
   <p:clrMapOvr>
     <a:masterClrMapping/>
   </p:clrMapOvr>
+  <p:timing>
+    <p:tnLst>
+      <p:par>
+        <p:cTn id="1" dur="indefinite" restart="never" nodeType="tmRoot"/>
+      </p:par>
+    </p:tnLst>
+  </p:timing>
 </p:sld>
 </file>
 
@@ -42953,18 +45728,34 @@
                     <a:bodyPr/>
                     <a:lstStyle/>
                     <a:p>
+                      <a:r>
+                        <a:rPr lang="en-US" dirty="0"/>
+                        <a:t/>
+                      </a:r>
                       <a:br>
                         <a:rPr lang="en-US" dirty="0"/>
                       </a:br>
+                      <a:r>
+                        <a:rPr lang="en-US" dirty="0"/>
+                        <a:t/>
+                      </a:r>
                       <a:br>
                         <a:rPr lang="en-US" dirty="0"/>
                       </a:br>
+                      <a:r>
+                        <a:rPr lang="en-US" dirty="0"/>
+                        <a:t/>
+                      </a:r>
                       <a:br>
                         <a:rPr lang="en-US" dirty="0"/>
                       </a:br>
                       <a:endParaRPr lang="en-US" dirty="0"/>
                     </a:p>
                     <a:p>
+                      <a:r>
+                        <a:rPr lang="en-US" dirty="0"/>
+                        <a:t/>
+                      </a:r>
                       <a:br>
                         <a:rPr lang="en-US" dirty="0"/>
                       </a:br>
@@ -43061,18 +45852,63 @@
                 <a:ea typeface="Consolas" charset="0"/>
                 <a:cs typeface="Consolas" charset="0"/>
               </a:rPr>
-              <a:t>        be32            slice_id;</a:t>
-            </a:r>
-          </a:p>
-          <a:p>
+              <a:t>        </a:t>
+            </a:r>
+            <a:r>
+              <a:rPr lang="is-IS" sz="1400" dirty="0" smtClean="0">
+                <a:latin typeface="Consolas" charset="0"/>
+                <a:ea typeface="Consolas" charset="0"/>
+                <a:cs typeface="Consolas" charset="0"/>
+              </a:rPr>
+              <a:t>be64</a:t>
+            </a:r>
             <a:r>
               <a:rPr lang="is-IS" sz="1400" dirty="0">
                 <a:latin typeface="Consolas" charset="0"/>
                 <a:ea typeface="Consolas" charset="0"/>
                 <a:cs typeface="Consolas" charset="0"/>
               </a:rPr>
-              <a:t>        be64            wr_seq;</a:t>
-            </a:r>
+              <a:t>            wr_seq</a:t>
+            </a:r>
+            <a:r>
+              <a:rPr lang="is-IS" sz="1400" dirty="0" smtClean="0">
+                <a:latin typeface="Consolas" charset="0"/>
+                <a:ea typeface="Consolas" charset="0"/>
+                <a:cs typeface="Consolas" charset="0"/>
+              </a:rPr>
+              <a:t>;</a:t>
+            </a:r>
+          </a:p>
+          <a:p>
+            <a:r>
+              <a:rPr lang="is-IS" sz="1400" dirty="0" smtClean="0">
+                <a:latin typeface="Consolas" charset="0"/>
+                <a:ea typeface="Consolas" charset="0"/>
+                <a:cs typeface="Consolas" charset="0"/>
+              </a:rPr>
+              <a:t>        be32</a:t>
+            </a:r>
+            <a:r>
+              <a:rPr lang="is-IS" sz="1400" dirty="0">
+                <a:latin typeface="Consolas" charset="0"/>
+                <a:ea typeface="Consolas" charset="0"/>
+                <a:cs typeface="Consolas" charset="0"/>
+              </a:rPr>
+              <a:t>            slice_id</a:t>
+            </a:r>
+            <a:r>
+              <a:rPr lang="is-IS" sz="1400" dirty="0" smtClean="0">
+                <a:latin typeface="Consolas" charset="0"/>
+                <a:ea typeface="Consolas" charset="0"/>
+                <a:cs typeface="Consolas" charset="0"/>
+              </a:rPr>
+              <a:t>;</a:t>
+            </a:r>
+            <a:endParaRPr lang="is-IS" sz="1400" dirty="0">
+              <a:latin typeface="Consolas" charset="0"/>
+              <a:ea typeface="Consolas" charset="0"/>
+              <a:cs typeface="Consolas" charset="0"/>
+            </a:endParaRPr>
           </a:p>
           <a:p>
             <a:r>
@@ -43103,6 +45939,13 @@
   <p:clrMapOvr>
     <a:masterClrMapping/>
   </p:clrMapOvr>
+  <p:timing>
+    <p:tnLst>
+      <p:par>
+        <p:cTn id="1" dur="indefinite" restart="never" nodeType="tmRoot"/>
+      </p:par>
+    </p:tnLst>
+  </p:timing>
 </p:sld>
 </file>
 
@@ -43386,18 +46229,34 @@
                     <a:bodyPr/>
                     <a:lstStyle/>
                     <a:p>
+                      <a:r>
+                        <a:rPr lang="en-US" dirty="0"/>
+                        <a:t/>
+                      </a:r>
                       <a:br>
                         <a:rPr lang="en-US" dirty="0"/>
                       </a:br>
+                      <a:r>
+                        <a:rPr lang="en-US" dirty="0"/>
+                        <a:t/>
+                      </a:r>
                       <a:br>
                         <a:rPr lang="en-US" dirty="0"/>
                       </a:br>
+                      <a:r>
+                        <a:rPr lang="en-US" dirty="0"/>
+                        <a:t/>
+                      </a:r>
                       <a:br>
                         <a:rPr lang="en-US" dirty="0"/>
                       </a:br>
                       <a:endParaRPr lang="en-US" dirty="0"/>
                     </a:p>
                     <a:p>
+                      <a:r>
+                        <a:rPr lang="en-US" dirty="0"/>
+                        <a:t/>
+                      </a:r>
                       <a:br>
                         <a:rPr lang="en-US" dirty="0"/>
                       </a:br>
@@ -43636,6 +46495,13 @@
   <p:clrMapOvr>
     <a:masterClrMapping/>
   </p:clrMapOvr>
+  <p:timing>
+    <p:tnLst>
+      <p:par>
+        <p:cTn id="1" dur="indefinite" restart="never" nodeType="tmRoot"/>
+      </p:par>
+    </p:tnLst>
+  </p:timing>
 </p:sld>
 </file>
 
@@ -43946,18 +46812,34 @@
                     <a:bodyPr/>
                     <a:lstStyle/>
                     <a:p>
+                      <a:r>
+                        <a:rPr lang="en-US" dirty="0"/>
+                        <a:t/>
+                      </a:r>
                       <a:br>
                         <a:rPr lang="en-US" dirty="0"/>
                       </a:br>
+                      <a:r>
+                        <a:rPr lang="en-US" dirty="0"/>
+                        <a:t/>
+                      </a:r>
                       <a:br>
                         <a:rPr lang="en-US" dirty="0"/>
                       </a:br>
+                      <a:r>
+                        <a:rPr lang="en-US" dirty="0"/>
+                        <a:t/>
+                      </a:r>
                       <a:br>
                         <a:rPr lang="en-US" dirty="0"/>
                       </a:br>
                       <a:endParaRPr lang="en-US" dirty="0"/>
                     </a:p>
                     <a:p>
+                      <a:r>
+                        <a:rPr lang="en-US" dirty="0"/>
+                        <a:t/>
+                      </a:r>
                       <a:br>
                         <a:rPr lang="en-US" dirty="0"/>
                       </a:br>
@@ -44539,6 +47421,13 @@
   <p:clrMapOvr>
     <a:masterClrMapping/>
   </p:clrMapOvr>
+  <p:timing>
+    <p:tnLst>
+      <p:par>
+        <p:cTn id="1" dur="indefinite" restart="never" nodeType="tmRoot"/>
+      </p:par>
+    </p:tnLst>
+  </p:timing>
 </p:sld>
 </file>
 
